--- a/Accenture responsibilities.pptx
+++ b/Accenture responsibilities.pptx
@@ -197,6 +197,10 @@
 <p:cmAuthorLst xmlns:a="http://schemas.openxmlformats.org/drawingml/2006/main" xmlns:r="http://schemas.openxmlformats.org/officeDocument/2006/relationships" xmlns:p="http://schemas.openxmlformats.org/presentationml/2006/main">
   <p:cmAuthor id="0" name="Francis, Jeffrey A." initials="JFA" lastIdx="0" clrIdx="0"/>
 </p:cmAuthorLst>
+</file>
+
+<file path=ppt/revisionInfo.xml><?xml version="1.0" encoding="utf-8"?>
+<p1510:revInfo xmlns:a="http://schemas.openxmlformats.org/drawingml/2006/main" xmlns:r="http://schemas.openxmlformats.org/officeDocument/2006/relationships" xmlns:p1510="http://schemas.microsoft.com/office/powerpoint/2015/10/main"/>
 </file>
 
 <file path=ppt/diagrams/colors1.xml><?xml version="1.0" encoding="utf-8"?>
@@ -1922,14 +1926,11 @@
         <a:lstStyle/>
         <a:p>
           <a:r>
-            <a:rPr lang="en-US" sz="1000" dirty="0" smtClean="0">
+            <a:rPr lang="en-US" sz="1000" dirty="0">
               <a:latin typeface="Calibri" panose="020F0502020204030204" pitchFamily="34" charset="0"/>
             </a:rPr>
             <a:t>Server Management</a:t>
           </a:r>
-          <a:endParaRPr lang="en-US" sz="1000" dirty="0">
-            <a:latin typeface="Calibri" panose="020F0502020204030204" pitchFamily="34" charset="0"/>
-          </a:endParaRPr>
         </a:p>
       </dgm:t>
     </dgm:pt>
@@ -1967,14 +1968,11 @@
         <a:lstStyle/>
         <a:p>
           <a:r>
-            <a:rPr lang="en-US" sz="1000" dirty="0" smtClean="0">
+            <a:rPr lang="en-US" sz="1000" dirty="0">
               <a:latin typeface="Calibri" panose="020F0502020204030204" pitchFamily="34" charset="0"/>
             </a:rPr>
             <a:t>Database Management</a:t>
           </a:r>
-          <a:endParaRPr lang="en-US" sz="1000" dirty="0">
-            <a:latin typeface="Calibri" panose="020F0502020204030204" pitchFamily="34" charset="0"/>
-          </a:endParaRPr>
         </a:p>
       </dgm:t>
     </dgm:pt>
@@ -2012,7 +2010,7 @@
         <a:lstStyle/>
         <a:p>
           <a:r>
-            <a:rPr lang="en-IN" sz="1000" dirty="0" smtClean="0">
+            <a:rPr lang="en-IN" sz="1000" dirty="0">
               <a:latin typeface="Calibri" panose="020F0502020204030204" pitchFamily="34" charset="0"/>
             </a:rPr>
             <a:t>Application Management</a:t>
@@ -2057,14 +2055,11 @@
         <a:lstStyle/>
         <a:p>
           <a:r>
-            <a:rPr lang="en-US" sz="1000" dirty="0" smtClean="0">
+            <a:rPr lang="en-US" sz="1000" dirty="0">
               <a:latin typeface="Calibri" panose="020F0502020204030204" pitchFamily="34" charset="0"/>
             </a:rPr>
             <a:t>Configuration Management</a:t>
           </a:r>
-          <a:endParaRPr lang="en-US" sz="1000" dirty="0">
-            <a:latin typeface="Calibri" panose="020F0502020204030204" pitchFamily="34" charset="0"/>
-          </a:endParaRPr>
         </a:p>
       </dgm:t>
     </dgm:pt>
@@ -2102,14 +2097,11 @@
         <a:lstStyle/>
         <a:p>
           <a:r>
-            <a:rPr lang="en-US" sz="1000" dirty="0" smtClean="0">
+            <a:rPr lang="en-US" sz="1000" dirty="0">
               <a:latin typeface="Calibri" panose="020F0502020204030204" pitchFamily="34" charset="0"/>
             </a:rPr>
             <a:t>Automations</a:t>
           </a:r>
-          <a:endParaRPr lang="en-US" sz="1000" dirty="0">
-            <a:latin typeface="Calibri" panose="020F0502020204030204" pitchFamily="34" charset="0"/>
-          </a:endParaRPr>
         </a:p>
       </dgm:t>
     </dgm:pt>
@@ -2148,79 +2140,30 @@
         </dgm:presLayoutVars>
       </dgm:prSet>
       <dgm:spPr/>
-      <dgm:t>
-        <a:bodyPr/>
-        <a:lstStyle/>
-        <a:p>
-          <a:endParaRPr lang="en-US"/>
-        </a:p>
-      </dgm:t>
     </dgm:pt>
     <dgm:pt modelId="{95D4E4BA-DB9B-4B27-802A-4440FD6F9503}" type="pres">
       <dgm:prSet presAssocID="{6222F6E5-AFFC-41D6-B49B-036BFA713D74}" presName="Name1" presStyleCnt="0"/>
       <dgm:spPr/>
-      <dgm:t>
-        <a:bodyPr/>
-        <a:lstStyle/>
-        <a:p>
-          <a:endParaRPr lang="en-US"/>
-        </a:p>
-      </dgm:t>
     </dgm:pt>
     <dgm:pt modelId="{D5FB000B-ACEB-48F8-8DD8-7E1186A7693F}" type="pres">
       <dgm:prSet presAssocID="{6222F6E5-AFFC-41D6-B49B-036BFA713D74}" presName="cycle" presStyleCnt="0"/>
       <dgm:spPr/>
-      <dgm:t>
-        <a:bodyPr/>
-        <a:lstStyle/>
-        <a:p>
-          <a:endParaRPr lang="en-US"/>
-        </a:p>
-      </dgm:t>
     </dgm:pt>
     <dgm:pt modelId="{2D23F277-44D9-4266-9D67-F33AF7636B9C}" type="pres">
       <dgm:prSet presAssocID="{6222F6E5-AFFC-41D6-B49B-036BFA713D74}" presName="srcNode" presStyleLbl="node1" presStyleIdx="0" presStyleCnt="5"/>
       <dgm:spPr/>
-      <dgm:t>
-        <a:bodyPr/>
-        <a:lstStyle/>
-        <a:p>
-          <a:endParaRPr lang="en-US"/>
-        </a:p>
-      </dgm:t>
     </dgm:pt>
     <dgm:pt modelId="{52B25380-4774-489E-888F-97913F08C417}" type="pres">
       <dgm:prSet presAssocID="{6222F6E5-AFFC-41D6-B49B-036BFA713D74}" presName="conn" presStyleLbl="parChTrans1D2" presStyleIdx="0" presStyleCnt="1"/>
       <dgm:spPr/>
-      <dgm:t>
-        <a:bodyPr/>
-        <a:lstStyle/>
-        <a:p>
-          <a:endParaRPr lang="en-US"/>
-        </a:p>
-      </dgm:t>
     </dgm:pt>
     <dgm:pt modelId="{0956368E-2BD7-4E6F-8E96-AEEFEBCC27D6}" type="pres">
       <dgm:prSet presAssocID="{6222F6E5-AFFC-41D6-B49B-036BFA713D74}" presName="extraNode" presStyleLbl="node1" presStyleIdx="0" presStyleCnt="5"/>
       <dgm:spPr/>
-      <dgm:t>
-        <a:bodyPr/>
-        <a:lstStyle/>
-        <a:p>
-          <a:endParaRPr lang="en-US"/>
-        </a:p>
-      </dgm:t>
     </dgm:pt>
     <dgm:pt modelId="{DF913775-165B-4AAA-9F27-26D13B0BC896}" type="pres">
       <dgm:prSet presAssocID="{6222F6E5-AFFC-41D6-B49B-036BFA713D74}" presName="dstNode" presStyleLbl="node1" presStyleIdx="0" presStyleCnt="5"/>
       <dgm:spPr/>
-      <dgm:t>
-        <a:bodyPr/>
-        <a:lstStyle/>
-        <a:p>
-          <a:endParaRPr lang="en-US"/>
-        </a:p>
-      </dgm:t>
     </dgm:pt>
     <dgm:pt modelId="{607CF098-1BB2-416E-B593-D7BF065321FD}" type="pres">
       <dgm:prSet presAssocID="{B08DB809-54D2-46E2-B469-E5E850456942}" presName="text_1" presStyleLbl="node1" presStyleIdx="0" presStyleCnt="5">
@@ -2229,35 +2172,14 @@
         </dgm:presLayoutVars>
       </dgm:prSet>
       <dgm:spPr/>
-      <dgm:t>
-        <a:bodyPr/>
-        <a:lstStyle/>
-        <a:p>
-          <a:endParaRPr lang="en-US"/>
-        </a:p>
-      </dgm:t>
     </dgm:pt>
     <dgm:pt modelId="{CBE272B7-643B-435C-815A-FA9F41B22888}" type="pres">
       <dgm:prSet presAssocID="{B08DB809-54D2-46E2-B469-E5E850456942}" presName="accent_1" presStyleCnt="0"/>
       <dgm:spPr/>
-      <dgm:t>
-        <a:bodyPr/>
-        <a:lstStyle/>
-        <a:p>
-          <a:endParaRPr lang="en-US"/>
-        </a:p>
-      </dgm:t>
     </dgm:pt>
     <dgm:pt modelId="{FDD6802C-63AD-4F2E-8561-13EC8E312EA1}" type="pres">
       <dgm:prSet presAssocID="{B08DB809-54D2-46E2-B469-E5E850456942}" presName="accentRepeatNode" presStyleLbl="solidFgAcc1" presStyleIdx="0" presStyleCnt="5"/>
       <dgm:spPr/>
-      <dgm:t>
-        <a:bodyPr/>
-        <a:lstStyle/>
-        <a:p>
-          <a:endParaRPr lang="en-US"/>
-        </a:p>
-      </dgm:t>
     </dgm:pt>
     <dgm:pt modelId="{36FCE19C-4BC6-4730-ADEC-339AED907F9A}" type="pres">
       <dgm:prSet presAssocID="{949B2DAB-418A-4F9D-B4BD-BF88B8B547B5}" presName="text_2" presStyleLbl="node1" presStyleIdx="1" presStyleCnt="5">
@@ -2266,35 +2188,14 @@
         </dgm:presLayoutVars>
       </dgm:prSet>
       <dgm:spPr/>
-      <dgm:t>
-        <a:bodyPr/>
-        <a:lstStyle/>
-        <a:p>
-          <a:endParaRPr lang="en-US"/>
-        </a:p>
-      </dgm:t>
     </dgm:pt>
     <dgm:pt modelId="{20119BE8-63D3-463E-B23A-48A04B67E554}" type="pres">
       <dgm:prSet presAssocID="{949B2DAB-418A-4F9D-B4BD-BF88B8B547B5}" presName="accent_2" presStyleCnt="0"/>
       <dgm:spPr/>
-      <dgm:t>
-        <a:bodyPr/>
-        <a:lstStyle/>
-        <a:p>
-          <a:endParaRPr lang="en-US"/>
-        </a:p>
-      </dgm:t>
     </dgm:pt>
     <dgm:pt modelId="{BAD09293-0FA2-445D-8E9E-8FBE96C1761E}" type="pres">
       <dgm:prSet presAssocID="{949B2DAB-418A-4F9D-B4BD-BF88B8B547B5}" presName="accentRepeatNode" presStyleLbl="solidFgAcc1" presStyleIdx="1" presStyleCnt="5"/>
       <dgm:spPr/>
-      <dgm:t>
-        <a:bodyPr/>
-        <a:lstStyle/>
-        <a:p>
-          <a:endParaRPr lang="en-US"/>
-        </a:p>
-      </dgm:t>
     </dgm:pt>
     <dgm:pt modelId="{05B39571-C930-444C-919A-99D06A847B91}" type="pres">
       <dgm:prSet presAssocID="{3A42581C-BC5B-4219-A6E2-5908E3FE4303}" presName="text_3" presStyleLbl="node1" presStyleIdx="2" presStyleCnt="5">
@@ -2303,35 +2204,14 @@
         </dgm:presLayoutVars>
       </dgm:prSet>
       <dgm:spPr/>
-      <dgm:t>
-        <a:bodyPr/>
-        <a:lstStyle/>
-        <a:p>
-          <a:endParaRPr lang="en-US"/>
-        </a:p>
-      </dgm:t>
     </dgm:pt>
     <dgm:pt modelId="{C4AF19A8-2221-4ABC-9220-EDFA21C8EE63}" type="pres">
       <dgm:prSet presAssocID="{3A42581C-BC5B-4219-A6E2-5908E3FE4303}" presName="accent_3" presStyleCnt="0"/>
       <dgm:spPr/>
-      <dgm:t>
-        <a:bodyPr/>
-        <a:lstStyle/>
-        <a:p>
-          <a:endParaRPr lang="en-US"/>
-        </a:p>
-      </dgm:t>
     </dgm:pt>
     <dgm:pt modelId="{12FEF978-E610-4914-9E6D-9A7E0C2904AE}" type="pres">
       <dgm:prSet presAssocID="{3A42581C-BC5B-4219-A6E2-5908E3FE4303}" presName="accentRepeatNode" presStyleLbl="solidFgAcc1" presStyleIdx="2" presStyleCnt="5"/>
       <dgm:spPr/>
-      <dgm:t>
-        <a:bodyPr/>
-        <a:lstStyle/>
-        <a:p>
-          <a:endParaRPr lang="en-US"/>
-        </a:p>
-      </dgm:t>
     </dgm:pt>
     <dgm:pt modelId="{6424CF66-8046-4AE2-B7F1-7D17BB2A4D5C}" type="pres">
       <dgm:prSet presAssocID="{B8B6A435-717B-468D-B893-D7C0E7588344}" presName="text_4" presStyleLbl="node1" presStyleIdx="3" presStyleCnt="5">
@@ -2340,35 +2220,14 @@
         </dgm:presLayoutVars>
       </dgm:prSet>
       <dgm:spPr/>
-      <dgm:t>
-        <a:bodyPr/>
-        <a:lstStyle/>
-        <a:p>
-          <a:endParaRPr lang="en-US"/>
-        </a:p>
-      </dgm:t>
     </dgm:pt>
     <dgm:pt modelId="{B9F40A61-5BD6-407C-A5C2-9503D67D6333}" type="pres">
       <dgm:prSet presAssocID="{B8B6A435-717B-468D-B893-D7C0E7588344}" presName="accent_4" presStyleCnt="0"/>
       <dgm:spPr/>
-      <dgm:t>
-        <a:bodyPr/>
-        <a:lstStyle/>
-        <a:p>
-          <a:endParaRPr lang="en-US"/>
-        </a:p>
-      </dgm:t>
     </dgm:pt>
     <dgm:pt modelId="{EB070056-A930-4DBF-A6CE-04290516BEAA}" type="pres">
       <dgm:prSet presAssocID="{B8B6A435-717B-468D-B893-D7C0E7588344}" presName="accentRepeatNode" presStyleLbl="solidFgAcc1" presStyleIdx="3" presStyleCnt="5"/>
       <dgm:spPr/>
-      <dgm:t>
-        <a:bodyPr/>
-        <a:lstStyle/>
-        <a:p>
-          <a:endParaRPr lang="en-US"/>
-        </a:p>
-      </dgm:t>
     </dgm:pt>
     <dgm:pt modelId="{D587C7A3-0200-431A-8186-128072ACD90A}" type="pres">
       <dgm:prSet presAssocID="{0AD03E8E-7E27-4BA2-84E5-65C85EA68777}" presName="text_5" presStyleLbl="node1" presStyleIdx="4" presStyleCnt="5">
@@ -2377,50 +2236,29 @@
         </dgm:presLayoutVars>
       </dgm:prSet>
       <dgm:spPr/>
-      <dgm:t>
-        <a:bodyPr/>
-        <a:lstStyle/>
-        <a:p>
-          <a:endParaRPr lang="en-US"/>
-        </a:p>
-      </dgm:t>
     </dgm:pt>
     <dgm:pt modelId="{641F24CF-EDEE-4890-90C4-92EAFB43A028}" type="pres">
       <dgm:prSet presAssocID="{0AD03E8E-7E27-4BA2-84E5-65C85EA68777}" presName="accent_5" presStyleCnt="0"/>
       <dgm:spPr/>
-      <dgm:t>
-        <a:bodyPr/>
-        <a:lstStyle/>
-        <a:p>
-          <a:endParaRPr lang="en-US"/>
-        </a:p>
-      </dgm:t>
     </dgm:pt>
     <dgm:pt modelId="{A822275A-E522-47E4-8806-D0F59EA8280A}" type="pres">
       <dgm:prSet presAssocID="{0AD03E8E-7E27-4BA2-84E5-65C85EA68777}" presName="accentRepeatNode" presStyleLbl="solidFgAcc1" presStyleIdx="4" presStyleCnt="5"/>
       <dgm:spPr/>
-      <dgm:t>
-        <a:bodyPr/>
-        <a:lstStyle/>
-        <a:p>
-          <a:endParaRPr lang="en-US"/>
-        </a:p>
-      </dgm:t>
     </dgm:pt>
   </dgm:ptLst>
   <dgm:cxnLst>
     <dgm:cxn modelId="{F6C64519-2DAD-44BA-84C5-79E145109753}" type="presOf" srcId="{949B2DAB-418A-4F9D-B4BD-BF88B8B547B5}" destId="{36FCE19C-4BC6-4730-ADEC-339AED907F9A}" srcOrd="0" destOrd="0" presId="urn:microsoft.com/office/officeart/2008/layout/VerticalCurvedList"/>
     <dgm:cxn modelId="{D8695F50-4F9D-4AC6-B8FD-7AA68C66C5A1}" type="presOf" srcId="{0AD03E8E-7E27-4BA2-84E5-65C85EA68777}" destId="{D587C7A3-0200-431A-8186-128072ACD90A}" srcOrd="0" destOrd="0" presId="urn:microsoft.com/office/officeart/2008/layout/VerticalCurvedList"/>
+    <dgm:cxn modelId="{05FD5F54-9A0A-47F1-AB59-41E295A85872}" srcId="{6222F6E5-AFFC-41D6-B49B-036BFA713D74}" destId="{949B2DAB-418A-4F9D-B4BD-BF88B8B547B5}" srcOrd="1" destOrd="0" parTransId="{EFF76434-FEBB-428F-ACDC-449CE33F3595}" sibTransId="{7643D70B-BB7D-421F-8BDC-7C45BBE4C142}"/>
+    <dgm:cxn modelId="{2CB06991-0DCA-4F40-9A27-5241C744C047}" srcId="{6222F6E5-AFFC-41D6-B49B-036BFA713D74}" destId="{B08DB809-54D2-46E2-B469-E5E850456942}" srcOrd="0" destOrd="0" parTransId="{338194AF-EE14-4F47-A3E9-AC1A5446A1EC}" sibTransId="{C8F49FEB-70DF-4D14-9BC8-0FB04F910CBB}"/>
+    <dgm:cxn modelId="{2A3146A0-EFEC-4B5D-B1B4-AFD7B66EEDD1}" type="presOf" srcId="{3A42581C-BC5B-4219-A6E2-5908E3FE4303}" destId="{05B39571-C930-444C-919A-99D06A847B91}" srcOrd="0" destOrd="0" presId="urn:microsoft.com/office/officeart/2008/layout/VerticalCurvedList"/>
+    <dgm:cxn modelId="{F6F9C5A1-8E48-45A8-A9D2-8965A580397F}" srcId="{6222F6E5-AFFC-41D6-B49B-036BFA713D74}" destId="{B8B6A435-717B-468D-B893-D7C0E7588344}" srcOrd="3" destOrd="0" parTransId="{701C11B1-1C2D-4769-8807-EE6A48E997B1}" sibTransId="{0327C147-3037-4EB5-A58D-5B33E1BCA500}"/>
+    <dgm:cxn modelId="{EBE474A6-4CED-4380-A56B-2E410E3C589D}" srcId="{6222F6E5-AFFC-41D6-B49B-036BFA713D74}" destId="{0AD03E8E-7E27-4BA2-84E5-65C85EA68777}" srcOrd="4" destOrd="0" parTransId="{C886D591-D0CD-4C53-9A82-EB1050013E4D}" sibTransId="{130624D4-23AB-4F05-B2A5-3E87BDBE05E4}"/>
+    <dgm:cxn modelId="{604EDFB5-2504-4AAE-9051-2D8047F6DEB3}" type="presOf" srcId="{6222F6E5-AFFC-41D6-B49B-036BFA713D74}" destId="{4C62190E-9454-4D6B-909B-469EB7C0F0CF}" srcOrd="0" destOrd="0" presId="urn:microsoft.com/office/officeart/2008/layout/VerticalCurvedList"/>
     <dgm:cxn modelId="{CF4992C5-3232-418A-95B2-57E39C22AC25}" type="presOf" srcId="{C8F49FEB-70DF-4D14-9BC8-0FB04F910CBB}" destId="{52B25380-4774-489E-888F-97913F08C417}" srcOrd="0" destOrd="0" presId="urn:microsoft.com/office/officeart/2008/layout/VerticalCurvedList"/>
-    <dgm:cxn modelId="{05FD5F54-9A0A-47F1-AB59-41E295A85872}" srcId="{6222F6E5-AFFC-41D6-B49B-036BFA713D74}" destId="{949B2DAB-418A-4F9D-B4BD-BF88B8B547B5}" srcOrd="1" destOrd="0" parTransId="{EFF76434-FEBB-428F-ACDC-449CE33F3595}" sibTransId="{7643D70B-BB7D-421F-8BDC-7C45BBE4C142}"/>
-    <dgm:cxn modelId="{2A3146A0-EFEC-4B5D-B1B4-AFD7B66EEDD1}" type="presOf" srcId="{3A42581C-BC5B-4219-A6E2-5908E3FE4303}" destId="{05B39571-C930-444C-919A-99D06A847B91}" srcOrd="0" destOrd="0" presId="urn:microsoft.com/office/officeart/2008/layout/VerticalCurvedList"/>
-    <dgm:cxn modelId="{604EDFB5-2504-4AAE-9051-2D8047F6DEB3}" type="presOf" srcId="{6222F6E5-AFFC-41D6-B49B-036BFA713D74}" destId="{4C62190E-9454-4D6B-909B-469EB7C0F0CF}" srcOrd="0" destOrd="0" presId="urn:microsoft.com/office/officeart/2008/layout/VerticalCurvedList"/>
+    <dgm:cxn modelId="{E484E7D1-F6E0-47C6-8F5F-930B54433552}" srcId="{6222F6E5-AFFC-41D6-B49B-036BFA713D74}" destId="{3A42581C-BC5B-4219-A6E2-5908E3FE4303}" srcOrd="2" destOrd="0" parTransId="{B1294D6B-3B3F-4BC2-AC41-3F52E8C4019F}" sibTransId="{2E334884-2BD7-438A-9EA0-01A176DC8870}"/>
     <dgm:cxn modelId="{2466F8D7-1816-421A-AC45-0C6527275C09}" type="presOf" srcId="{B8B6A435-717B-468D-B893-D7C0E7588344}" destId="{6424CF66-8046-4AE2-B7F1-7D17BB2A4D5C}" srcOrd="0" destOrd="0" presId="urn:microsoft.com/office/officeart/2008/layout/VerticalCurvedList"/>
     <dgm:cxn modelId="{5F380EE9-57BC-44C0-9B6E-1D95DC0D97EC}" type="presOf" srcId="{B08DB809-54D2-46E2-B469-E5E850456942}" destId="{607CF098-1BB2-416E-B593-D7BF065321FD}" srcOrd="0" destOrd="0" presId="urn:microsoft.com/office/officeart/2008/layout/VerticalCurvedList"/>
-    <dgm:cxn modelId="{2CB06991-0DCA-4F40-9A27-5241C744C047}" srcId="{6222F6E5-AFFC-41D6-B49B-036BFA713D74}" destId="{B08DB809-54D2-46E2-B469-E5E850456942}" srcOrd="0" destOrd="0" parTransId="{338194AF-EE14-4F47-A3E9-AC1A5446A1EC}" sibTransId="{C8F49FEB-70DF-4D14-9BC8-0FB04F910CBB}"/>
-    <dgm:cxn modelId="{EBE474A6-4CED-4380-A56B-2E410E3C589D}" srcId="{6222F6E5-AFFC-41D6-B49B-036BFA713D74}" destId="{0AD03E8E-7E27-4BA2-84E5-65C85EA68777}" srcOrd="4" destOrd="0" parTransId="{C886D591-D0CD-4C53-9A82-EB1050013E4D}" sibTransId="{130624D4-23AB-4F05-B2A5-3E87BDBE05E4}"/>
-    <dgm:cxn modelId="{E484E7D1-F6E0-47C6-8F5F-930B54433552}" srcId="{6222F6E5-AFFC-41D6-B49B-036BFA713D74}" destId="{3A42581C-BC5B-4219-A6E2-5908E3FE4303}" srcOrd="2" destOrd="0" parTransId="{B1294D6B-3B3F-4BC2-AC41-3F52E8C4019F}" sibTransId="{2E334884-2BD7-438A-9EA0-01A176DC8870}"/>
-    <dgm:cxn modelId="{F6F9C5A1-8E48-45A8-A9D2-8965A580397F}" srcId="{6222F6E5-AFFC-41D6-B49B-036BFA713D74}" destId="{B8B6A435-717B-468D-B893-D7C0E7588344}" srcOrd="3" destOrd="0" parTransId="{701C11B1-1C2D-4769-8807-EE6A48E997B1}" sibTransId="{0327C147-3037-4EB5-A58D-5B33E1BCA500}"/>
     <dgm:cxn modelId="{3CBBC9AE-335A-4065-AADC-CDEA1B96A0A9}" type="presParOf" srcId="{4C62190E-9454-4D6B-909B-469EB7C0F0CF}" destId="{95D4E4BA-DB9B-4B27-802A-4440FD6F9503}" srcOrd="0" destOrd="0" presId="urn:microsoft.com/office/officeart/2008/layout/VerticalCurvedList"/>
     <dgm:cxn modelId="{A609110D-A17A-498F-9229-63C2FD4D913D}" type="presParOf" srcId="{95D4E4BA-DB9B-4B27-802A-4440FD6F9503}" destId="{D5FB000B-ACEB-48F8-8DD8-7E1186A7693F}" srcOrd="0" destOrd="0" presId="urn:microsoft.com/office/officeart/2008/layout/VerticalCurvedList"/>
     <dgm:cxn modelId="{F43DD7C3-41D1-438F-9BE7-C0C88B1B656F}" type="presParOf" srcId="{D5FB000B-ACEB-48F8-8DD8-7E1186A7693F}" destId="{2D23F277-44D9-4266-9D67-F33AF7636B9C}" srcOrd="0" destOrd="0" presId="urn:microsoft.com/office/officeart/2008/layout/VerticalCurvedList"/>
@@ -2475,7 +2313,7 @@
         <a:lstStyle/>
         <a:p>
           <a:r>
-            <a:rPr lang="en-US" sz="1200" b="1" i="1" dirty="0" smtClean="0">
+            <a:rPr lang="en-US" sz="1200" b="1" i="1" dirty="0">
               <a:latin typeface="Calibri" panose="020F0502020204030204" pitchFamily="34" charset="0"/>
             </a:rPr>
             <a:t>Planned Release</a:t>
@@ -2516,14 +2354,11 @@
         <a:lstStyle/>
         <a:p>
           <a:r>
-            <a:rPr lang="en-US" sz="1200" b="1" i="1" dirty="0" smtClean="0">
+            <a:rPr lang="en-US" sz="1200" b="1" i="1" dirty="0">
               <a:latin typeface="Calibri" panose="020F0502020204030204" pitchFamily="34" charset="0"/>
             </a:rPr>
             <a:t>Off-Cycle Release</a:t>
           </a:r>
-          <a:endParaRPr lang="en-US" sz="1200" b="1" i="1" dirty="0">
-            <a:latin typeface="Calibri" panose="020F0502020204030204" pitchFamily="34" charset="0"/>
-          </a:endParaRPr>
         </a:p>
       </dgm:t>
     </dgm:pt>
@@ -2557,7 +2392,7 @@
         <a:lstStyle/>
         <a:p>
           <a:r>
-            <a:rPr lang="en-US" sz="1200" b="1" i="1" dirty="0" smtClean="0">
+            <a:rPr lang="en-US" sz="1200" b="1" i="1" dirty="0">
               <a:latin typeface="Calibri" panose="020F0502020204030204" pitchFamily="34" charset="0"/>
             </a:rPr>
             <a:t>Patch Release</a:t>
@@ -2598,14 +2433,11 @@
         <a:lstStyle/>
         <a:p>
           <a:r>
-            <a:rPr lang="en-US" sz="1200" b="1" i="1" dirty="0" smtClean="0">
+            <a:rPr lang="en-US" sz="1200" b="1" i="1" dirty="0">
               <a:latin typeface="Calibri" panose="020F0502020204030204" pitchFamily="34" charset="0"/>
             </a:rPr>
             <a:t>Emergency Release</a:t>
           </a:r>
-          <a:endParaRPr lang="en-US" sz="1200" b="1" i="1" dirty="0">
-            <a:latin typeface="Calibri" panose="020F0502020204030204" pitchFamily="34" charset="0"/>
-          </a:endParaRPr>
         </a:p>
       </dgm:t>
     </dgm:pt>
@@ -2641,35 +2473,14 @@
         </dgm:presLayoutVars>
       </dgm:prSet>
       <dgm:spPr/>
-      <dgm:t>
-        <a:bodyPr/>
-        <a:lstStyle/>
-        <a:p>
-          <a:endParaRPr lang="en-US"/>
-        </a:p>
-      </dgm:t>
     </dgm:pt>
     <dgm:pt modelId="{DF60222F-F930-42A2-AA50-0BE2261C6B80}" type="pres">
       <dgm:prSet presAssocID="{B08DB809-54D2-46E2-B469-E5E850456942}" presName="Accent1" presStyleCnt="0"/>
       <dgm:spPr/>
-      <dgm:t>
-        <a:bodyPr/>
-        <a:lstStyle/>
-        <a:p>
-          <a:endParaRPr lang="en-US"/>
-        </a:p>
-      </dgm:t>
     </dgm:pt>
     <dgm:pt modelId="{373E861C-822B-491F-B5CD-76A3690050A1}" type="pres">
       <dgm:prSet presAssocID="{B08DB809-54D2-46E2-B469-E5E850456942}" presName="Accent" presStyleLbl="node1" presStyleIdx="0" presStyleCnt="4"/>
       <dgm:spPr/>
-      <dgm:t>
-        <a:bodyPr/>
-        <a:lstStyle/>
-        <a:p>
-          <a:endParaRPr lang="en-US"/>
-        </a:p>
-      </dgm:t>
     </dgm:pt>
     <dgm:pt modelId="{D9A0325A-CE2C-4B6C-8B28-D82CBC509D95}" type="pres">
       <dgm:prSet presAssocID="{B08DB809-54D2-46E2-B469-E5E850456942}" presName="Parent1" presStyleLbl="revTx" presStyleIdx="0" presStyleCnt="4">
@@ -2680,35 +2491,14 @@
         </dgm:presLayoutVars>
       </dgm:prSet>
       <dgm:spPr/>
-      <dgm:t>
-        <a:bodyPr/>
-        <a:lstStyle/>
-        <a:p>
-          <a:endParaRPr lang="en-US"/>
-        </a:p>
-      </dgm:t>
     </dgm:pt>
     <dgm:pt modelId="{C426CAEF-1DE3-49AA-9CC4-783A292EE5E0}" type="pres">
       <dgm:prSet presAssocID="{3A42581C-BC5B-4219-A6E2-5908E3FE4303}" presName="Accent2" presStyleCnt="0"/>
       <dgm:spPr/>
-      <dgm:t>
-        <a:bodyPr/>
-        <a:lstStyle/>
-        <a:p>
-          <a:endParaRPr lang="en-US"/>
-        </a:p>
-      </dgm:t>
     </dgm:pt>
     <dgm:pt modelId="{8FC62441-B64E-4D16-8B5F-6BDC728DF9AB}" type="pres">
       <dgm:prSet presAssocID="{3A42581C-BC5B-4219-A6E2-5908E3FE4303}" presName="Accent" presStyleLbl="node1" presStyleIdx="1" presStyleCnt="4"/>
       <dgm:spPr/>
-      <dgm:t>
-        <a:bodyPr/>
-        <a:lstStyle/>
-        <a:p>
-          <a:endParaRPr lang="en-US"/>
-        </a:p>
-      </dgm:t>
     </dgm:pt>
     <dgm:pt modelId="{75B075F2-579E-404C-B7F6-1279B835BF75}" type="pres">
       <dgm:prSet presAssocID="{3A42581C-BC5B-4219-A6E2-5908E3FE4303}" presName="Parent2" presStyleLbl="revTx" presStyleIdx="1" presStyleCnt="4">
@@ -2719,35 +2509,14 @@
         </dgm:presLayoutVars>
       </dgm:prSet>
       <dgm:spPr/>
-      <dgm:t>
-        <a:bodyPr/>
-        <a:lstStyle/>
-        <a:p>
-          <a:endParaRPr lang="en-US"/>
-        </a:p>
-      </dgm:t>
     </dgm:pt>
     <dgm:pt modelId="{F3D2ECCE-2BF0-4E6B-AED0-455323180939}" type="pres">
       <dgm:prSet presAssocID="{DF89CDC8-8C6B-4B65-9EBD-3950B035A258}" presName="Accent3" presStyleCnt="0"/>
       <dgm:spPr/>
-      <dgm:t>
-        <a:bodyPr/>
-        <a:lstStyle/>
-        <a:p>
-          <a:endParaRPr lang="en-US"/>
-        </a:p>
-      </dgm:t>
     </dgm:pt>
     <dgm:pt modelId="{AF6B37F6-16BB-4E0D-B473-227E7A27C221}" type="pres">
       <dgm:prSet presAssocID="{DF89CDC8-8C6B-4B65-9EBD-3950B035A258}" presName="Accent" presStyleLbl="node1" presStyleIdx="2" presStyleCnt="4"/>
       <dgm:spPr/>
-      <dgm:t>
-        <a:bodyPr/>
-        <a:lstStyle/>
-        <a:p>
-          <a:endParaRPr lang="en-US"/>
-        </a:p>
-      </dgm:t>
     </dgm:pt>
     <dgm:pt modelId="{D4AED5F9-F7B9-411F-8A7F-0F0F761D99C8}" type="pres">
       <dgm:prSet presAssocID="{DF89CDC8-8C6B-4B65-9EBD-3950B035A258}" presName="Parent3" presStyleLbl="revTx" presStyleIdx="2" presStyleCnt="4">
@@ -2758,35 +2527,14 @@
         </dgm:presLayoutVars>
       </dgm:prSet>
       <dgm:spPr/>
-      <dgm:t>
-        <a:bodyPr/>
-        <a:lstStyle/>
-        <a:p>
-          <a:endParaRPr lang="en-US"/>
-        </a:p>
-      </dgm:t>
     </dgm:pt>
     <dgm:pt modelId="{7BC484FD-86BF-4025-901A-B5E5D9CAA65B}" type="pres">
       <dgm:prSet presAssocID="{B8B6A435-717B-468D-B893-D7C0E7588344}" presName="Accent4" presStyleCnt="0"/>
       <dgm:spPr/>
-      <dgm:t>
-        <a:bodyPr/>
-        <a:lstStyle/>
-        <a:p>
-          <a:endParaRPr lang="en-US"/>
-        </a:p>
-      </dgm:t>
     </dgm:pt>
     <dgm:pt modelId="{1E0D4EA0-094B-4311-B6C5-D39233A54255}" type="pres">
       <dgm:prSet presAssocID="{B8B6A435-717B-468D-B893-D7C0E7588344}" presName="Accent" presStyleLbl="node1" presStyleIdx="3" presStyleCnt="4"/>
       <dgm:spPr/>
-      <dgm:t>
-        <a:bodyPr/>
-        <a:lstStyle/>
-        <a:p>
-          <a:endParaRPr lang="en-US"/>
-        </a:p>
-      </dgm:t>
     </dgm:pt>
     <dgm:pt modelId="{CDC77823-CD80-4B24-B4CD-D3587C5EF8F4}" type="pres">
       <dgm:prSet presAssocID="{B8B6A435-717B-468D-B893-D7C0E7588344}" presName="Parent4" presStyleLbl="revTx" presStyleIdx="3" presStyleCnt="4">
@@ -2797,25 +2545,18 @@
         </dgm:presLayoutVars>
       </dgm:prSet>
       <dgm:spPr/>
-      <dgm:t>
-        <a:bodyPr/>
-        <a:lstStyle/>
-        <a:p>
-          <a:endParaRPr lang="en-US"/>
-        </a:p>
-      </dgm:t>
     </dgm:pt>
   </dgm:ptLst>
   <dgm:cxnLst>
+    <dgm:cxn modelId="{5CFF455E-6EA1-4EC7-8881-20160CE67DFD}" srcId="{6222F6E5-AFFC-41D6-B49B-036BFA713D74}" destId="{DF89CDC8-8C6B-4B65-9EBD-3950B035A258}" srcOrd="2" destOrd="0" parTransId="{0C42BD2F-BF23-47D6-9EBE-F8D4997DAAAC}" sibTransId="{AFBFBBA3-91AA-43C3-A1A0-EF5E7DF3E1FF}"/>
+    <dgm:cxn modelId="{00313B44-6D59-4691-B558-CA31B21D7179}" type="presOf" srcId="{B08DB809-54D2-46E2-B469-E5E850456942}" destId="{D9A0325A-CE2C-4B6C-8B28-D82CBC509D95}" srcOrd="0" destOrd="0" presId="urn:microsoft.com/office/officeart/2009/layout/CircleArrowProcess"/>
+    <dgm:cxn modelId="{4B0F5654-309A-438E-B166-0FCF6CCF92C5}" type="presOf" srcId="{B8B6A435-717B-468D-B893-D7C0E7588344}" destId="{CDC77823-CD80-4B24-B4CD-D3587C5EF8F4}" srcOrd="0" destOrd="0" presId="urn:microsoft.com/office/officeart/2009/layout/CircleArrowProcess"/>
+    <dgm:cxn modelId="{2CB06991-0DCA-4F40-9A27-5241C744C047}" srcId="{6222F6E5-AFFC-41D6-B49B-036BFA713D74}" destId="{B08DB809-54D2-46E2-B469-E5E850456942}" srcOrd="0" destOrd="0" parTransId="{338194AF-EE14-4F47-A3E9-AC1A5446A1EC}" sibTransId="{C8F49FEB-70DF-4D14-9BC8-0FB04F910CBB}"/>
+    <dgm:cxn modelId="{F6F9C5A1-8E48-45A8-A9D2-8965A580397F}" srcId="{6222F6E5-AFFC-41D6-B49B-036BFA713D74}" destId="{B8B6A435-717B-468D-B893-D7C0E7588344}" srcOrd="3" destOrd="0" parTransId="{701C11B1-1C2D-4769-8807-EE6A48E997B1}" sibTransId="{0327C147-3037-4EB5-A58D-5B33E1BCA500}"/>
     <dgm:cxn modelId="{31F75DBD-A99A-4DB0-A55A-41032C73455A}" type="presOf" srcId="{6222F6E5-AFFC-41D6-B49B-036BFA713D74}" destId="{F25808DB-9717-400B-BCAC-738792BEE60A}" srcOrd="0" destOrd="0" presId="urn:microsoft.com/office/officeart/2009/layout/CircleArrowProcess"/>
+    <dgm:cxn modelId="{E484E7D1-F6E0-47C6-8F5F-930B54433552}" srcId="{6222F6E5-AFFC-41D6-B49B-036BFA713D74}" destId="{3A42581C-BC5B-4219-A6E2-5908E3FE4303}" srcOrd="1" destOrd="0" parTransId="{B1294D6B-3B3F-4BC2-AC41-3F52E8C4019F}" sibTransId="{2E334884-2BD7-438A-9EA0-01A176DC8870}"/>
     <dgm:cxn modelId="{04CC61F6-677E-400A-99EC-A7BB80F5CE22}" type="presOf" srcId="{3A42581C-BC5B-4219-A6E2-5908E3FE4303}" destId="{75B075F2-579E-404C-B7F6-1279B835BF75}" srcOrd="0" destOrd="0" presId="urn:microsoft.com/office/officeart/2009/layout/CircleArrowProcess"/>
-    <dgm:cxn modelId="{E484E7D1-F6E0-47C6-8F5F-930B54433552}" srcId="{6222F6E5-AFFC-41D6-B49B-036BFA713D74}" destId="{3A42581C-BC5B-4219-A6E2-5908E3FE4303}" srcOrd="1" destOrd="0" parTransId="{B1294D6B-3B3F-4BC2-AC41-3F52E8C4019F}" sibTransId="{2E334884-2BD7-438A-9EA0-01A176DC8870}"/>
-    <dgm:cxn modelId="{00313B44-6D59-4691-B558-CA31B21D7179}" type="presOf" srcId="{B08DB809-54D2-46E2-B469-E5E850456942}" destId="{D9A0325A-CE2C-4B6C-8B28-D82CBC509D95}" srcOrd="0" destOrd="0" presId="urn:microsoft.com/office/officeart/2009/layout/CircleArrowProcess"/>
-    <dgm:cxn modelId="{5CFF455E-6EA1-4EC7-8881-20160CE67DFD}" srcId="{6222F6E5-AFFC-41D6-B49B-036BFA713D74}" destId="{DF89CDC8-8C6B-4B65-9EBD-3950B035A258}" srcOrd="2" destOrd="0" parTransId="{0C42BD2F-BF23-47D6-9EBE-F8D4997DAAAC}" sibTransId="{AFBFBBA3-91AA-43C3-A1A0-EF5E7DF3E1FF}"/>
-    <dgm:cxn modelId="{4B0F5654-309A-438E-B166-0FCF6CCF92C5}" type="presOf" srcId="{B8B6A435-717B-468D-B893-D7C0E7588344}" destId="{CDC77823-CD80-4B24-B4CD-D3587C5EF8F4}" srcOrd="0" destOrd="0" presId="urn:microsoft.com/office/officeart/2009/layout/CircleArrowProcess"/>
     <dgm:cxn modelId="{1127E4FC-76D2-469D-A106-71EAB0F8F6AE}" type="presOf" srcId="{DF89CDC8-8C6B-4B65-9EBD-3950B035A258}" destId="{D4AED5F9-F7B9-411F-8A7F-0F0F761D99C8}" srcOrd="0" destOrd="0" presId="urn:microsoft.com/office/officeart/2009/layout/CircleArrowProcess"/>
-    <dgm:cxn modelId="{F6F9C5A1-8E48-45A8-A9D2-8965A580397F}" srcId="{6222F6E5-AFFC-41D6-B49B-036BFA713D74}" destId="{B8B6A435-717B-468D-B893-D7C0E7588344}" srcOrd="3" destOrd="0" parTransId="{701C11B1-1C2D-4769-8807-EE6A48E997B1}" sibTransId="{0327C147-3037-4EB5-A58D-5B33E1BCA500}"/>
-    <dgm:cxn modelId="{2CB06991-0DCA-4F40-9A27-5241C744C047}" srcId="{6222F6E5-AFFC-41D6-B49B-036BFA713D74}" destId="{B08DB809-54D2-46E2-B469-E5E850456942}" srcOrd="0" destOrd="0" parTransId="{338194AF-EE14-4F47-A3E9-AC1A5446A1EC}" sibTransId="{C8F49FEB-70DF-4D14-9BC8-0FB04F910CBB}"/>
     <dgm:cxn modelId="{25547C8F-231E-4279-89DF-A0484BF77B80}" type="presParOf" srcId="{F25808DB-9717-400B-BCAC-738792BEE60A}" destId="{DF60222F-F930-42A2-AA50-0BE2261C6B80}" srcOrd="0" destOrd="0" presId="urn:microsoft.com/office/officeart/2009/layout/CircleArrowProcess"/>
     <dgm:cxn modelId="{761AB26B-8C3C-467D-AE4E-539DA4AFFF7C}" type="presParOf" srcId="{DF60222F-F930-42A2-AA50-0BE2261C6B80}" destId="{373E861C-822B-491F-B5CD-76A3690050A1}" srcOrd="0" destOrd="0" presId="urn:microsoft.com/office/officeart/2009/layout/CircleArrowProcess"/>
     <dgm:cxn modelId="{3F07A257-37BB-49DA-A8D6-F82AB85D8CDD}" type="presParOf" srcId="{F25808DB-9717-400B-BCAC-738792BEE60A}" destId="{D9A0325A-CE2C-4B6C-8B28-D82CBC509D95}" srcOrd="1" destOrd="0" presId="urn:microsoft.com/office/officeart/2009/layout/CircleArrowProcess"/>
@@ -2989,7 +2730,7 @@
         </a:bodyPr>
         <a:lstStyle/>
         <a:p>
-          <a:pPr lvl="0" algn="l" defTabSz="444500">
+          <a:pPr marL="0" lvl="0" indent="0" algn="l" defTabSz="444500">
             <a:lnSpc>
               <a:spcPct val="90000"/>
             </a:lnSpc>
@@ -2999,16 +2740,14 @@
             <a:spcAft>
               <a:spcPct val="35000"/>
             </a:spcAft>
+            <a:buNone/>
           </a:pPr>
           <a:r>
-            <a:rPr lang="en-US" sz="1000" kern="1200" dirty="0" smtClean="0">
+            <a:rPr lang="en-US" sz="1000" kern="1200" dirty="0">
               <a:latin typeface="Calibri" panose="020F0502020204030204" pitchFamily="34" charset="0"/>
             </a:rPr>
             <a:t>Server Management</a:t>
           </a:r>
-          <a:endParaRPr lang="en-US" sz="1000" kern="1200" dirty="0">
-            <a:latin typeface="Calibri" panose="020F0502020204030204" pitchFamily="34" charset="0"/>
-          </a:endParaRPr>
         </a:p>
       </dsp:txBody>
       <dsp:txXfrm>
@@ -3159,7 +2898,7 @@
         </a:bodyPr>
         <a:lstStyle/>
         <a:p>
-          <a:pPr lvl="0" algn="l" defTabSz="444500">
+          <a:pPr marL="0" lvl="0" indent="0" algn="l" defTabSz="444500">
             <a:lnSpc>
               <a:spcPct val="90000"/>
             </a:lnSpc>
@@ -3169,16 +2908,14 @@
             <a:spcAft>
               <a:spcPct val="35000"/>
             </a:spcAft>
+            <a:buNone/>
           </a:pPr>
           <a:r>
-            <a:rPr lang="en-US" sz="1000" kern="1200" dirty="0" smtClean="0">
+            <a:rPr lang="en-US" sz="1000" kern="1200" dirty="0">
               <a:latin typeface="Calibri" panose="020F0502020204030204" pitchFamily="34" charset="0"/>
             </a:rPr>
             <a:t>Database Management</a:t>
           </a:r>
-          <a:endParaRPr lang="en-US" sz="1000" kern="1200" dirty="0">
-            <a:latin typeface="Calibri" panose="020F0502020204030204" pitchFamily="34" charset="0"/>
-          </a:endParaRPr>
         </a:p>
       </dsp:txBody>
       <dsp:txXfrm>
@@ -3329,7 +3066,7 @@
         </a:bodyPr>
         <a:lstStyle/>
         <a:p>
-          <a:pPr lvl="0" algn="l" defTabSz="444500">
+          <a:pPr marL="0" lvl="0" indent="0" algn="l" defTabSz="444500">
             <a:lnSpc>
               <a:spcPct val="90000"/>
             </a:lnSpc>
@@ -3339,9 +3076,10 @@
             <a:spcAft>
               <a:spcPct val="35000"/>
             </a:spcAft>
+            <a:buNone/>
           </a:pPr>
           <a:r>
-            <a:rPr lang="en-IN" sz="1000" kern="1200" dirty="0" smtClean="0">
+            <a:rPr lang="en-IN" sz="1000" kern="1200" dirty="0">
               <a:latin typeface="Calibri" panose="020F0502020204030204" pitchFamily="34" charset="0"/>
             </a:rPr>
             <a:t>Application Management</a:t>
@@ -3499,7 +3237,7 @@
         </a:bodyPr>
         <a:lstStyle/>
         <a:p>
-          <a:pPr lvl="0" algn="l" defTabSz="444500">
+          <a:pPr marL="0" lvl="0" indent="0" algn="l" defTabSz="444500">
             <a:lnSpc>
               <a:spcPct val="90000"/>
             </a:lnSpc>
@@ -3509,16 +3247,14 @@
             <a:spcAft>
               <a:spcPct val="35000"/>
             </a:spcAft>
+            <a:buNone/>
           </a:pPr>
           <a:r>
-            <a:rPr lang="en-US" sz="1000" kern="1200" dirty="0" smtClean="0">
+            <a:rPr lang="en-US" sz="1000" kern="1200" dirty="0">
               <a:latin typeface="Calibri" panose="020F0502020204030204" pitchFamily="34" charset="0"/>
             </a:rPr>
             <a:t>Configuration Management</a:t>
           </a:r>
-          <a:endParaRPr lang="en-US" sz="1000" kern="1200" dirty="0">
-            <a:latin typeface="Calibri" panose="020F0502020204030204" pitchFamily="34" charset="0"/>
-          </a:endParaRPr>
         </a:p>
       </dsp:txBody>
       <dsp:txXfrm>
@@ -3669,7 +3405,7 @@
         </a:bodyPr>
         <a:lstStyle/>
         <a:p>
-          <a:pPr lvl="0" algn="l" defTabSz="444500">
+          <a:pPr marL="0" lvl="0" indent="0" algn="l" defTabSz="444500">
             <a:lnSpc>
               <a:spcPct val="90000"/>
             </a:lnSpc>
@@ -3679,16 +3415,14 @@
             <a:spcAft>
               <a:spcPct val="35000"/>
             </a:spcAft>
+            <a:buNone/>
           </a:pPr>
           <a:r>
-            <a:rPr lang="en-US" sz="1000" kern="1200" dirty="0" smtClean="0">
+            <a:rPr lang="en-US" sz="1000" kern="1200" dirty="0">
               <a:latin typeface="Calibri" panose="020F0502020204030204" pitchFamily="34" charset="0"/>
             </a:rPr>
             <a:t>Automations</a:t>
           </a:r>
-          <a:endParaRPr lang="en-US" sz="1000" kern="1200" dirty="0">
-            <a:latin typeface="Calibri" panose="020F0502020204030204" pitchFamily="34" charset="0"/>
-          </a:endParaRPr>
         </a:p>
       </dsp:txBody>
       <dsp:txXfrm>
@@ -3889,7 +3623,7 @@
         </a:bodyPr>
         <a:lstStyle/>
         <a:p>
-          <a:pPr lvl="0" algn="ctr" defTabSz="533400">
+          <a:pPr marL="0" lvl="0" indent="0" algn="ctr" defTabSz="533400">
             <a:lnSpc>
               <a:spcPct val="90000"/>
             </a:lnSpc>
@@ -3899,9 +3633,10 @@
             <a:spcAft>
               <a:spcPct val="35000"/>
             </a:spcAft>
+            <a:buNone/>
           </a:pPr>
           <a:r>
-            <a:rPr lang="en-US" sz="1200" b="1" i="1" kern="1200" dirty="0" smtClean="0">
+            <a:rPr lang="en-US" sz="1200" b="1" i="1" kern="1200" dirty="0">
               <a:latin typeface="Calibri" panose="020F0502020204030204" pitchFamily="34" charset="0"/>
             </a:rPr>
             <a:t>Planned Release</a:t>
@@ -4044,7 +3779,7 @@
         </a:bodyPr>
         <a:lstStyle/>
         <a:p>
-          <a:pPr lvl="0" algn="ctr" defTabSz="533400">
+          <a:pPr marL="0" lvl="0" indent="0" algn="ctr" defTabSz="533400">
             <a:lnSpc>
               <a:spcPct val="90000"/>
             </a:lnSpc>
@@ -4054,16 +3789,14 @@
             <a:spcAft>
               <a:spcPct val="35000"/>
             </a:spcAft>
+            <a:buNone/>
           </a:pPr>
           <a:r>
-            <a:rPr lang="en-US" sz="1200" b="1" i="1" kern="1200" dirty="0" smtClean="0">
+            <a:rPr lang="en-US" sz="1200" b="1" i="1" kern="1200" dirty="0">
               <a:latin typeface="Calibri" panose="020F0502020204030204" pitchFamily="34" charset="0"/>
             </a:rPr>
             <a:t>Off-Cycle Release</a:t>
           </a:r>
-          <a:endParaRPr lang="en-US" sz="1200" b="1" i="1" kern="1200" dirty="0">
-            <a:latin typeface="Calibri" panose="020F0502020204030204" pitchFamily="34" charset="0"/>
-          </a:endParaRPr>
         </a:p>
       </dsp:txBody>
       <dsp:txXfrm>
@@ -4199,7 +3932,7 @@
         </a:bodyPr>
         <a:lstStyle/>
         <a:p>
-          <a:pPr lvl="0" algn="ctr" defTabSz="533400">
+          <a:pPr marL="0" lvl="0" indent="0" algn="ctr" defTabSz="533400">
             <a:lnSpc>
               <a:spcPct val="90000"/>
             </a:lnSpc>
@@ -4209,9 +3942,10 @@
             <a:spcAft>
               <a:spcPct val="35000"/>
             </a:spcAft>
+            <a:buNone/>
           </a:pPr>
           <a:r>
-            <a:rPr lang="en-US" sz="1200" b="1" i="1" kern="1200" dirty="0" smtClean="0">
+            <a:rPr lang="en-US" sz="1200" b="1" i="1" kern="1200" dirty="0">
               <a:latin typeface="Calibri" panose="020F0502020204030204" pitchFamily="34" charset="0"/>
             </a:rPr>
             <a:t>Patch Release</a:t>
@@ -4352,7 +4086,7 @@
         </a:bodyPr>
         <a:lstStyle/>
         <a:p>
-          <a:pPr lvl="0" algn="ctr" defTabSz="533400">
+          <a:pPr marL="0" lvl="0" indent="0" algn="ctr" defTabSz="533400">
             <a:lnSpc>
               <a:spcPct val="90000"/>
             </a:lnSpc>
@@ -4362,16 +4096,14 @@
             <a:spcAft>
               <a:spcPct val="35000"/>
             </a:spcAft>
+            <a:buNone/>
           </a:pPr>
           <a:r>
-            <a:rPr lang="en-US" sz="1200" b="1" i="1" kern="1200" dirty="0" smtClean="0">
+            <a:rPr lang="en-US" sz="1200" b="1" i="1" kern="1200" dirty="0">
               <a:latin typeface="Calibri" panose="020F0502020204030204" pitchFamily="34" charset="0"/>
             </a:rPr>
             <a:t>Emergency Release</a:t>
           </a:r>
-          <a:endParaRPr lang="en-US" sz="1200" b="1" i="1" kern="1200" dirty="0">
-            <a:latin typeface="Calibri" panose="020F0502020204030204" pitchFamily="34" charset="0"/>
-          </a:endParaRPr>
         </a:p>
       </dsp:txBody>
       <dsp:txXfrm>
@@ -9912,7 +9644,7 @@
               <a:pPr>
                 <a:defRPr/>
               </a:pPr>
-              <a:t>6/30/2016</a:t>
+              <a:t>2/12/2018</a:t>
             </a:fld>
             <a:endParaRPr lang="en-US"/>
           </a:p>
@@ -10128,7 +9860,7 @@
               <a:pPr>
                 <a:defRPr/>
               </a:pPr>
-              <a:t>6/30/2016</a:t>
+              <a:t>2/12/2018</a:t>
             </a:fld>
             <a:endParaRPr lang="en-GB"/>
           </a:p>
@@ -10198,38 +9930,38 @@
           <a:p>
             <a:pPr lvl="0"/>
             <a:r>
-              <a:rPr lang="en-US" noProof="0" smtClean="0"/>
+              <a:rPr lang="en-US" noProof="0"/>
               <a:t>Click to edit Master text styles</a:t>
             </a:r>
           </a:p>
           <a:p>
             <a:pPr lvl="1"/>
             <a:r>
-              <a:rPr lang="en-US" noProof="0" smtClean="0"/>
+              <a:rPr lang="en-US" noProof="0"/>
               <a:t>Second level</a:t>
             </a:r>
           </a:p>
           <a:p>
             <a:pPr lvl="2"/>
             <a:r>
-              <a:rPr lang="en-US" noProof="0" smtClean="0"/>
+              <a:rPr lang="en-US" noProof="0"/>
               <a:t>Third level</a:t>
             </a:r>
           </a:p>
           <a:p>
             <a:pPr lvl="3"/>
             <a:r>
-              <a:rPr lang="en-US" noProof="0" smtClean="0"/>
+              <a:rPr lang="en-US" noProof="0"/>
               <a:t>Fourth level</a:t>
             </a:r>
           </a:p>
           <a:p>
             <a:pPr lvl="4"/>
             <a:r>
-              <a:rPr lang="en-US" noProof="0" smtClean="0"/>
+              <a:rPr lang="en-US" noProof="0"/>
               <a:t>Fifth level</a:t>
             </a:r>
-            <a:endParaRPr lang="en-GB" noProof="0" smtClean="0"/>
+            <a:endParaRPr lang="en-GB" noProof="0"/>
           </a:p>
         </p:txBody>
       </p:sp>
@@ -10496,10 +10228,9 @@
           <a:lstStyle/>
           <a:p>
             <a:r>
-              <a:rPr lang="en-US" smtClean="0"/>
+              <a:rPr lang="en-US"/>
               <a:t>Click to edit Master title style</a:t>
             </a:r>
-            <a:endParaRPr lang="en-US"/>
           </a:p>
         </p:txBody>
       </p:sp>
@@ -10615,10 +10346,9 @@
           </a:lstStyle>
           <a:p>
             <a:r>
-              <a:rPr lang="en-US" smtClean="0"/>
+              <a:rPr lang="en-US"/>
               <a:t>Click to edit Master subtitle style</a:t>
             </a:r>
-            <a:endParaRPr lang="en-US"/>
           </a:p>
         </p:txBody>
       </p:sp>
@@ -10640,7 +10370,7 @@
             <a:fld id="{9B5FA4A0-D2E4-4D7C-A829-2A69171198E3}" type="datetimeFigureOut">
               <a:rPr lang="en-US" smtClean="0"/>
               <a:pPr/>
-              <a:t>6/30/2016</a:t>
+              <a:t>2/12/2018</a:t>
             </a:fld>
             <a:endParaRPr lang="en-US"/>
           </a:p>
@@ -10735,10 +10465,9 @@
           <a:lstStyle/>
           <a:p>
             <a:r>
-              <a:rPr lang="en-US" smtClean="0"/>
+              <a:rPr lang="en-US"/>
               <a:t>Click to edit Master title style</a:t>
             </a:r>
-            <a:endParaRPr lang="en-US"/>
           </a:p>
         </p:txBody>
       </p:sp>
@@ -10759,38 +10488,37 @@
           <a:p>
             <a:pPr lvl="0"/>
             <a:r>
-              <a:rPr lang="en-US" smtClean="0"/>
+              <a:rPr lang="en-US"/>
               <a:t>Click to edit Master text styles</a:t>
             </a:r>
           </a:p>
           <a:p>
             <a:pPr lvl="1"/>
             <a:r>
-              <a:rPr lang="en-US" smtClean="0"/>
+              <a:rPr lang="en-US"/>
               <a:t>Second level</a:t>
             </a:r>
           </a:p>
           <a:p>
             <a:pPr lvl="2"/>
             <a:r>
-              <a:rPr lang="en-US" smtClean="0"/>
+              <a:rPr lang="en-US"/>
               <a:t>Third level</a:t>
             </a:r>
           </a:p>
           <a:p>
             <a:pPr lvl="3"/>
             <a:r>
-              <a:rPr lang="en-US" smtClean="0"/>
+              <a:rPr lang="en-US"/>
               <a:t>Fourth level</a:t>
             </a:r>
           </a:p>
           <a:p>
             <a:pPr lvl="4"/>
             <a:r>
-              <a:rPr lang="en-US" smtClean="0"/>
+              <a:rPr lang="en-US"/>
               <a:t>Fifth level</a:t>
             </a:r>
-            <a:endParaRPr lang="en-US"/>
           </a:p>
         </p:txBody>
       </p:sp>
@@ -10812,7 +10540,7 @@
             <a:fld id="{9B5FA4A0-D2E4-4D7C-A829-2A69171198E3}" type="datetimeFigureOut">
               <a:rPr lang="en-US" smtClean="0"/>
               <a:pPr/>
-              <a:t>6/30/2016</a:t>
+              <a:t>2/12/2018</a:t>
             </a:fld>
             <a:endParaRPr lang="en-US"/>
           </a:p>
@@ -10912,10 +10640,9 @@
           <a:lstStyle/>
           <a:p>
             <a:r>
-              <a:rPr lang="en-US" smtClean="0"/>
+              <a:rPr lang="en-US"/>
               <a:t>Click to edit Master title style</a:t>
             </a:r>
-            <a:endParaRPr lang="en-US"/>
           </a:p>
         </p:txBody>
       </p:sp>
@@ -10941,38 +10668,37 @@
           <a:p>
             <a:pPr lvl="0"/>
             <a:r>
-              <a:rPr lang="en-US" smtClean="0"/>
+              <a:rPr lang="en-US"/>
               <a:t>Click to edit Master text styles</a:t>
             </a:r>
           </a:p>
           <a:p>
             <a:pPr lvl="1"/>
             <a:r>
-              <a:rPr lang="en-US" smtClean="0"/>
+              <a:rPr lang="en-US"/>
               <a:t>Second level</a:t>
             </a:r>
           </a:p>
           <a:p>
             <a:pPr lvl="2"/>
             <a:r>
-              <a:rPr lang="en-US" smtClean="0"/>
+              <a:rPr lang="en-US"/>
               <a:t>Third level</a:t>
             </a:r>
           </a:p>
           <a:p>
             <a:pPr lvl="3"/>
             <a:r>
-              <a:rPr lang="en-US" smtClean="0"/>
+              <a:rPr lang="en-US"/>
               <a:t>Fourth level</a:t>
             </a:r>
           </a:p>
           <a:p>
             <a:pPr lvl="4"/>
             <a:r>
-              <a:rPr lang="en-US" smtClean="0"/>
+              <a:rPr lang="en-US"/>
               <a:t>Fifth level</a:t>
             </a:r>
-            <a:endParaRPr lang="en-US"/>
           </a:p>
         </p:txBody>
       </p:sp>
@@ -10994,7 +10720,7 @@
             <a:fld id="{9B5FA4A0-D2E4-4D7C-A829-2A69171198E3}" type="datetimeFigureOut">
               <a:rPr lang="en-US" smtClean="0"/>
               <a:pPr/>
-              <a:t>6/30/2016</a:t>
+              <a:t>2/12/2018</a:t>
             </a:fld>
             <a:endParaRPr lang="en-US"/>
           </a:p>
@@ -11174,7 +10900,7 @@
           </a:lstStyle>
           <a:p>
             <a:r>
-              <a:rPr lang="en-US" dirty="0" smtClean="0"/>
+              <a:rPr lang="en-US" dirty="0"/>
               <a:t>Click to edit presentation title</a:t>
             </a:r>
             <a:endParaRPr lang="en-GB" dirty="0"/>
@@ -11308,7 +11034,7 @@
           <a:p>
             <a:pPr lvl="0"/>
             <a:r>
-              <a:rPr lang="en-US" dirty="0" smtClean="0"/>
+              <a:rPr lang="en-US" dirty="0"/>
               <a:t>Click to edit subtitle</a:t>
             </a:r>
           </a:p>
@@ -11940,14 +11666,14 @@
             <a:effectLst/>
             <a:extLst>
               <a:ext uri="{909E8E84-426E-40dd-AFC4-6F175D3DCCD1}">
-                <a14:hiddenFill xmlns:a14="http://schemas.microsoft.com/office/drawing/2010/main" xmlns="">
+                <a14:hiddenFill xmlns="" xmlns:a14="http://schemas.microsoft.com/office/drawing/2010/main">
                   <a:solidFill>
                     <a:schemeClr val="accent1"/>
                   </a:solidFill>
                 </a14:hiddenFill>
               </a:ext>
               <a:ext uri="{91240B29-F687-4f45-9708-019B960494DF}">
-                <a14:hiddenLine xmlns:a14="http://schemas.microsoft.com/office/drawing/2010/main" xmlns="" w="9525">
+                <a14:hiddenLine xmlns="" xmlns:a14="http://schemas.microsoft.com/office/drawing/2010/main" w="9525">
                   <a:solidFill>
                     <a:schemeClr val="tx1"/>
                   </a:solidFill>
@@ -11957,7 +11683,7 @@
                 </a14:hiddenLine>
               </a:ext>
               <a:ext uri="{AF507438-7753-43e0-B8FC-AC1667EBCBE1}">
-                <a14:hiddenEffects xmlns:a14="http://schemas.microsoft.com/office/drawing/2010/main" xmlns="">
+                <a14:hiddenEffects xmlns="" xmlns:a14="http://schemas.microsoft.com/office/drawing/2010/main">
                   <a:effectLst>
                     <a:outerShdw dist="35921" dir="2700000" algn="ctr" rotWithShape="0">
                       <a:schemeClr val="bg2"/>
@@ -12020,14 +11746,14 @@
             <a:effectLst/>
             <a:extLst>
               <a:ext uri="{909E8E84-426E-40dd-AFC4-6F175D3DCCD1}">
-                <a14:hiddenFill xmlns:a14="http://schemas.microsoft.com/office/drawing/2010/main" xmlns="">
+                <a14:hiddenFill xmlns="" xmlns:a14="http://schemas.microsoft.com/office/drawing/2010/main">
                   <a:solidFill>
                     <a:schemeClr val="accent1"/>
                   </a:solidFill>
                 </a14:hiddenFill>
               </a:ext>
               <a:ext uri="{91240B29-F687-4f45-9708-019B960494DF}">
-                <a14:hiddenLine xmlns:a14="http://schemas.microsoft.com/office/drawing/2010/main" xmlns="" w="9525">
+                <a14:hiddenLine xmlns="" xmlns:a14="http://schemas.microsoft.com/office/drawing/2010/main" w="9525">
                   <a:solidFill>
                     <a:schemeClr val="tx1"/>
                   </a:solidFill>
@@ -12037,7 +11763,7 @@
                 </a14:hiddenLine>
               </a:ext>
               <a:ext uri="{AF507438-7753-43e0-B8FC-AC1667EBCBE1}">
-                <a14:hiddenEffects xmlns:a14="http://schemas.microsoft.com/office/drawing/2010/main" xmlns="">
+                <a14:hiddenEffects xmlns="" xmlns:a14="http://schemas.microsoft.com/office/drawing/2010/main">
                   <a:effectLst>
                     <a:outerShdw dist="35921" dir="2700000" algn="ctr" rotWithShape="0">
                       <a:schemeClr val="bg2"/>
@@ -12634,13 +12360,6 @@
   <p:clrMapOvr>
     <a:masterClrMapping/>
   </p:clrMapOvr>
-  <p:timing>
-    <p:tnLst>
-      <p:par>
-        <p:cTn id="1" dur="indefinite" restart="never" nodeType="tmRoot"/>
-      </p:par>
-    </p:tnLst>
-  </p:timing>
 </p:sldLayout>
 </file>
 
@@ -12781,7 +12500,7 @@
           <a:p>
             <a:pPr lvl="0"/>
             <a:r>
-              <a:rPr lang="en-US" dirty="0" smtClean="0"/>
+              <a:rPr lang="en-US" dirty="0"/>
               <a:t>Master Title Slide Headline</a:t>
             </a:r>
           </a:p>
@@ -14160,13 +13879,6 @@
   <p:clrMapOvr>
     <a:masterClrMapping/>
   </p:clrMapOvr>
-  <p:timing>
-    <p:tnLst>
-      <p:par>
-        <p:cTn id="1" dur="indefinite" restart="never" nodeType="tmRoot"/>
-      </p:par>
-    </p:tnLst>
-  </p:timing>
 </p:sldLayout>
 </file>
 
@@ -14247,7 +13959,7 @@
           <a:p>
             <a:pPr lvl="0"/>
             <a:r>
-              <a:rPr lang="en-US" dirty="0" smtClean="0"/>
+              <a:rPr lang="en-US" dirty="0"/>
               <a:t>Master Divider Slide Headline</a:t>
             </a:r>
           </a:p>
@@ -14293,13 +14005,6 @@
   <p:clrMapOvr>
     <a:masterClrMapping/>
   </p:clrMapOvr>
-  <p:timing>
-    <p:tnLst>
-      <p:par>
-        <p:cTn id="1" dur="indefinite" restart="never" nodeType="tmRoot"/>
-      </p:par>
-    </p:tnLst>
-  </p:timing>
 </p:sldLayout>
 </file>
 
@@ -14380,7 +14085,7 @@
           <a:p>
             <a:pPr lvl="0"/>
             <a:r>
-              <a:rPr lang="en-US" dirty="0" smtClean="0"/>
+              <a:rPr lang="en-US" dirty="0"/>
               <a:t>Master Divider Slide Headline</a:t>
             </a:r>
           </a:p>
@@ -14426,13 +14131,6 @@
   <p:clrMapOvr>
     <a:masterClrMapping/>
   </p:clrMapOvr>
-  <p:timing>
-    <p:tnLst>
-      <p:par>
-        <p:cTn id="1" dur="indefinite" restart="never" nodeType="tmRoot"/>
-      </p:par>
-    </p:tnLst>
-  </p:timing>
 </p:sldLayout>
 </file>
 
@@ -14513,7 +14211,7 @@
           <a:p>
             <a:pPr lvl="0"/>
             <a:r>
-              <a:rPr lang="en-US" dirty="0" smtClean="0"/>
+              <a:rPr lang="en-US" dirty="0"/>
               <a:t>Master Divider Slide Headline</a:t>
             </a:r>
           </a:p>
@@ -14559,13 +14257,6 @@
   <p:clrMapOvr>
     <a:masterClrMapping/>
   </p:clrMapOvr>
-  <p:timing>
-    <p:tnLst>
-      <p:par>
-        <p:cTn id="1" dur="indefinite" restart="never" nodeType="tmRoot"/>
-      </p:par>
-    </p:tnLst>
-  </p:timing>
 </p:sldLayout>
 </file>
 
@@ -14646,7 +14337,7 @@
           <a:p>
             <a:pPr lvl="0"/>
             <a:r>
-              <a:rPr lang="en-US" dirty="0" smtClean="0"/>
+              <a:rPr lang="en-US" dirty="0"/>
               <a:t>Master Divider Slide Headline</a:t>
             </a:r>
           </a:p>
@@ -14692,13 +14383,6 @@
   <p:clrMapOvr>
     <a:masterClrMapping/>
   </p:clrMapOvr>
-  <p:timing>
-    <p:tnLst>
-      <p:par>
-        <p:cTn id="1" dur="indefinite" restart="never" nodeType="tmRoot"/>
-      </p:par>
-    </p:tnLst>
-  </p:timing>
 </p:sldLayout>
 </file>
 
@@ -14743,35 +14427,35 @@
           <a:p>
             <a:pPr lvl="0"/>
             <a:r>
-              <a:rPr lang="en-CA" dirty="0" smtClean="0"/>
+              <a:rPr lang="en-CA" dirty="0"/>
               <a:t>First Level Text</a:t>
             </a:r>
           </a:p>
           <a:p>
             <a:pPr lvl="1"/>
             <a:r>
-              <a:rPr lang="en-CA" dirty="0" smtClean="0"/>
+              <a:rPr lang="en-CA" dirty="0"/>
               <a:t>Second Level Text</a:t>
             </a:r>
           </a:p>
           <a:p>
             <a:pPr lvl="2"/>
             <a:r>
-              <a:rPr lang="en-CA" dirty="0" smtClean="0"/>
+              <a:rPr lang="en-CA" dirty="0"/>
               <a:t>Third Level Text</a:t>
             </a:r>
           </a:p>
           <a:p>
             <a:pPr lvl="3"/>
             <a:r>
-              <a:rPr lang="en-CA" dirty="0" smtClean="0"/>
+              <a:rPr lang="en-CA" dirty="0"/>
               <a:t>Fourth Level Text</a:t>
             </a:r>
           </a:p>
           <a:p>
             <a:pPr lvl="4"/>
             <a:r>
-              <a:rPr lang="en-CA" dirty="0" smtClean="0"/>
+              <a:rPr lang="en-CA" dirty="0"/>
               <a:t>Fifth Level Text</a:t>
             </a:r>
           </a:p>
@@ -14854,57 +14538,8 @@
                 <a:latin typeface="Arial"/>
                 <a:cs typeface="Arial" pitchFamily="34" charset="0"/>
               </a:rPr>
-              <a:t>Copyright © </a:t>
+              <a:t>Copyright © 2015 Accenture  All rights reserved.                         </a:t>
             </a:r>
-            <a:r>
-              <a:rPr lang="en-US" sz="900" dirty="0" smtClean="0">
-                <a:solidFill>
-                  <a:prstClr val="black">
-                    <a:lumMod val="50000"/>
-                    <a:lumOff val="50000"/>
-                  </a:prstClr>
-                </a:solidFill>
-                <a:latin typeface="Arial"/>
-                <a:cs typeface="Arial" pitchFamily="34" charset="0"/>
-              </a:rPr>
-              <a:t>2015 </a:t>
-            </a:r>
-            <a:r>
-              <a:rPr lang="en-US" sz="900" dirty="0">
-                <a:solidFill>
-                  <a:prstClr val="black">
-                    <a:lumMod val="50000"/>
-                    <a:lumOff val="50000"/>
-                  </a:prstClr>
-                </a:solidFill>
-                <a:latin typeface="Arial"/>
-                <a:cs typeface="Arial" pitchFamily="34" charset="0"/>
-              </a:rPr>
-              <a:t>Accenture  All rights reserved</a:t>
-            </a:r>
-            <a:r>
-              <a:rPr lang="en-US" sz="900" dirty="0" smtClean="0">
-                <a:solidFill>
-                  <a:prstClr val="black">
-                    <a:lumMod val="50000"/>
-                    <a:lumOff val="50000"/>
-                  </a:prstClr>
-                </a:solidFill>
-                <a:latin typeface="Arial"/>
-                <a:cs typeface="Arial" pitchFamily="34" charset="0"/>
-              </a:rPr>
-              <a:t>.                         </a:t>
-            </a:r>
-            <a:endParaRPr lang="en-US" sz="900" dirty="0">
-              <a:solidFill>
-                <a:prstClr val="black">
-                  <a:lumMod val="50000"/>
-                  <a:lumOff val="50000"/>
-                </a:prstClr>
-              </a:solidFill>
-              <a:latin typeface="Arial"/>
-              <a:cs typeface="Arial" pitchFamily="34" charset="0"/>
-            </a:endParaRPr>
           </a:p>
         </p:txBody>
       </p:sp>
@@ -14932,7 +14567,7 @@
           </a:lstStyle>
           <a:p>
             <a:r>
-              <a:rPr lang="en-US" dirty="0" smtClean="0"/>
+              <a:rPr lang="en-US" dirty="0"/>
               <a:t>Master Title Slide Headline</a:t>
             </a:r>
             <a:endParaRPr lang="en-CA" dirty="0"/>
@@ -15029,7 +14664,7 @@
               <a:defRPr/>
             </a:pPr>
             <a:r>
-              <a:rPr lang="en-US" sz="900" dirty="0" smtClean="0">
+              <a:rPr lang="en-US" sz="900" dirty="0">
                 <a:solidFill>
                   <a:prstClr val="black">
                     <a:lumMod val="50000"/>
@@ -15041,16 +14676,6 @@
               </a:rPr>
               <a:t>Kaiser  Permanente Accenture Confidential                         </a:t>
             </a:r>
-            <a:endParaRPr lang="en-US" sz="900" dirty="0">
-              <a:solidFill>
-                <a:prstClr val="black">
-                  <a:lumMod val="50000"/>
-                  <a:lumOff val="50000"/>
-                </a:prstClr>
-              </a:solidFill>
-              <a:latin typeface="Arial"/>
-              <a:cs typeface="Arial" pitchFamily="34" charset="0"/>
-            </a:endParaRPr>
           </a:p>
         </p:txBody>
       </p:sp>
@@ -15064,13 +14689,6 @@
   <p:clrMapOvr>
     <a:masterClrMapping/>
   </p:clrMapOvr>
-  <p:timing>
-    <p:tnLst>
-      <p:par>
-        <p:cTn id="1" dur="indefinite" restart="never" nodeType="tmRoot"/>
-      </p:par>
-    </p:tnLst>
-  </p:timing>
 </p:sldLayout>
 </file>
 
@@ -15147,35 +14765,35 @@
           <a:p>
             <a:pPr lvl="0"/>
             <a:r>
-              <a:rPr lang="en-CA" dirty="0" smtClean="0"/>
+              <a:rPr lang="en-CA" dirty="0"/>
               <a:t>First Level Text</a:t>
             </a:r>
           </a:p>
           <a:p>
             <a:pPr lvl="1"/>
             <a:r>
-              <a:rPr lang="en-CA" dirty="0" smtClean="0"/>
+              <a:rPr lang="en-CA" dirty="0"/>
               <a:t>Second Level Text</a:t>
             </a:r>
           </a:p>
           <a:p>
             <a:pPr lvl="2"/>
             <a:r>
-              <a:rPr lang="en-CA" dirty="0" smtClean="0"/>
+              <a:rPr lang="en-CA" dirty="0"/>
               <a:t>Third Level Text</a:t>
             </a:r>
           </a:p>
           <a:p>
             <a:pPr lvl="3"/>
             <a:r>
-              <a:rPr lang="en-CA" dirty="0" smtClean="0"/>
+              <a:rPr lang="en-CA" dirty="0"/>
               <a:t>Fourth Level Text</a:t>
             </a:r>
           </a:p>
           <a:p>
             <a:pPr lvl="4"/>
             <a:r>
-              <a:rPr lang="en-CA" dirty="0" smtClean="0"/>
+              <a:rPr lang="en-CA" dirty="0"/>
               <a:t>Fifth Level Text</a:t>
             </a:r>
           </a:p>
@@ -15213,7 +14831,7 @@
               <a:defRPr/>
             </a:pPr>
             <a:r>
-              <a:rPr lang="en-US" sz="900" dirty="0" smtClean="0">
+              <a:rPr lang="en-US" sz="900" dirty="0">
                 <a:solidFill>
                   <a:prstClr val="black">
                     <a:lumMod val="50000"/>
@@ -15225,16 +14843,6 @@
               </a:rPr>
               <a:t>Copyright © 2015 Accenture  All rights reserved.</a:t>
             </a:r>
-            <a:endParaRPr lang="en-US" sz="900" dirty="0">
-              <a:solidFill>
-                <a:prstClr val="black">
-                  <a:lumMod val="50000"/>
-                  <a:lumOff val="50000"/>
-                </a:prstClr>
-              </a:solidFill>
-              <a:latin typeface="Arial"/>
-              <a:cs typeface="Arial" pitchFamily="34" charset="0"/>
-            </a:endParaRPr>
           </a:p>
         </p:txBody>
       </p:sp>
@@ -15297,7 +14905,7 @@
           </a:lstStyle>
           <a:p>
             <a:r>
-              <a:rPr lang="en-US" dirty="0" smtClean="0"/>
+              <a:rPr lang="en-US" dirty="0"/>
               <a:t>Master Title Slide Headline</a:t>
             </a:r>
             <a:endParaRPr lang="en-CA" dirty="0"/>
@@ -15372,13 +14980,6 @@
   <p:clrMapOvr>
     <a:masterClrMapping/>
   </p:clrMapOvr>
-  <p:timing>
-    <p:tnLst>
-      <p:par>
-        <p:cTn id="1" dur="indefinite" restart="never" nodeType="tmRoot"/>
-      </p:par>
-    </p:tnLst>
-  </p:timing>
 </p:sldLayout>
 </file>
 
@@ -15415,10 +15016,9 @@
           <a:lstStyle/>
           <a:p>
             <a:r>
-              <a:rPr lang="en-US" smtClean="0"/>
+              <a:rPr lang="en-US"/>
               <a:t>Click to edit Master title style</a:t>
             </a:r>
-            <a:endParaRPr lang="en-US"/>
           </a:p>
         </p:txBody>
       </p:sp>
@@ -15439,38 +15039,37 @@
           <a:p>
             <a:pPr lvl="0"/>
             <a:r>
-              <a:rPr lang="en-US" smtClean="0"/>
+              <a:rPr lang="en-US"/>
               <a:t>Click to edit Master text styles</a:t>
             </a:r>
           </a:p>
           <a:p>
             <a:pPr lvl="1"/>
             <a:r>
-              <a:rPr lang="en-US" smtClean="0"/>
+              <a:rPr lang="en-US"/>
               <a:t>Second level</a:t>
             </a:r>
           </a:p>
           <a:p>
             <a:pPr lvl="2"/>
             <a:r>
-              <a:rPr lang="en-US" smtClean="0"/>
+              <a:rPr lang="en-US"/>
               <a:t>Third level</a:t>
             </a:r>
           </a:p>
           <a:p>
             <a:pPr lvl="3"/>
             <a:r>
-              <a:rPr lang="en-US" smtClean="0"/>
+              <a:rPr lang="en-US"/>
               <a:t>Fourth level</a:t>
             </a:r>
           </a:p>
           <a:p>
             <a:pPr lvl="4"/>
             <a:r>
-              <a:rPr lang="en-US" smtClean="0"/>
+              <a:rPr lang="en-US"/>
               <a:t>Fifth level</a:t>
             </a:r>
-            <a:endParaRPr lang="en-US"/>
           </a:p>
         </p:txBody>
       </p:sp>
@@ -15492,7 +15091,7 @@
             <a:fld id="{9B5FA4A0-D2E4-4D7C-A829-2A69171198E3}" type="datetimeFigureOut">
               <a:rPr lang="en-US" smtClean="0"/>
               <a:pPr/>
-              <a:t>6/30/2016</a:t>
+              <a:t>2/12/2018</a:t>
             </a:fld>
             <a:endParaRPr lang="en-US"/>
           </a:p>
@@ -15611,35 +15210,35 @@
           <a:p>
             <a:pPr lvl="0"/>
             <a:r>
-              <a:rPr lang="en-CA" dirty="0" smtClean="0"/>
+              <a:rPr lang="en-CA" dirty="0"/>
               <a:t>First Level Text</a:t>
             </a:r>
           </a:p>
           <a:p>
             <a:pPr lvl="1"/>
             <a:r>
-              <a:rPr lang="en-CA" dirty="0" smtClean="0"/>
+              <a:rPr lang="en-CA" dirty="0"/>
               <a:t>Second Level Text</a:t>
             </a:r>
           </a:p>
           <a:p>
             <a:pPr lvl="2"/>
             <a:r>
-              <a:rPr lang="en-CA" dirty="0" smtClean="0"/>
+              <a:rPr lang="en-CA" dirty="0"/>
               <a:t>Third Level Text</a:t>
             </a:r>
           </a:p>
           <a:p>
             <a:pPr lvl="3"/>
             <a:r>
-              <a:rPr lang="en-CA" dirty="0" smtClean="0"/>
+              <a:rPr lang="en-CA" dirty="0"/>
               <a:t>Fourth Level Text</a:t>
             </a:r>
           </a:p>
           <a:p>
             <a:pPr lvl="4"/>
             <a:r>
-              <a:rPr lang="en-CA" dirty="0" smtClean="0"/>
+              <a:rPr lang="en-CA" dirty="0"/>
               <a:t>Fifth Level Text</a:t>
             </a:r>
           </a:p>
@@ -15685,35 +15284,35 @@
           <a:p>
             <a:pPr lvl="0"/>
             <a:r>
-              <a:rPr lang="en-CA" dirty="0" smtClean="0"/>
+              <a:rPr lang="en-CA" dirty="0"/>
               <a:t>First Level Text</a:t>
             </a:r>
           </a:p>
           <a:p>
             <a:pPr lvl="1"/>
             <a:r>
-              <a:rPr lang="en-CA" dirty="0" smtClean="0"/>
+              <a:rPr lang="en-CA" dirty="0"/>
               <a:t>Second Level Text</a:t>
             </a:r>
           </a:p>
           <a:p>
             <a:pPr lvl="2"/>
             <a:r>
-              <a:rPr lang="en-CA" dirty="0" smtClean="0"/>
+              <a:rPr lang="en-CA" dirty="0"/>
               <a:t>Third Level Text</a:t>
             </a:r>
           </a:p>
           <a:p>
             <a:pPr lvl="3"/>
             <a:r>
-              <a:rPr lang="en-CA" dirty="0" smtClean="0"/>
+              <a:rPr lang="en-CA" dirty="0"/>
               <a:t>Fourth Level Text</a:t>
             </a:r>
           </a:p>
           <a:p>
             <a:pPr lvl="4"/>
             <a:r>
-              <a:rPr lang="en-CA" dirty="0" smtClean="0"/>
+              <a:rPr lang="en-CA" dirty="0"/>
               <a:t>Fifth Level Text</a:t>
             </a:r>
           </a:p>
@@ -15751,7 +15350,7 @@
               <a:defRPr/>
             </a:pPr>
             <a:r>
-              <a:rPr lang="en-US" sz="900" dirty="0" smtClean="0">
+              <a:rPr lang="en-US" sz="900" dirty="0">
                 <a:solidFill>
                   <a:prstClr val="black">
                     <a:lumMod val="50000"/>
@@ -15763,16 +15362,6 @@
               </a:rPr>
               <a:t>Copyright © 2015 Accenture  All rights reserved.</a:t>
             </a:r>
-            <a:endParaRPr lang="en-US" sz="900" dirty="0">
-              <a:solidFill>
-                <a:prstClr val="black">
-                  <a:lumMod val="50000"/>
-                  <a:lumOff val="50000"/>
-                </a:prstClr>
-              </a:solidFill>
-              <a:latin typeface="Arial"/>
-              <a:cs typeface="Arial" pitchFamily="34" charset="0"/>
-            </a:endParaRPr>
           </a:p>
         </p:txBody>
       </p:sp>
@@ -15835,7 +15424,7 @@
           </a:lstStyle>
           <a:p>
             <a:r>
-              <a:rPr lang="en-US" dirty="0" smtClean="0"/>
+              <a:rPr lang="en-US" dirty="0"/>
               <a:t>Master Title Slide Headline</a:t>
             </a:r>
             <a:endParaRPr lang="en-CA" dirty="0"/>
@@ -15932,7 +15521,7 @@
               <a:defRPr/>
             </a:pPr>
             <a:r>
-              <a:rPr lang="en-US" sz="900" dirty="0" smtClean="0">
+              <a:rPr lang="en-US" sz="900" dirty="0">
                 <a:solidFill>
                   <a:prstClr val="black">
                     <a:lumMod val="50000"/>
@@ -15944,16 +15533,6 @@
               </a:rPr>
               <a:t>Kaiser Permanente Accenture Confidential                         </a:t>
             </a:r>
-            <a:endParaRPr lang="en-US" sz="900" dirty="0">
-              <a:solidFill>
-                <a:prstClr val="black">
-                  <a:lumMod val="50000"/>
-                  <a:lumOff val="50000"/>
-                </a:prstClr>
-              </a:solidFill>
-              <a:latin typeface="Arial"/>
-              <a:cs typeface="Arial" pitchFamily="34" charset="0"/>
-            </a:endParaRPr>
           </a:p>
         </p:txBody>
       </p:sp>
@@ -15967,13 +15546,6 @@
   <p:clrMapOvr>
     <a:masterClrMapping/>
   </p:clrMapOvr>
-  <p:timing>
-    <p:tnLst>
-      <p:par>
-        <p:cTn id="1" dur="indefinite" restart="never" nodeType="tmRoot"/>
-      </p:par>
-    </p:tnLst>
-  </p:timing>
 </p:sldLayout>
 </file>
 
@@ -16054,35 +15626,35 @@
           <a:p>
             <a:pPr lvl="0"/>
             <a:r>
-              <a:rPr lang="en-CA" dirty="0" smtClean="0"/>
+              <a:rPr lang="en-CA" dirty="0"/>
               <a:t>First Level Text</a:t>
             </a:r>
           </a:p>
           <a:p>
             <a:pPr lvl="1"/>
             <a:r>
-              <a:rPr lang="en-CA" dirty="0" smtClean="0"/>
+              <a:rPr lang="en-CA" dirty="0"/>
               <a:t>Second Level Text</a:t>
             </a:r>
           </a:p>
           <a:p>
             <a:pPr lvl="2"/>
             <a:r>
-              <a:rPr lang="en-CA" dirty="0" smtClean="0"/>
+              <a:rPr lang="en-CA" dirty="0"/>
               <a:t>Third Level Text</a:t>
             </a:r>
           </a:p>
           <a:p>
             <a:pPr lvl="3"/>
             <a:r>
-              <a:rPr lang="en-CA" dirty="0" smtClean="0"/>
+              <a:rPr lang="en-CA" dirty="0"/>
               <a:t>Fourth Level Text</a:t>
             </a:r>
           </a:p>
           <a:p>
             <a:pPr lvl="4"/>
             <a:r>
-              <a:rPr lang="en-CA" dirty="0" smtClean="0"/>
+              <a:rPr lang="en-CA" dirty="0"/>
               <a:t>Fifth Level Text</a:t>
             </a:r>
           </a:p>
@@ -16148,35 +15720,35 @@
           <a:p>
             <a:pPr lvl="0"/>
             <a:r>
-              <a:rPr lang="en-CA" dirty="0" smtClean="0"/>
+              <a:rPr lang="en-CA" dirty="0"/>
               <a:t>First Level Text</a:t>
             </a:r>
           </a:p>
           <a:p>
             <a:pPr lvl="1"/>
             <a:r>
-              <a:rPr lang="en-CA" dirty="0" smtClean="0"/>
+              <a:rPr lang="en-CA" dirty="0"/>
               <a:t>Second Level Text</a:t>
             </a:r>
           </a:p>
           <a:p>
             <a:pPr lvl="2"/>
             <a:r>
-              <a:rPr lang="en-CA" dirty="0" smtClean="0"/>
+              <a:rPr lang="en-CA" dirty="0"/>
               <a:t>Third Level Text</a:t>
             </a:r>
           </a:p>
           <a:p>
             <a:pPr lvl="3"/>
             <a:r>
-              <a:rPr lang="en-CA" dirty="0" smtClean="0"/>
+              <a:rPr lang="en-CA" dirty="0"/>
               <a:t>Fourth Level Text</a:t>
             </a:r>
           </a:p>
           <a:p>
             <a:pPr lvl="4"/>
             <a:r>
-              <a:rPr lang="en-CA" dirty="0" smtClean="0"/>
+              <a:rPr lang="en-CA" dirty="0"/>
               <a:t>Fifth Level Text</a:t>
             </a:r>
           </a:p>
@@ -16214,7 +15786,7 @@
               <a:defRPr/>
             </a:pPr>
             <a:r>
-              <a:rPr lang="en-US" sz="900" dirty="0" smtClean="0">
+              <a:rPr lang="en-US" sz="900" dirty="0">
                 <a:solidFill>
                   <a:prstClr val="black">
                     <a:lumMod val="50000"/>
@@ -16226,16 +15798,6 @@
               </a:rPr>
               <a:t>Copyright © 2015 Accenture  All rights reserved.</a:t>
             </a:r>
-            <a:endParaRPr lang="en-US" sz="900" dirty="0">
-              <a:solidFill>
-                <a:prstClr val="black">
-                  <a:lumMod val="50000"/>
-                  <a:lumOff val="50000"/>
-                </a:prstClr>
-              </a:solidFill>
-              <a:latin typeface="Arial"/>
-              <a:cs typeface="Arial" pitchFamily="34" charset="0"/>
-            </a:endParaRPr>
           </a:p>
         </p:txBody>
       </p:sp>
@@ -16298,7 +15860,7 @@
           </a:lstStyle>
           <a:p>
             <a:r>
-              <a:rPr lang="en-US" dirty="0" smtClean="0"/>
+              <a:rPr lang="en-US" dirty="0"/>
               <a:t>Master Title Slide Headline</a:t>
             </a:r>
             <a:endParaRPr lang="en-CA" dirty="0"/>
@@ -16373,13 +15935,6 @@
   <p:clrMapOvr>
     <a:masterClrMapping/>
   </p:clrMapOvr>
-  <p:timing>
-    <p:tnLst>
-      <p:par>
-        <p:cTn id="1" dur="indefinite" restart="never" nodeType="tmRoot"/>
-      </p:par>
-    </p:tnLst>
-  </p:timing>
 </p:sldLayout>
 </file>
 
@@ -16432,7 +15987,7 @@
               <a:defRPr/>
             </a:pPr>
             <a:r>
-              <a:rPr lang="en-US" sz="900" dirty="0" smtClean="0">
+              <a:rPr lang="en-US" sz="900" dirty="0">
                 <a:solidFill>
                   <a:prstClr val="black">
                     <a:lumMod val="50000"/>
@@ -16444,16 +15999,6 @@
               </a:rPr>
               <a:t>Copyright © 2015 Accenture  All rights reserved.</a:t>
             </a:r>
-            <a:endParaRPr lang="en-US" sz="900" dirty="0">
-              <a:solidFill>
-                <a:prstClr val="black">
-                  <a:lumMod val="50000"/>
-                  <a:lumOff val="50000"/>
-                </a:prstClr>
-              </a:solidFill>
-              <a:latin typeface="Arial"/>
-              <a:cs typeface="Arial" pitchFamily="34" charset="0"/>
-            </a:endParaRPr>
           </a:p>
         </p:txBody>
       </p:sp>
@@ -16516,7 +16061,7 @@
           </a:lstStyle>
           <a:p>
             <a:r>
-              <a:rPr lang="en-US" dirty="0" smtClean="0"/>
+              <a:rPr lang="en-US" dirty="0"/>
               <a:t>Master Title Slide Headline</a:t>
             </a:r>
             <a:endParaRPr lang="en-CA" dirty="0"/>
@@ -16613,7 +16158,7 @@
               <a:defRPr/>
             </a:pPr>
             <a:r>
-              <a:rPr lang="en-US" sz="900" dirty="0" smtClean="0">
+              <a:rPr lang="en-US" sz="900" dirty="0">
                 <a:solidFill>
                   <a:prstClr val="black">
                     <a:lumMod val="50000"/>
@@ -16625,16 +16170,6 @@
               </a:rPr>
               <a:t>Kaiser Permanente Accenture Confidential                         </a:t>
             </a:r>
-            <a:endParaRPr lang="en-US" sz="900" dirty="0">
-              <a:solidFill>
-                <a:prstClr val="black">
-                  <a:lumMod val="50000"/>
-                  <a:lumOff val="50000"/>
-                </a:prstClr>
-              </a:solidFill>
-              <a:latin typeface="Arial"/>
-              <a:cs typeface="Arial" pitchFamily="34" charset="0"/>
-            </a:endParaRPr>
           </a:p>
         </p:txBody>
       </p:sp>
@@ -16648,13 +16183,6 @@
   <p:clrMapOvr>
     <a:masterClrMapping/>
   </p:clrMapOvr>
-  <p:timing>
-    <p:tnLst>
-      <p:par>
-        <p:cTn id="1" dur="indefinite" restart="never" nodeType="tmRoot"/>
-      </p:par>
-    </p:tnLst>
-  </p:timing>
 </p:sldLayout>
 </file>
 
@@ -16707,7 +16235,7 @@
               <a:defRPr/>
             </a:pPr>
             <a:r>
-              <a:rPr lang="en-US" sz="900" dirty="0" smtClean="0">
+              <a:rPr lang="en-US" sz="900" dirty="0">
                 <a:solidFill>
                   <a:prstClr val="black">
                     <a:lumMod val="50000"/>
@@ -16719,16 +16247,6 @@
               </a:rPr>
               <a:t>Copyright © 2015 Accenture  All rights reserved.</a:t>
             </a:r>
-            <a:endParaRPr lang="en-US" sz="900" dirty="0">
-              <a:solidFill>
-                <a:prstClr val="black">
-                  <a:lumMod val="50000"/>
-                  <a:lumOff val="50000"/>
-                </a:prstClr>
-              </a:solidFill>
-              <a:latin typeface="Arial"/>
-              <a:cs typeface="Arial" pitchFamily="34" charset="0"/>
-            </a:endParaRPr>
           </a:p>
         </p:txBody>
       </p:sp>
@@ -16822,7 +16340,7 @@
               <a:defRPr/>
             </a:pPr>
             <a:r>
-              <a:rPr lang="en-US" sz="900" dirty="0" smtClean="0">
+              <a:rPr lang="en-US" sz="900" dirty="0">
                 <a:solidFill>
                   <a:prstClr val="black">
                     <a:lumMod val="50000"/>
@@ -16834,16 +16352,6 @@
               </a:rPr>
               <a:t>Kaiser Permanente Accenture Confidential                         </a:t>
             </a:r>
-            <a:endParaRPr lang="en-US" sz="900" dirty="0">
-              <a:solidFill>
-                <a:prstClr val="black">
-                  <a:lumMod val="50000"/>
-                  <a:lumOff val="50000"/>
-                </a:prstClr>
-              </a:solidFill>
-              <a:latin typeface="Arial"/>
-              <a:cs typeface="Arial" pitchFamily="34" charset="0"/>
-            </a:endParaRPr>
           </a:p>
         </p:txBody>
       </p:sp>
@@ -16857,13 +16365,6 @@
   <p:clrMapOvr>
     <a:masterClrMapping/>
   </p:clrMapOvr>
-  <p:timing>
-    <p:tnLst>
-      <p:par>
-        <p:cTn id="1" dur="indefinite" restart="never" nodeType="tmRoot"/>
-      </p:par>
-    </p:tnLst>
-  </p:timing>
 </p:sldLayout>
 </file>
 
@@ -18163,7 +17664,7 @@
           </a:lstStyle>
           <a:p>
             <a:r>
-              <a:rPr lang="en-US" dirty="0" smtClean="0"/>
+              <a:rPr lang="en-US" dirty="0"/>
               <a:t>Click to edit Master title style </a:t>
             </a:r>
             <a:endParaRPr lang="en-GB" dirty="0"/>
@@ -18254,21 +17755,6 @@
   <p:clrMapOvr>
     <a:masterClrMapping/>
   </p:clrMapOvr>
-  <mc:AlternateContent xmlns:mc="http://schemas.openxmlformats.org/markup-compatibility/2006" xmlns:p14="http://schemas.microsoft.com/office/powerpoint/2010/main">
-    <mc:Choice Requires="p14">
-      <p:transition spd="slow" p14:dur="2000"/>
-    </mc:Choice>
-    <mc:Fallback xmlns="">
-      <p:transition spd="slow"/>
-    </mc:Fallback>
-  </mc:AlternateContent>
-  <p:timing>
-    <p:tnLst>
-      <p:par>
-        <p:cTn id="1" dur="indefinite" restart="never" nodeType="tmRoot"/>
-      </p:par>
-    </p:tnLst>
-  </p:timing>
 </p:sldLayout>
 </file>
 
@@ -18360,7 +17846,7 @@
           </a:lstStyle>
           <a:p>
             <a:r>
-              <a:rPr lang="en-US" dirty="0" smtClean="0"/>
+              <a:rPr lang="en-US" dirty="0"/>
               <a:t>Click to edit Master title style </a:t>
             </a:r>
             <a:endParaRPr lang="en-GB" dirty="0"/>
@@ -18491,7 +17977,7 @@
           <a:p>
             <a:pPr lvl="0"/>
             <a:r>
-              <a:rPr lang="en-US" dirty="0" smtClean="0"/>
+              <a:rPr lang="en-US" dirty="0"/>
               <a:t>Click to edit Master text styles</a:t>
             </a:r>
           </a:p>
@@ -19221,21 +18707,6 @@
   <p:clrMapOvr>
     <a:masterClrMapping/>
   </p:clrMapOvr>
-  <mc:AlternateContent xmlns:mc="http://schemas.openxmlformats.org/markup-compatibility/2006" xmlns:p14="http://schemas.microsoft.com/office/powerpoint/2010/main">
-    <mc:Choice Requires="p14">
-      <p:transition spd="slow" p14:dur="2000"/>
-    </mc:Choice>
-    <mc:Fallback xmlns="">
-      <p:transition spd="slow"/>
-    </mc:Fallback>
-  </mc:AlternateContent>
-  <p:timing>
-    <p:tnLst>
-      <p:par>
-        <p:cTn id="1" dur="indefinite" restart="never" nodeType="tmRoot"/>
-      </p:par>
-    </p:tnLst>
-  </p:timing>
 </p:sldLayout>
 </file>
 
@@ -20048,21 +19519,6 @@
   <p:clrMapOvr>
     <a:masterClrMapping/>
   </p:clrMapOvr>
-  <mc:AlternateContent xmlns:mc="http://schemas.openxmlformats.org/markup-compatibility/2006" xmlns:p14="http://schemas.microsoft.com/office/powerpoint/2010/main">
-    <mc:Choice Requires="p14">
-      <p:transition spd="slow" p14:dur="2000"/>
-    </mc:Choice>
-    <mc:Fallback xmlns="">
-      <p:transition spd="slow"/>
-    </mc:Fallback>
-  </mc:AlternateContent>
-  <p:timing>
-    <p:tnLst>
-      <p:par>
-        <p:cTn id="1" dur="indefinite" restart="never" nodeType="tmRoot"/>
-      </p:par>
-    </p:tnLst>
-  </p:timing>
 </p:sldLayout>
 </file>
 
@@ -20129,7 +19585,7 @@
           <a:p>
             <a:pPr lvl="0"/>
             <a:r>
-              <a:rPr lang="en-US" dirty="0" smtClean="0"/>
+              <a:rPr lang="en-US" dirty="0"/>
               <a:t>Click to edit Master text styles</a:t>
             </a:r>
           </a:p>
@@ -20157,35 +19613,35 @@
           <a:p>
             <a:pPr lvl="0"/>
             <a:r>
-              <a:rPr lang="en-US" dirty="0" smtClean="0"/>
+              <a:rPr lang="en-US" dirty="0"/>
               <a:t>Click to edit Master text styles</a:t>
             </a:r>
           </a:p>
           <a:p>
             <a:pPr lvl="1"/>
             <a:r>
-              <a:rPr lang="en-US" dirty="0" smtClean="0"/>
+              <a:rPr lang="en-US" dirty="0"/>
               <a:t>Second level</a:t>
             </a:r>
           </a:p>
           <a:p>
             <a:pPr lvl="2"/>
             <a:r>
-              <a:rPr lang="en-US" dirty="0" smtClean="0"/>
+              <a:rPr lang="en-US" dirty="0"/>
               <a:t>Third level</a:t>
             </a:r>
           </a:p>
           <a:p>
             <a:pPr lvl="3"/>
             <a:r>
-              <a:rPr lang="en-US" dirty="0" smtClean="0"/>
+              <a:rPr lang="en-US" dirty="0"/>
               <a:t>Fourth level</a:t>
             </a:r>
           </a:p>
           <a:p>
             <a:pPr lvl="4"/>
             <a:r>
-              <a:rPr lang="en-US" dirty="0" smtClean="0"/>
+              <a:rPr lang="en-US" dirty="0"/>
               <a:t>Fifth level</a:t>
             </a:r>
             <a:endParaRPr lang="en-AU" dirty="0"/>
@@ -20208,7 +19664,7 @@
           <a:lstStyle/>
           <a:p>
             <a:r>
-              <a:rPr lang="en-US" dirty="0" smtClean="0"/>
+              <a:rPr lang="en-US" dirty="0"/>
               <a:t>Click to edit Master title style</a:t>
             </a:r>
             <a:endParaRPr lang="en-AU" dirty="0"/>
@@ -20300,10 +19756,9 @@
           </a:lstStyle>
           <a:p>
             <a:r>
-              <a:rPr lang="en-US" dirty="0" smtClean="0"/>
+              <a:rPr lang="en-US" dirty="0"/>
               <a:t>Copyright © 2015 Accenture  All rights reserved.</a:t>
             </a:r>
-            <a:endParaRPr lang="en-US" dirty="0"/>
           </a:p>
         </p:txBody>
       </p:sp>
@@ -20317,21 +19772,6 @@
   <p:clrMapOvr>
     <a:overrideClrMapping bg1="lt1" tx1="dk1" bg2="lt2" tx2="dk2" accent1="accent1" accent2="accent2" accent3="accent3" accent4="accent4" accent5="accent5" accent6="accent6" hlink="hlink" folHlink="folHlink"/>
   </p:clrMapOvr>
-  <mc:AlternateContent xmlns:mc="http://schemas.openxmlformats.org/markup-compatibility/2006" xmlns:p14="http://schemas.microsoft.com/office/powerpoint/2010/main">
-    <mc:Choice Requires="p14">
-      <p:transition spd="slow" p14:dur="2000"/>
-    </mc:Choice>
-    <mc:Fallback xmlns="">
-      <p:transition spd="slow"/>
-    </mc:Fallback>
-  </mc:AlternateContent>
-  <p:timing>
-    <p:tnLst>
-      <p:par>
-        <p:cTn id="1" dur="indefinite" restart="never" nodeType="tmRoot"/>
-      </p:par>
-    </p:tnLst>
-  </p:timing>
 </p:sldLayout>
 </file>
 
@@ -20368,7 +19808,7 @@
           <a:lstStyle/>
           <a:p>
             <a:r>
-              <a:rPr lang="en-US" smtClean="0"/>
+              <a:rPr lang="en-US"/>
               <a:t>Click to edit Master title style</a:t>
             </a:r>
             <a:endParaRPr lang="en-AU"/>
@@ -20421,7 +19861,7 @@
           <a:p>
             <a:pPr lvl="0"/>
             <a:r>
-              <a:rPr lang="en-US" dirty="0" smtClean="0"/>
+              <a:rPr lang="en-US" dirty="0"/>
               <a:t>Click to edit Master text styles</a:t>
             </a:r>
           </a:p>
@@ -20449,35 +19889,35 @@
           <a:p>
             <a:pPr lvl="0"/>
             <a:r>
-              <a:rPr lang="en-US" dirty="0" smtClean="0"/>
+              <a:rPr lang="en-US" dirty="0"/>
               <a:t>Click to edit Master text styles</a:t>
             </a:r>
           </a:p>
           <a:p>
             <a:pPr lvl="1"/>
             <a:r>
-              <a:rPr lang="en-US" dirty="0" smtClean="0"/>
+              <a:rPr lang="en-US" dirty="0"/>
               <a:t>Second level</a:t>
             </a:r>
           </a:p>
           <a:p>
             <a:pPr lvl="2"/>
             <a:r>
-              <a:rPr lang="en-US" dirty="0" smtClean="0"/>
+              <a:rPr lang="en-US" dirty="0"/>
               <a:t>Third level</a:t>
             </a:r>
           </a:p>
           <a:p>
             <a:pPr lvl="3"/>
             <a:r>
-              <a:rPr lang="en-US" dirty="0" smtClean="0"/>
+              <a:rPr lang="en-US" dirty="0"/>
               <a:t>Fourth level</a:t>
             </a:r>
           </a:p>
           <a:p>
             <a:pPr lvl="4"/>
             <a:r>
-              <a:rPr lang="en-US" dirty="0" smtClean="0"/>
+              <a:rPr lang="en-US" dirty="0"/>
               <a:t>Fifth level</a:t>
             </a:r>
             <a:endParaRPr lang="en-AU" dirty="0"/>
@@ -20530,7 +19970,7 @@
           <a:p>
             <a:pPr lvl="0"/>
             <a:r>
-              <a:rPr lang="en-US" dirty="0" smtClean="0"/>
+              <a:rPr lang="en-US" dirty="0"/>
               <a:t>Click to edit Master text styles</a:t>
             </a:r>
           </a:p>
@@ -20558,35 +19998,35 @@
           <a:p>
             <a:pPr lvl="0"/>
             <a:r>
-              <a:rPr lang="en-US" dirty="0" smtClean="0"/>
+              <a:rPr lang="en-US" dirty="0"/>
               <a:t>Click to edit Master text styles</a:t>
             </a:r>
           </a:p>
           <a:p>
             <a:pPr lvl="1"/>
             <a:r>
-              <a:rPr lang="en-US" dirty="0" smtClean="0"/>
+              <a:rPr lang="en-US" dirty="0"/>
               <a:t>Second level</a:t>
             </a:r>
           </a:p>
           <a:p>
             <a:pPr lvl="2"/>
             <a:r>
-              <a:rPr lang="en-US" dirty="0" smtClean="0"/>
+              <a:rPr lang="en-US" dirty="0"/>
               <a:t>Third level</a:t>
             </a:r>
           </a:p>
           <a:p>
             <a:pPr lvl="3"/>
             <a:r>
-              <a:rPr lang="en-US" dirty="0" smtClean="0"/>
+              <a:rPr lang="en-US" dirty="0"/>
               <a:t>Fourth level</a:t>
             </a:r>
           </a:p>
           <a:p>
             <a:pPr lvl="4"/>
             <a:r>
-              <a:rPr lang="en-US" dirty="0" smtClean="0"/>
+              <a:rPr lang="en-US" dirty="0"/>
               <a:t>Fifth level</a:t>
             </a:r>
             <a:endParaRPr lang="en-AU" dirty="0"/>
@@ -20678,10 +20118,9 @@
           </a:lstStyle>
           <a:p>
             <a:r>
-              <a:rPr lang="en-US" dirty="0" smtClean="0"/>
+              <a:rPr lang="en-US" dirty="0"/>
               <a:t>Copyright © 2015 Accenture  All rights reserved.</a:t>
             </a:r>
-            <a:endParaRPr lang="en-US" dirty="0"/>
           </a:p>
         </p:txBody>
       </p:sp>
@@ -20695,21 +20134,6 @@
   <p:clrMapOvr>
     <a:overrideClrMapping bg1="lt1" tx1="dk1" bg2="lt2" tx2="dk2" accent1="accent1" accent2="accent2" accent3="accent3" accent4="accent4" accent5="accent5" accent6="accent6" hlink="hlink" folHlink="folHlink"/>
   </p:clrMapOvr>
-  <mc:AlternateContent xmlns:mc="http://schemas.openxmlformats.org/markup-compatibility/2006" xmlns:p14="http://schemas.microsoft.com/office/powerpoint/2010/main">
-    <mc:Choice Requires="p14">
-      <p:transition spd="slow" p14:dur="2000"/>
-    </mc:Choice>
-    <mc:Fallback xmlns="">
-      <p:transition spd="slow"/>
-    </mc:Fallback>
-  </mc:AlternateContent>
-  <p:timing>
-    <p:tnLst>
-      <p:par>
-        <p:cTn id="1" dur="indefinite" restart="never" nodeType="tmRoot"/>
-      </p:par>
-    </p:tnLst>
-  </p:timing>
 </p:sldLayout>
 </file>
 
@@ -20746,7 +20170,7 @@
           <a:lstStyle/>
           <a:p>
             <a:r>
-              <a:rPr lang="en-US" smtClean="0"/>
+              <a:rPr lang="en-US"/>
               <a:t>Click to edit Master title style</a:t>
             </a:r>
             <a:endParaRPr lang="en-AU"/>
@@ -20799,7 +20223,7 @@
           <a:p>
             <a:pPr lvl="0"/>
             <a:r>
-              <a:rPr lang="en-US" dirty="0" smtClean="0"/>
+              <a:rPr lang="en-US" dirty="0"/>
               <a:t>Click to edit Master text styles</a:t>
             </a:r>
           </a:p>
@@ -20827,35 +20251,35 @@
           <a:p>
             <a:pPr lvl="0"/>
             <a:r>
-              <a:rPr lang="en-US" dirty="0" smtClean="0"/>
+              <a:rPr lang="en-US" dirty="0"/>
               <a:t>Click to edit Master text styles</a:t>
             </a:r>
           </a:p>
           <a:p>
             <a:pPr lvl="1"/>
             <a:r>
-              <a:rPr lang="en-US" dirty="0" smtClean="0"/>
+              <a:rPr lang="en-US" dirty="0"/>
               <a:t>Second level</a:t>
             </a:r>
           </a:p>
           <a:p>
             <a:pPr lvl="2"/>
             <a:r>
-              <a:rPr lang="en-US" dirty="0" smtClean="0"/>
+              <a:rPr lang="en-US" dirty="0"/>
               <a:t>Third level</a:t>
             </a:r>
           </a:p>
           <a:p>
             <a:pPr lvl="3"/>
             <a:r>
-              <a:rPr lang="en-US" dirty="0" smtClean="0"/>
+              <a:rPr lang="en-US" dirty="0"/>
               <a:t>Fourth level</a:t>
             </a:r>
           </a:p>
           <a:p>
             <a:pPr lvl="4"/>
             <a:r>
-              <a:rPr lang="en-US" dirty="0" smtClean="0"/>
+              <a:rPr lang="en-US" dirty="0"/>
               <a:t>Fifth level</a:t>
             </a:r>
             <a:endParaRPr lang="en-AU" dirty="0"/>
@@ -20884,35 +20308,35 @@
           <a:p>
             <a:pPr lvl="0"/>
             <a:r>
-              <a:rPr lang="en-US" dirty="0" smtClean="0"/>
+              <a:rPr lang="en-US" dirty="0"/>
               <a:t>Click to edit Master text styles</a:t>
             </a:r>
           </a:p>
           <a:p>
             <a:pPr lvl="1"/>
             <a:r>
-              <a:rPr lang="en-US" dirty="0" smtClean="0"/>
+              <a:rPr lang="en-US" dirty="0"/>
               <a:t>Second level</a:t>
             </a:r>
           </a:p>
           <a:p>
             <a:pPr lvl="2"/>
             <a:r>
-              <a:rPr lang="en-US" dirty="0" smtClean="0"/>
+              <a:rPr lang="en-US" dirty="0"/>
               <a:t>Third level</a:t>
             </a:r>
           </a:p>
           <a:p>
             <a:pPr lvl="3"/>
             <a:r>
-              <a:rPr lang="en-US" dirty="0" smtClean="0"/>
+              <a:rPr lang="en-US" dirty="0"/>
               <a:t>Fourth level</a:t>
             </a:r>
           </a:p>
           <a:p>
             <a:pPr lvl="4"/>
             <a:r>
-              <a:rPr lang="en-US" dirty="0" smtClean="0"/>
+              <a:rPr lang="en-US" dirty="0"/>
               <a:t>Fifth level</a:t>
             </a:r>
             <a:endParaRPr lang="en-AU" dirty="0"/>
@@ -21004,10 +20428,9 @@
           </a:lstStyle>
           <a:p>
             <a:r>
-              <a:rPr lang="en-US" dirty="0" smtClean="0"/>
+              <a:rPr lang="en-US" dirty="0"/>
               <a:t>Copyright © 2015 Accenture  All rights reserved.</a:t>
             </a:r>
-            <a:endParaRPr lang="en-US" dirty="0"/>
           </a:p>
         </p:txBody>
       </p:sp>
@@ -21021,21 +20444,6 @@
   <p:clrMapOvr>
     <a:overrideClrMapping bg1="lt1" tx1="dk1" bg2="lt2" tx2="dk2" accent1="accent1" accent2="accent2" accent3="accent3" accent4="accent4" accent5="accent5" accent6="accent6" hlink="hlink" folHlink="folHlink"/>
   </p:clrMapOvr>
-  <mc:AlternateContent xmlns:mc="http://schemas.openxmlformats.org/markup-compatibility/2006" xmlns:p14="http://schemas.microsoft.com/office/powerpoint/2010/main">
-    <mc:Choice Requires="p14">
-      <p:transition spd="slow" p14:dur="2000"/>
-    </mc:Choice>
-    <mc:Fallback xmlns="">
-      <p:transition spd="slow"/>
-    </mc:Fallback>
-  </mc:AlternateContent>
-  <p:timing>
-    <p:tnLst>
-      <p:par>
-        <p:cTn id="1" dur="indefinite" restart="never" nodeType="tmRoot"/>
-      </p:par>
-    </p:tnLst>
-  </p:timing>
 </p:sldLayout>
 </file>
 
@@ -21081,10 +20489,9 @@
           </a:lstStyle>
           <a:p>
             <a:r>
-              <a:rPr lang="en-US" smtClean="0"/>
+              <a:rPr lang="en-US"/>
               <a:t>Click to edit Master title style</a:t>
             </a:r>
-            <a:endParaRPr lang="en-US"/>
           </a:p>
         </p:txBody>
       </p:sp>
@@ -21201,7 +20608,7 @@
           <a:p>
             <a:pPr lvl="0"/>
             <a:r>
-              <a:rPr lang="en-US" smtClean="0"/>
+              <a:rPr lang="en-US"/>
               <a:t>Click to edit Master text styles</a:t>
             </a:r>
           </a:p>
@@ -21225,7 +20632,7 @@
             <a:fld id="{9B5FA4A0-D2E4-4D7C-A829-2A69171198E3}" type="datetimeFigureOut">
               <a:rPr lang="en-US" smtClean="0"/>
               <a:pPr/>
-              <a:t>6/30/2016</a:t>
+              <a:t>2/12/2018</a:t>
             </a:fld>
             <a:endParaRPr lang="en-US"/>
           </a:p>
@@ -21320,7 +20727,7 @@
           <a:lstStyle/>
           <a:p>
             <a:r>
-              <a:rPr lang="en-US" smtClean="0"/>
+              <a:rPr lang="en-US"/>
               <a:t>Click to edit Master title style</a:t>
             </a:r>
             <a:endParaRPr lang="en-AU"/>
@@ -21349,35 +20756,35 @@
           <a:p>
             <a:pPr lvl="0"/>
             <a:r>
-              <a:rPr lang="en-US" dirty="0" smtClean="0"/>
+              <a:rPr lang="en-US" dirty="0"/>
               <a:t>Click to edit Master text styles</a:t>
             </a:r>
           </a:p>
           <a:p>
             <a:pPr lvl="1"/>
             <a:r>
-              <a:rPr lang="en-US" dirty="0" smtClean="0"/>
+              <a:rPr lang="en-US" dirty="0"/>
               <a:t>Second level</a:t>
             </a:r>
           </a:p>
           <a:p>
             <a:pPr lvl="2"/>
             <a:r>
-              <a:rPr lang="en-US" dirty="0" smtClean="0"/>
+              <a:rPr lang="en-US" dirty="0"/>
               <a:t>Third level</a:t>
             </a:r>
           </a:p>
           <a:p>
             <a:pPr lvl="3"/>
             <a:r>
-              <a:rPr lang="en-US" dirty="0" smtClean="0"/>
+              <a:rPr lang="en-US" dirty="0"/>
               <a:t>Fourth level</a:t>
             </a:r>
           </a:p>
           <a:p>
             <a:pPr lvl="4"/>
             <a:r>
-              <a:rPr lang="en-US" dirty="0" smtClean="0"/>
+              <a:rPr lang="en-US" dirty="0"/>
               <a:t>Fifth level</a:t>
             </a:r>
             <a:endParaRPr lang="en-AU" dirty="0"/>
@@ -21469,10 +20876,9 @@
           </a:lstStyle>
           <a:p>
             <a:r>
-              <a:rPr lang="en-US" dirty="0" smtClean="0"/>
+              <a:rPr lang="en-US" dirty="0"/>
               <a:t>Copyright © 2015 Accenture  All rights reserved.</a:t>
             </a:r>
-            <a:endParaRPr lang="en-US" dirty="0"/>
           </a:p>
         </p:txBody>
       </p:sp>
@@ -21486,21 +20892,6 @@
   <p:clrMapOvr>
     <a:overrideClrMapping bg1="lt1" tx1="dk1" bg2="lt2" tx2="dk2" accent1="accent1" accent2="accent2" accent3="accent3" accent4="accent4" accent5="accent5" accent6="accent6" hlink="hlink" folHlink="folHlink"/>
   </p:clrMapOvr>
-  <mc:AlternateContent xmlns:mc="http://schemas.openxmlformats.org/markup-compatibility/2006" xmlns:p14="http://schemas.microsoft.com/office/powerpoint/2010/main">
-    <mc:Choice Requires="p14">
-      <p:transition spd="slow" p14:dur="2000"/>
-    </mc:Choice>
-    <mc:Fallback xmlns="">
-      <p:transition spd="slow"/>
-    </mc:Fallback>
-  </mc:AlternateContent>
-  <p:timing>
-    <p:tnLst>
-      <p:par>
-        <p:cTn id="1" dur="indefinite" restart="never" nodeType="tmRoot"/>
-      </p:par>
-    </p:tnLst>
-  </p:timing>
 </p:sldLayout>
 </file>
 
@@ -21537,7 +20928,7 @@
           <a:lstStyle/>
           <a:p>
             <a:r>
-              <a:rPr lang="en-US" smtClean="0"/>
+              <a:rPr lang="en-US"/>
               <a:t>Click to edit Master title style</a:t>
             </a:r>
             <a:endParaRPr lang="en-AU"/>
@@ -21566,35 +20957,35 @@
           <a:p>
             <a:pPr lvl="0"/>
             <a:r>
-              <a:rPr lang="en-US" dirty="0" smtClean="0"/>
+              <a:rPr lang="en-US" dirty="0"/>
               <a:t>Click to edit Master text styles</a:t>
             </a:r>
           </a:p>
           <a:p>
             <a:pPr lvl="1"/>
             <a:r>
-              <a:rPr lang="en-US" dirty="0" smtClean="0"/>
+              <a:rPr lang="en-US" dirty="0"/>
               <a:t>Second level</a:t>
             </a:r>
           </a:p>
           <a:p>
             <a:pPr lvl="2"/>
             <a:r>
-              <a:rPr lang="en-US" dirty="0" smtClean="0"/>
+              <a:rPr lang="en-US" dirty="0"/>
               <a:t>Third level</a:t>
             </a:r>
           </a:p>
           <a:p>
             <a:pPr lvl="3"/>
             <a:r>
-              <a:rPr lang="en-US" dirty="0" smtClean="0"/>
+              <a:rPr lang="en-US" dirty="0"/>
               <a:t>Fourth level</a:t>
             </a:r>
           </a:p>
           <a:p>
             <a:pPr lvl="4"/>
             <a:r>
-              <a:rPr lang="en-US" dirty="0" smtClean="0"/>
+              <a:rPr lang="en-US" dirty="0"/>
               <a:t>Fifth level</a:t>
             </a:r>
             <a:endParaRPr lang="en-AU" dirty="0"/>
@@ -21623,35 +21014,35 @@
           <a:p>
             <a:pPr lvl="0"/>
             <a:r>
-              <a:rPr lang="en-US" dirty="0" smtClean="0"/>
+              <a:rPr lang="en-US" dirty="0"/>
               <a:t>Click to edit Master text styles</a:t>
             </a:r>
           </a:p>
           <a:p>
             <a:pPr lvl="1"/>
             <a:r>
-              <a:rPr lang="en-US" dirty="0" smtClean="0"/>
+              <a:rPr lang="en-US" dirty="0"/>
               <a:t>Second level</a:t>
             </a:r>
           </a:p>
           <a:p>
             <a:pPr lvl="2"/>
             <a:r>
-              <a:rPr lang="en-US" dirty="0" smtClean="0"/>
+              <a:rPr lang="en-US" dirty="0"/>
               <a:t>Third level</a:t>
             </a:r>
           </a:p>
           <a:p>
             <a:pPr lvl="3"/>
             <a:r>
-              <a:rPr lang="en-US" dirty="0" smtClean="0"/>
+              <a:rPr lang="en-US" dirty="0"/>
               <a:t>Fourth level</a:t>
             </a:r>
           </a:p>
           <a:p>
             <a:pPr lvl="4"/>
             <a:r>
-              <a:rPr lang="en-US" dirty="0" smtClean="0"/>
+              <a:rPr lang="en-US" dirty="0"/>
               <a:t>Fifth level</a:t>
             </a:r>
             <a:endParaRPr lang="en-AU" dirty="0"/>
@@ -21743,10 +21134,9 @@
           </a:lstStyle>
           <a:p>
             <a:r>
-              <a:rPr lang="en-US" dirty="0" smtClean="0"/>
+              <a:rPr lang="en-US" dirty="0"/>
               <a:t>Copyright © 2015 Accenture  All rights reserved.</a:t>
             </a:r>
-            <a:endParaRPr lang="en-US" dirty="0"/>
           </a:p>
         </p:txBody>
       </p:sp>
@@ -21760,21 +21150,6 @@
   <p:clrMapOvr>
     <a:overrideClrMapping bg1="lt1" tx1="dk1" bg2="lt2" tx2="dk2" accent1="accent1" accent2="accent2" accent3="accent3" accent4="accent4" accent5="accent5" accent6="accent6" hlink="hlink" folHlink="folHlink"/>
   </p:clrMapOvr>
-  <mc:AlternateContent xmlns:mc="http://schemas.openxmlformats.org/markup-compatibility/2006" xmlns:p14="http://schemas.microsoft.com/office/powerpoint/2010/main">
-    <mc:Choice Requires="p14">
-      <p:transition spd="slow" p14:dur="2000"/>
-    </mc:Choice>
-    <mc:Fallback xmlns="">
-      <p:transition spd="slow"/>
-    </mc:Fallback>
-  </mc:AlternateContent>
-  <p:timing>
-    <p:tnLst>
-      <p:par>
-        <p:cTn id="1" dur="indefinite" restart="never" nodeType="tmRoot"/>
-      </p:par>
-    </p:tnLst>
-  </p:timing>
 </p:sldLayout>
 </file>
 
@@ -21811,7 +21186,7 @@
           <a:lstStyle/>
           <a:p>
             <a:r>
-              <a:rPr lang="en-US" dirty="0" smtClean="0"/>
+              <a:rPr lang="en-US" dirty="0"/>
               <a:t>Click to edit Master title style</a:t>
             </a:r>
             <a:endParaRPr lang="en-AU" dirty="0"/>
@@ -21864,7 +21239,7 @@
           <a:p>
             <a:pPr lvl="0"/>
             <a:r>
-              <a:rPr lang="en-US" dirty="0" smtClean="0"/>
+              <a:rPr lang="en-US" dirty="0"/>
               <a:t>Click to edit Master text styles</a:t>
             </a:r>
           </a:p>
@@ -21955,10 +21330,9 @@
           </a:lstStyle>
           <a:p>
             <a:r>
-              <a:rPr lang="en-US" dirty="0" smtClean="0"/>
+              <a:rPr lang="en-US" dirty="0"/>
               <a:t>Copyright © 2015 Accenture  All rights reserved.</a:t>
             </a:r>
-            <a:endParaRPr lang="en-US" dirty="0"/>
           </a:p>
         </p:txBody>
       </p:sp>
@@ -21972,21 +21346,6 @@
   <p:clrMapOvr>
     <a:overrideClrMapping bg1="lt1" tx1="dk1" bg2="lt2" tx2="dk2" accent1="accent1" accent2="accent2" accent3="accent3" accent4="accent4" accent5="accent5" accent6="accent6" hlink="hlink" folHlink="folHlink"/>
   </p:clrMapOvr>
-  <mc:AlternateContent xmlns:mc="http://schemas.openxmlformats.org/markup-compatibility/2006" xmlns:p14="http://schemas.microsoft.com/office/powerpoint/2010/main">
-    <mc:Choice Requires="p14">
-      <p:transition spd="slow" p14:dur="2000"/>
-    </mc:Choice>
-    <mc:Fallback xmlns="">
-      <p:transition spd="slow"/>
-    </mc:Fallback>
-  </mc:AlternateContent>
-  <p:timing>
-    <p:tnLst>
-      <p:par>
-        <p:cTn id="1" dur="indefinite" restart="never" nodeType="tmRoot"/>
-      </p:par>
-    </p:tnLst>
-  </p:timing>
 </p:sldLayout>
 </file>
 
@@ -22023,7 +21382,7 @@
           <a:lstStyle/>
           <a:p>
             <a:r>
-              <a:rPr lang="en-US" smtClean="0"/>
+              <a:rPr lang="en-US"/>
               <a:t>Click to edit Master title style</a:t>
             </a:r>
             <a:endParaRPr lang="en-AU"/>
@@ -22115,10 +21474,9 @@
           </a:lstStyle>
           <a:p>
             <a:r>
-              <a:rPr lang="en-US" dirty="0" smtClean="0"/>
+              <a:rPr lang="en-US" dirty="0"/>
               <a:t>Copyright © 2015 Accenture  All rights reserved.</a:t>
             </a:r>
-            <a:endParaRPr lang="en-US" dirty="0"/>
           </a:p>
         </p:txBody>
       </p:sp>
@@ -22132,21 +21490,6 @@
   <p:clrMapOvr>
     <a:overrideClrMapping bg1="lt1" tx1="dk1" bg2="lt2" tx2="dk2" accent1="accent1" accent2="accent2" accent3="accent3" accent4="accent4" accent5="accent5" accent6="accent6" hlink="hlink" folHlink="folHlink"/>
   </p:clrMapOvr>
-  <mc:AlternateContent xmlns:mc="http://schemas.openxmlformats.org/markup-compatibility/2006" xmlns:p14="http://schemas.microsoft.com/office/powerpoint/2010/main">
-    <mc:Choice Requires="p14">
-      <p:transition spd="slow" p14:dur="2000"/>
-    </mc:Choice>
-    <mc:Fallback xmlns="">
-      <p:transition spd="slow"/>
-    </mc:Fallback>
-  </mc:AlternateContent>
-  <p:timing>
-    <p:tnLst>
-      <p:par>
-        <p:cTn id="1" dur="indefinite" restart="never" nodeType="tmRoot"/>
-      </p:par>
-    </p:tnLst>
-  </p:timing>
 </p:sldLayout>
 </file>
 
@@ -22252,10 +21595,9 @@
           </a:lstStyle>
           <a:p>
             <a:r>
-              <a:rPr lang="en-US" dirty="0" smtClean="0"/>
+              <a:rPr lang="en-US" dirty="0"/>
               <a:t>Copyright © 2015 Accenture  All rights reserved.</a:t>
             </a:r>
-            <a:endParaRPr lang="en-US" dirty="0"/>
           </a:p>
         </p:txBody>
       </p:sp>
@@ -22269,21 +21611,6 @@
   <p:clrMapOvr>
     <a:masterClrMapping/>
   </p:clrMapOvr>
-  <mc:AlternateContent xmlns:mc="http://schemas.openxmlformats.org/markup-compatibility/2006" xmlns:p14="http://schemas.microsoft.com/office/powerpoint/2010/main">
-    <mc:Choice Requires="p14">
-      <p:transition spd="slow" p14:dur="2000"/>
-    </mc:Choice>
-    <mc:Fallback xmlns="">
-      <p:transition spd="slow"/>
-    </mc:Fallback>
-  </mc:AlternateContent>
-  <p:timing>
-    <p:tnLst>
-      <p:par>
-        <p:cTn id="1" dur="indefinite" restart="never" nodeType="tmRoot"/>
-      </p:par>
-    </p:tnLst>
-  </p:timing>
 </p:sldLayout>
 </file>
 
@@ -22343,7 +21670,7 @@
           </a:lstStyle>
           <a:p>
             <a:r>
-              <a:rPr lang="en-US" dirty="0" smtClean="0"/>
+              <a:rPr lang="en-US" dirty="0"/>
               <a:t>Click to edit Master title style </a:t>
             </a:r>
             <a:endParaRPr lang="en-GB" dirty="0"/>
@@ -22435,7 +21762,7 @@
           </a:lstStyle>
           <a:p>
             <a:r>
-              <a:rPr lang="en-US" smtClean="0"/>
+              <a:rPr lang="en-US"/>
               <a:t>Copyright © 2015 Accenture  All rights reserved.</a:t>
             </a:r>
             <a:endParaRPr lang="en-US" dirty="0"/>
@@ -22452,21 +21779,6 @@
   <p:clrMapOvr>
     <a:masterClrMapping/>
   </p:clrMapOvr>
-  <mc:AlternateContent xmlns:mc="http://schemas.openxmlformats.org/markup-compatibility/2006" xmlns:p14="http://schemas.microsoft.com/office/powerpoint/2010/main">
-    <mc:Choice Requires="p14">
-      <p:transition spd="slow" p14:dur="2000"/>
-    </mc:Choice>
-    <mc:Fallback xmlns="">
-      <p:transition spd="slow"/>
-    </mc:Fallback>
-  </mc:AlternateContent>
-  <p:timing>
-    <p:tnLst>
-      <p:par>
-        <p:cTn id="1" dur="indefinite" restart="never" nodeType="tmRoot"/>
-      </p:par>
-    </p:tnLst>
-  </p:timing>
 </p:sldLayout>
 </file>
 
@@ -22526,7 +21838,7 @@
           </a:lstStyle>
           <a:p>
             <a:r>
-              <a:rPr lang="en-US" dirty="0" smtClean="0"/>
+              <a:rPr lang="en-US" dirty="0"/>
               <a:t>Click to edit Master title style </a:t>
             </a:r>
             <a:endParaRPr lang="en-GB" dirty="0"/>
@@ -22591,35 +21903,35 @@
           <a:p>
             <a:pPr lvl="0"/>
             <a:r>
-              <a:rPr lang="en-US" smtClean="0"/>
+              <a:rPr lang="en-US"/>
               <a:t>Click to edit Master text styles</a:t>
             </a:r>
           </a:p>
           <a:p>
             <a:pPr lvl="1"/>
             <a:r>
-              <a:rPr lang="en-US" smtClean="0"/>
+              <a:rPr lang="en-US"/>
               <a:t>Second level</a:t>
             </a:r>
           </a:p>
           <a:p>
             <a:pPr lvl="2"/>
             <a:r>
-              <a:rPr lang="en-US" smtClean="0"/>
+              <a:rPr lang="en-US"/>
               <a:t>Third level</a:t>
             </a:r>
           </a:p>
           <a:p>
             <a:pPr lvl="3"/>
             <a:r>
-              <a:rPr lang="en-US" smtClean="0"/>
+              <a:rPr lang="en-US"/>
               <a:t>Fourth level</a:t>
             </a:r>
           </a:p>
           <a:p>
             <a:pPr lvl="4"/>
             <a:r>
-              <a:rPr lang="en-US" smtClean="0"/>
+              <a:rPr lang="en-US"/>
               <a:t>Fifth level</a:t>
             </a:r>
             <a:endParaRPr lang="en-AU"/>
@@ -22711,7 +22023,7 @@
           </a:lstStyle>
           <a:p>
             <a:r>
-              <a:rPr lang="en-US" smtClean="0"/>
+              <a:rPr lang="en-US"/>
               <a:t>Copyright © 2015 Accenture  All rights reserved.</a:t>
             </a:r>
             <a:endParaRPr lang="en-US" dirty="0"/>
@@ -22728,21 +22040,6 @@
   <p:clrMapOvr>
     <a:masterClrMapping/>
   </p:clrMapOvr>
-  <mc:AlternateContent xmlns:mc="http://schemas.openxmlformats.org/markup-compatibility/2006" xmlns:p14="http://schemas.microsoft.com/office/powerpoint/2010/main">
-    <mc:Choice Requires="p14">
-      <p:transition spd="slow" p14:dur="2000"/>
-    </mc:Choice>
-    <mc:Fallback xmlns="">
-      <p:transition spd="slow"/>
-    </mc:Fallback>
-  </mc:AlternateContent>
-  <p:timing>
-    <p:tnLst>
-      <p:par>
-        <p:cTn id="1" dur="indefinite" restart="never" nodeType="tmRoot"/>
-      </p:par>
-    </p:tnLst>
-  </p:timing>
 </p:sldLayout>
 </file>
 
@@ -22802,7 +22099,7 @@
           </a:lstStyle>
           <a:p>
             <a:r>
-              <a:rPr lang="en-US" dirty="0" smtClean="0"/>
+              <a:rPr lang="en-US" dirty="0"/>
               <a:t>Click to edit Master title style </a:t>
             </a:r>
             <a:endParaRPr lang="en-GB" dirty="0"/>
@@ -22894,7 +22191,7 @@
           </a:lstStyle>
           <a:p>
             <a:r>
-              <a:rPr lang="en-US" smtClean="0"/>
+              <a:rPr lang="en-US"/>
               <a:t>Copyright © 2015 Accenture  All rights reserved.</a:t>
             </a:r>
             <a:endParaRPr lang="en-US" dirty="0"/>
@@ -22911,21 +22208,6 @@
   <p:clrMapOvr>
     <a:masterClrMapping/>
   </p:clrMapOvr>
-  <mc:AlternateContent xmlns:mc="http://schemas.openxmlformats.org/markup-compatibility/2006" xmlns:p14="http://schemas.microsoft.com/office/powerpoint/2010/main">
-    <mc:Choice Requires="p14">
-      <p:transition spd="slow" p14:dur="2000"/>
-    </mc:Choice>
-    <mc:Fallback xmlns="">
-      <p:transition spd="slow"/>
-    </mc:Fallback>
-  </mc:AlternateContent>
-  <p:timing>
-    <p:tnLst>
-      <p:par>
-        <p:cTn id="1" dur="indefinite" restart="never" nodeType="tmRoot"/>
-      </p:par>
-    </p:tnLst>
-  </p:timing>
 </p:sldLayout>
 </file>
 
@@ -22985,7 +22267,7 @@
           </a:lstStyle>
           <a:p>
             <a:r>
-              <a:rPr lang="en-US" dirty="0" smtClean="0"/>
+              <a:rPr lang="en-US" dirty="0"/>
               <a:t>Click to edit Master title style </a:t>
             </a:r>
             <a:endParaRPr lang="en-GB" dirty="0"/>
@@ -23050,35 +22332,35 @@
           <a:p>
             <a:pPr lvl="0"/>
             <a:r>
-              <a:rPr lang="en-US" smtClean="0"/>
+              <a:rPr lang="en-US"/>
               <a:t>Click to edit Master text styles</a:t>
             </a:r>
           </a:p>
           <a:p>
             <a:pPr lvl="1"/>
             <a:r>
-              <a:rPr lang="en-US" smtClean="0"/>
+              <a:rPr lang="en-US"/>
               <a:t>Second level</a:t>
             </a:r>
           </a:p>
           <a:p>
             <a:pPr lvl="2"/>
             <a:r>
-              <a:rPr lang="en-US" smtClean="0"/>
+              <a:rPr lang="en-US"/>
               <a:t>Third level</a:t>
             </a:r>
           </a:p>
           <a:p>
             <a:pPr lvl="3"/>
             <a:r>
-              <a:rPr lang="en-US" smtClean="0"/>
+              <a:rPr lang="en-US"/>
               <a:t>Fourth level</a:t>
             </a:r>
           </a:p>
           <a:p>
             <a:pPr lvl="4"/>
             <a:r>
-              <a:rPr lang="en-US" smtClean="0"/>
+              <a:rPr lang="en-US"/>
               <a:t>Fifth level</a:t>
             </a:r>
             <a:endParaRPr lang="en-AU"/>
@@ -23170,7 +22452,7 @@
           </a:lstStyle>
           <a:p>
             <a:r>
-              <a:rPr lang="en-US" smtClean="0"/>
+              <a:rPr lang="en-US"/>
               <a:t>Copyright © 2015 Accenture  All rights reserved.</a:t>
             </a:r>
             <a:endParaRPr lang="en-US" dirty="0"/>
@@ -23187,21 +22469,6 @@
   <p:clrMapOvr>
     <a:masterClrMapping/>
   </p:clrMapOvr>
-  <mc:AlternateContent xmlns:mc="http://schemas.openxmlformats.org/markup-compatibility/2006" xmlns:p14="http://schemas.microsoft.com/office/powerpoint/2010/main">
-    <mc:Choice Requires="p14">
-      <p:transition spd="slow" p14:dur="2000"/>
-    </mc:Choice>
-    <mc:Fallback xmlns="">
-      <p:transition spd="slow"/>
-    </mc:Fallback>
-  </mc:AlternateContent>
-  <p:timing>
-    <p:tnLst>
-      <p:par>
-        <p:cTn id="1" dur="indefinite" restart="never" nodeType="tmRoot"/>
-      </p:par>
-    </p:tnLst>
-  </p:timing>
 </p:sldLayout>
 </file>
 
@@ -23261,7 +22528,7 @@
           </a:lstStyle>
           <a:p>
             <a:r>
-              <a:rPr lang="en-US" dirty="0" smtClean="0"/>
+              <a:rPr lang="en-US" dirty="0"/>
               <a:t>Click to edit Master title style </a:t>
             </a:r>
             <a:endParaRPr lang="en-GB" dirty="0"/>
@@ -23353,10 +22620,9 @@
           </a:lstStyle>
           <a:p>
             <a:r>
-              <a:rPr lang="en-US" dirty="0" smtClean="0"/>
+              <a:rPr lang="en-US" dirty="0"/>
               <a:t>Copyright © 2015 Accenture  All rights reserved.</a:t>
             </a:r>
-            <a:endParaRPr lang="en-US" dirty="0"/>
           </a:p>
         </p:txBody>
       </p:sp>
@@ -23457,21 +22723,6 @@
   <p:clrMapOvr>
     <a:masterClrMapping/>
   </p:clrMapOvr>
-  <mc:AlternateContent xmlns:mc="http://schemas.openxmlformats.org/markup-compatibility/2006" xmlns:p14="http://schemas.microsoft.com/office/powerpoint/2010/main">
-    <mc:Choice Requires="p14">
-      <p:transition spd="slow" p14:dur="2000"/>
-    </mc:Choice>
-    <mc:Fallback xmlns="">
-      <p:transition spd="slow"/>
-    </mc:Fallback>
-  </mc:AlternateContent>
-  <p:timing>
-    <p:tnLst>
-      <p:par>
-        <p:cTn id="1" dur="indefinite" restart="never" nodeType="tmRoot"/>
-      </p:par>
-    </p:tnLst>
-  </p:timing>
 </p:sldLayout>
 </file>
 
@@ -23508,10 +22759,9 @@
           <a:lstStyle/>
           <a:p>
             <a:r>
-              <a:rPr lang="en-US" smtClean="0"/>
+              <a:rPr lang="en-US"/>
               <a:t>Click to edit Master title style</a:t>
             </a:r>
-            <a:endParaRPr lang="en-US"/>
           </a:p>
         </p:txBody>
       </p:sp>
@@ -23565,38 +22815,37 @@
           <a:p>
             <a:pPr lvl="0"/>
             <a:r>
-              <a:rPr lang="en-US" smtClean="0"/>
+              <a:rPr lang="en-US"/>
               <a:t>Click to edit Master text styles</a:t>
             </a:r>
           </a:p>
           <a:p>
             <a:pPr lvl="1"/>
             <a:r>
-              <a:rPr lang="en-US" smtClean="0"/>
+              <a:rPr lang="en-US"/>
               <a:t>Second level</a:t>
             </a:r>
           </a:p>
           <a:p>
             <a:pPr lvl="2"/>
             <a:r>
-              <a:rPr lang="en-US" smtClean="0"/>
+              <a:rPr lang="en-US"/>
               <a:t>Third level</a:t>
             </a:r>
           </a:p>
           <a:p>
             <a:pPr lvl="3"/>
             <a:r>
-              <a:rPr lang="en-US" smtClean="0"/>
+              <a:rPr lang="en-US"/>
               <a:t>Fourth level</a:t>
             </a:r>
           </a:p>
           <a:p>
             <a:pPr lvl="4"/>
             <a:r>
-              <a:rPr lang="en-US" smtClean="0"/>
+              <a:rPr lang="en-US"/>
               <a:t>Fifth level</a:t>
             </a:r>
-            <a:endParaRPr lang="en-US"/>
           </a:p>
         </p:txBody>
       </p:sp>
@@ -23650,38 +22899,37 @@
           <a:p>
             <a:pPr lvl="0"/>
             <a:r>
-              <a:rPr lang="en-US" smtClean="0"/>
+              <a:rPr lang="en-US"/>
               <a:t>Click to edit Master text styles</a:t>
             </a:r>
           </a:p>
           <a:p>
             <a:pPr lvl="1"/>
             <a:r>
-              <a:rPr lang="en-US" smtClean="0"/>
+              <a:rPr lang="en-US"/>
               <a:t>Second level</a:t>
             </a:r>
           </a:p>
           <a:p>
             <a:pPr lvl="2"/>
             <a:r>
-              <a:rPr lang="en-US" smtClean="0"/>
+              <a:rPr lang="en-US"/>
               <a:t>Third level</a:t>
             </a:r>
           </a:p>
           <a:p>
             <a:pPr lvl="3"/>
             <a:r>
-              <a:rPr lang="en-US" smtClean="0"/>
+              <a:rPr lang="en-US"/>
               <a:t>Fourth level</a:t>
             </a:r>
           </a:p>
           <a:p>
             <a:pPr lvl="4"/>
             <a:r>
-              <a:rPr lang="en-US" smtClean="0"/>
+              <a:rPr lang="en-US"/>
               <a:t>Fifth level</a:t>
             </a:r>
-            <a:endParaRPr lang="en-US"/>
           </a:p>
         </p:txBody>
       </p:sp>
@@ -23703,7 +22951,7 @@
             <a:fld id="{9B5FA4A0-D2E4-4D7C-A829-2A69171198E3}" type="datetimeFigureOut">
               <a:rPr lang="en-US" smtClean="0"/>
               <a:pPr/>
-              <a:t>6/30/2016</a:t>
+              <a:t>2/12/2018</a:t>
             </a:fld>
             <a:endParaRPr lang="en-US"/>
           </a:p>
@@ -23837,7 +23085,7 @@
                 <a:schemeClr val="tx1"/>
               </a:buClr>
             </a:pPr>
-            <a:endParaRPr lang="de-DE" dirty="0" smtClean="0"/>
+            <a:endParaRPr lang="de-DE" dirty="0"/>
           </a:p>
         </p:txBody>
       </p:sp>
@@ -23914,35 +23162,35 @@
           <a:p>
             <a:pPr lvl="0"/>
             <a:r>
-              <a:rPr lang="en-US" dirty="0" smtClean="0"/>
+              <a:rPr lang="en-US" dirty="0"/>
               <a:t>Click to edit Master text styles</a:t>
             </a:r>
           </a:p>
           <a:p>
             <a:pPr lvl="1"/>
             <a:r>
-              <a:rPr lang="en-US" dirty="0" smtClean="0"/>
+              <a:rPr lang="en-US" dirty="0"/>
               <a:t>Second level</a:t>
             </a:r>
           </a:p>
           <a:p>
             <a:pPr lvl="2"/>
             <a:r>
-              <a:rPr lang="en-US" dirty="0" smtClean="0"/>
+              <a:rPr lang="en-US" dirty="0"/>
               <a:t>Third level</a:t>
             </a:r>
           </a:p>
           <a:p>
             <a:pPr lvl="3"/>
             <a:r>
-              <a:rPr lang="en-US" dirty="0" smtClean="0"/>
+              <a:rPr lang="en-US" dirty="0"/>
               <a:t>Fourth level</a:t>
             </a:r>
           </a:p>
           <a:p>
             <a:pPr lvl="4"/>
             <a:r>
-              <a:rPr lang="en-US" dirty="0" smtClean="0"/>
+              <a:rPr lang="en-US" dirty="0"/>
               <a:t>Fifth level</a:t>
             </a:r>
           </a:p>
@@ -23993,21 +23241,6 @@
   <p:clrMapOvr>
     <a:masterClrMapping/>
   </p:clrMapOvr>
-  <mc:AlternateContent xmlns:mc="http://schemas.openxmlformats.org/markup-compatibility/2006" xmlns:p14="http://schemas.microsoft.com/office/powerpoint/2010/main">
-    <mc:Choice Requires="p14">
-      <p:transition spd="slow" p14:dur="2000"/>
-    </mc:Choice>
-    <mc:Fallback xmlns="">
-      <p:transition spd="slow"/>
-    </mc:Fallback>
-  </mc:AlternateContent>
-  <p:timing>
-    <p:tnLst>
-      <p:par>
-        <p:cTn id="1" dur="indefinite" restart="never" nodeType="tmRoot"/>
-      </p:par>
-    </p:tnLst>
-  </p:timing>
   <p:hf hdr="0" dt="0"/>
 </p:sldLayout>
 </file>
@@ -24058,10 +23291,9 @@
           </a:lstStyle>
           <a:p>
             <a:r>
-              <a:rPr lang="en-US" dirty="0" smtClean="0"/>
+              <a:rPr lang="en-US" dirty="0"/>
               <a:t>Click to edit Master title style</a:t>
             </a:r>
-            <a:endParaRPr lang="en-US" dirty="0"/>
           </a:p>
         </p:txBody>
       </p:sp>
@@ -24097,10 +23329,9 @@
           </a:lstStyle>
           <a:p>
             <a:r>
-              <a:rPr lang="en-US" dirty="0" smtClean="0"/>
+              <a:rPr lang="en-US" dirty="0"/>
               <a:t>Copyright © 2015 Accenture  Confidential to Accenture LLP.  Not to be Distributed</a:t>
             </a:r>
-            <a:endParaRPr lang="en-US" dirty="0"/>
           </a:p>
         </p:txBody>
       </p:sp>
@@ -24173,13 +23404,6 @@
   <p:clrMapOvr>
     <a:masterClrMapping/>
   </p:clrMapOvr>
-  <p:timing>
-    <p:tnLst>
-      <p:par>
-        <p:cTn id="1" dur="indefinite" restart="never" nodeType="tmRoot"/>
-      </p:par>
-    </p:tnLst>
-  </p:timing>
   <p:extLst mod="1">
     <p:ext uri="{DCECCB84-F9BA-43D5-87BE-67443E8EF086}">
       <p15:sldGuideLst xmlns:p15="http://schemas.microsoft.com/office/powerpoint/2012/main">
@@ -24330,7 +23554,7 @@
           </a:lstStyle>
           <a:p>
             <a:r>
-              <a:rPr lang="en-US" dirty="0" smtClean="0"/>
+              <a:rPr lang="en-US" dirty="0"/>
               <a:t>Master Title Slide Headline</a:t>
             </a:r>
             <a:endParaRPr lang="en-CA" dirty="0"/>
@@ -24389,13 +23613,6 @@
   <p:clrMapOvr>
     <a:masterClrMapping/>
   </p:clrMapOvr>
-  <p:timing>
-    <p:tnLst>
-      <p:par>
-        <p:cTn id="1" dur="indefinite" restart="never" nodeType="tmRoot"/>
-      </p:par>
-    </p:tnLst>
-  </p:timing>
   <p:extLst mod="1">
     <p:ext uri="{DCECCB84-F9BA-43D5-87BE-67443E8EF086}">
       <p15:sldGuideLst xmlns:p15="http://schemas.microsoft.com/office/powerpoint/2012/main">
@@ -24560,7 +23777,7 @@
           <a:p>
             <a:pPr lvl="0"/>
             <a:r>
-              <a:rPr lang="en-US" dirty="0" smtClean="0"/>
+              <a:rPr lang="en-US" dirty="0"/>
               <a:t>Master Title Slide Headline</a:t>
             </a:r>
           </a:p>
@@ -25939,13 +25156,6 @@
   <p:clrMapOvr>
     <a:masterClrMapping/>
   </p:clrMapOvr>
-  <p:timing>
-    <p:tnLst>
-      <p:par>
-        <p:cTn id="1" dur="indefinite" restart="never" nodeType="tmRoot"/>
-      </p:par>
-    </p:tnLst>
-  </p:timing>
 </p:sldLayout>
 </file>
 
@@ -26026,7 +25236,7 @@
           <a:p>
             <a:pPr lvl="0"/>
             <a:r>
-              <a:rPr lang="en-US" dirty="0" smtClean="0"/>
+              <a:rPr lang="en-US" dirty="0"/>
               <a:t>Master Divider Slide Headline</a:t>
             </a:r>
           </a:p>
@@ -26072,13 +25282,6 @@
   <p:clrMapOvr>
     <a:masterClrMapping/>
   </p:clrMapOvr>
-  <p:timing>
-    <p:tnLst>
-      <p:par>
-        <p:cTn id="1" dur="indefinite" restart="never" nodeType="tmRoot"/>
-      </p:par>
-    </p:tnLst>
-  </p:timing>
 </p:sldLayout>
 </file>
 
@@ -26167,7 +25370,7 @@
           <a:p>
             <a:pPr lvl="0"/>
             <a:r>
-              <a:rPr lang="en-US" dirty="0" smtClean="0"/>
+              <a:rPr lang="en-US" dirty="0"/>
               <a:t>Master Divider Slide Headline</a:t>
             </a:r>
           </a:p>
@@ -26213,13 +25416,6 @@
   <p:clrMapOvr>
     <a:masterClrMapping/>
   </p:clrMapOvr>
-  <p:timing>
-    <p:tnLst>
-      <p:par>
-        <p:cTn id="1" dur="indefinite" restart="never" nodeType="tmRoot"/>
-      </p:par>
-    </p:tnLst>
-  </p:timing>
 </p:sldLayout>
 </file>
 
@@ -26308,7 +25504,7 @@
           <a:p>
             <a:pPr lvl="0"/>
             <a:r>
-              <a:rPr lang="en-US" dirty="0" smtClean="0"/>
+              <a:rPr lang="en-US" dirty="0"/>
               <a:t>Master Divider Slide Headline</a:t>
             </a:r>
           </a:p>
@@ -26354,13 +25550,6 @@
   <p:clrMapOvr>
     <a:masterClrMapping/>
   </p:clrMapOvr>
-  <p:timing>
-    <p:tnLst>
-      <p:par>
-        <p:cTn id="1" dur="indefinite" restart="never" nodeType="tmRoot"/>
-      </p:par>
-    </p:tnLst>
-  </p:timing>
 </p:sldLayout>
 </file>
 
@@ -26449,7 +25638,7 @@
           <a:p>
             <a:pPr lvl="0"/>
             <a:r>
-              <a:rPr lang="en-US" dirty="0" smtClean="0"/>
+              <a:rPr lang="en-US" dirty="0"/>
               <a:t>Master Divider Slide Headline</a:t>
             </a:r>
           </a:p>
@@ -26495,13 +25684,6 @@
   <p:clrMapOvr>
     <a:masterClrMapping/>
   </p:clrMapOvr>
-  <p:timing>
-    <p:tnLst>
-      <p:par>
-        <p:cTn id="1" dur="indefinite" restart="never" nodeType="tmRoot"/>
-      </p:par>
-    </p:tnLst>
-  </p:timing>
 </p:sldLayout>
 </file>
 
@@ -26546,35 +25728,35 @@
           <a:p>
             <a:pPr lvl="0"/>
             <a:r>
-              <a:rPr lang="en-CA" dirty="0" smtClean="0"/>
+              <a:rPr lang="en-CA" dirty="0"/>
               <a:t>First Level Text</a:t>
             </a:r>
           </a:p>
           <a:p>
             <a:pPr lvl="1"/>
             <a:r>
-              <a:rPr lang="en-CA" dirty="0" smtClean="0"/>
+              <a:rPr lang="en-CA" dirty="0"/>
               <a:t>Second Level Text</a:t>
             </a:r>
           </a:p>
           <a:p>
             <a:pPr lvl="2"/>
             <a:r>
-              <a:rPr lang="en-CA" dirty="0" smtClean="0"/>
+              <a:rPr lang="en-CA" dirty="0"/>
               <a:t>Third Level Text</a:t>
             </a:r>
           </a:p>
           <a:p>
             <a:pPr lvl="3"/>
             <a:r>
-              <a:rPr lang="en-CA" dirty="0" smtClean="0"/>
+              <a:rPr lang="en-CA" dirty="0"/>
               <a:t>Fourth Level Text</a:t>
             </a:r>
           </a:p>
           <a:p>
             <a:pPr lvl="4"/>
             <a:r>
-              <a:rPr lang="en-CA" dirty="0" smtClean="0"/>
+              <a:rPr lang="en-CA" dirty="0"/>
               <a:t>Fifth Level Text</a:t>
             </a:r>
           </a:p>
@@ -26657,57 +25839,8 @@
                 <a:latin typeface="Arial"/>
                 <a:cs typeface="Arial" pitchFamily="34" charset="0"/>
               </a:rPr>
-              <a:t>Copyright © </a:t>
+              <a:t>Copyright © 2015 Accenture  All rights reserved.                         </a:t>
             </a:r>
-            <a:r>
-              <a:rPr lang="en-US" sz="900" dirty="0" smtClean="0">
-                <a:solidFill>
-                  <a:prstClr val="black">
-                    <a:lumMod val="50000"/>
-                    <a:lumOff val="50000"/>
-                  </a:prstClr>
-                </a:solidFill>
-                <a:latin typeface="Arial"/>
-                <a:cs typeface="Arial" pitchFamily="34" charset="0"/>
-              </a:rPr>
-              <a:t>2015 </a:t>
-            </a:r>
-            <a:r>
-              <a:rPr lang="en-US" sz="900" dirty="0">
-                <a:solidFill>
-                  <a:prstClr val="black">
-                    <a:lumMod val="50000"/>
-                    <a:lumOff val="50000"/>
-                  </a:prstClr>
-                </a:solidFill>
-                <a:latin typeface="Arial"/>
-                <a:cs typeface="Arial" pitchFamily="34" charset="0"/>
-              </a:rPr>
-              <a:t>Accenture  All rights reserved</a:t>
-            </a:r>
-            <a:r>
-              <a:rPr lang="en-US" sz="900" dirty="0" smtClean="0">
-                <a:solidFill>
-                  <a:prstClr val="black">
-                    <a:lumMod val="50000"/>
-                    <a:lumOff val="50000"/>
-                  </a:prstClr>
-                </a:solidFill>
-                <a:latin typeface="Arial"/>
-                <a:cs typeface="Arial" pitchFamily="34" charset="0"/>
-              </a:rPr>
-              <a:t>.                         </a:t>
-            </a:r>
-            <a:endParaRPr lang="en-US" sz="900" dirty="0">
-              <a:solidFill>
-                <a:prstClr val="black">
-                  <a:lumMod val="50000"/>
-                  <a:lumOff val="50000"/>
-                </a:prstClr>
-              </a:solidFill>
-              <a:latin typeface="Arial"/>
-              <a:cs typeface="Arial" pitchFamily="34" charset="0"/>
-            </a:endParaRPr>
           </a:p>
         </p:txBody>
       </p:sp>
@@ -26735,7 +25868,7 @@
           </a:lstStyle>
           <a:p>
             <a:r>
-              <a:rPr lang="en-US" dirty="0" smtClean="0"/>
+              <a:rPr lang="en-US" dirty="0"/>
               <a:t>Master Title Slide Headline</a:t>
             </a:r>
             <a:endParaRPr lang="en-CA" dirty="0"/>
@@ -26832,7 +25965,7 @@
               <a:defRPr/>
             </a:pPr>
             <a:r>
-              <a:rPr lang="en-US" sz="900" dirty="0" smtClean="0">
+              <a:rPr lang="en-US" sz="900" dirty="0">
                 <a:solidFill>
                   <a:prstClr val="black">
                     <a:lumMod val="50000"/>
@@ -26844,16 +25977,6 @@
               </a:rPr>
               <a:t>Kaiser  Permanente Accenture Confidential                         </a:t>
             </a:r>
-            <a:endParaRPr lang="en-US" sz="900" dirty="0">
-              <a:solidFill>
-                <a:prstClr val="black">
-                  <a:lumMod val="50000"/>
-                  <a:lumOff val="50000"/>
-                </a:prstClr>
-              </a:solidFill>
-              <a:latin typeface="Arial"/>
-              <a:cs typeface="Arial" pitchFamily="34" charset="0"/>
-            </a:endParaRPr>
           </a:p>
         </p:txBody>
       </p:sp>
@@ -26867,13 +25990,6 @@
   <p:clrMapOvr>
     <a:masterClrMapping/>
   </p:clrMapOvr>
-  <p:timing>
-    <p:tnLst>
-      <p:par>
-        <p:cTn id="1" dur="indefinite" restart="never" nodeType="tmRoot"/>
-      </p:par>
-    </p:tnLst>
-  </p:timing>
 </p:sldLayout>
 </file>
 
@@ -26950,35 +26066,35 @@
           <a:p>
             <a:pPr lvl="0"/>
             <a:r>
-              <a:rPr lang="en-CA" dirty="0" smtClean="0"/>
+              <a:rPr lang="en-CA" dirty="0"/>
               <a:t>First Level Text</a:t>
             </a:r>
           </a:p>
           <a:p>
             <a:pPr lvl="1"/>
             <a:r>
-              <a:rPr lang="en-CA" dirty="0" smtClean="0"/>
+              <a:rPr lang="en-CA" dirty="0"/>
               <a:t>Second Level Text</a:t>
             </a:r>
           </a:p>
           <a:p>
             <a:pPr lvl="2"/>
             <a:r>
-              <a:rPr lang="en-CA" dirty="0" smtClean="0"/>
+              <a:rPr lang="en-CA" dirty="0"/>
               <a:t>Third Level Text</a:t>
             </a:r>
           </a:p>
           <a:p>
             <a:pPr lvl="3"/>
             <a:r>
-              <a:rPr lang="en-CA" dirty="0" smtClean="0"/>
+              <a:rPr lang="en-CA" dirty="0"/>
               <a:t>Fourth Level Text</a:t>
             </a:r>
           </a:p>
           <a:p>
             <a:pPr lvl="4"/>
             <a:r>
-              <a:rPr lang="en-CA" dirty="0" smtClean="0"/>
+              <a:rPr lang="en-CA" dirty="0"/>
               <a:t>Fifth Level Text</a:t>
             </a:r>
           </a:p>
@@ -27016,7 +26132,7 @@
               <a:defRPr/>
             </a:pPr>
             <a:r>
-              <a:rPr lang="en-US" sz="900" dirty="0" smtClean="0">
+              <a:rPr lang="en-US" sz="900" dirty="0">
                 <a:solidFill>
                   <a:prstClr val="black">
                     <a:lumMod val="50000"/>
@@ -27028,16 +26144,6 @@
               </a:rPr>
               <a:t>Copyright © 2015 Accenture  All rights reserved.</a:t>
             </a:r>
-            <a:endParaRPr lang="en-US" sz="900" dirty="0">
-              <a:solidFill>
-                <a:prstClr val="black">
-                  <a:lumMod val="50000"/>
-                  <a:lumOff val="50000"/>
-                </a:prstClr>
-              </a:solidFill>
-              <a:latin typeface="Arial"/>
-              <a:cs typeface="Arial" pitchFamily="34" charset="0"/>
-            </a:endParaRPr>
           </a:p>
         </p:txBody>
       </p:sp>
@@ -27100,7 +26206,7 @@
           </a:lstStyle>
           <a:p>
             <a:r>
-              <a:rPr lang="en-US" dirty="0" smtClean="0"/>
+              <a:rPr lang="en-US" dirty="0"/>
               <a:t>Master Title Slide Headline</a:t>
             </a:r>
             <a:endParaRPr lang="en-CA" dirty="0"/>
@@ -27197,7 +26303,7 @@
               <a:defRPr/>
             </a:pPr>
             <a:r>
-              <a:rPr lang="en-US" sz="900" dirty="0" smtClean="0">
+              <a:rPr lang="en-US" sz="900" dirty="0">
                 <a:solidFill>
                   <a:prstClr val="black">
                     <a:lumMod val="50000"/>
@@ -27209,16 +26315,6 @@
               </a:rPr>
               <a:t>Kaiser  Permanente Accenture Confidential                         </a:t>
             </a:r>
-            <a:endParaRPr lang="en-US" sz="900" dirty="0">
-              <a:solidFill>
-                <a:prstClr val="black">
-                  <a:lumMod val="50000"/>
-                  <a:lumOff val="50000"/>
-                </a:prstClr>
-              </a:solidFill>
-              <a:latin typeface="Arial"/>
-              <a:cs typeface="Arial" pitchFamily="34" charset="0"/>
-            </a:endParaRPr>
           </a:p>
         </p:txBody>
       </p:sp>
@@ -27232,13 +26328,6 @@
   <p:clrMapOvr>
     <a:masterClrMapping/>
   </p:clrMapOvr>
-  <p:timing>
-    <p:tnLst>
-      <p:par>
-        <p:cTn id="1" dur="indefinite" restart="never" nodeType="tmRoot"/>
-      </p:par>
-    </p:tnLst>
-  </p:timing>
 </p:sldLayout>
 </file>
 
@@ -27279,10 +26368,9 @@
           </a:lstStyle>
           <a:p>
             <a:r>
-              <a:rPr lang="en-US" smtClean="0"/>
+              <a:rPr lang="en-US"/>
               <a:t>Click to edit Master title style</a:t>
             </a:r>
-            <a:endParaRPr lang="en-US"/>
           </a:p>
         </p:txBody>
       </p:sp>
@@ -27345,7 +26433,7 @@
           <a:p>
             <a:pPr lvl="0"/>
             <a:r>
-              <a:rPr lang="en-US" smtClean="0"/>
+              <a:rPr lang="en-US"/>
               <a:t>Click to edit Master text styles</a:t>
             </a:r>
           </a:p>
@@ -27401,38 +26489,37 @@
           <a:p>
             <a:pPr lvl="0"/>
             <a:r>
-              <a:rPr lang="en-US" smtClean="0"/>
+              <a:rPr lang="en-US"/>
               <a:t>Click to edit Master text styles</a:t>
             </a:r>
           </a:p>
           <a:p>
             <a:pPr lvl="1"/>
             <a:r>
-              <a:rPr lang="en-US" smtClean="0"/>
+              <a:rPr lang="en-US"/>
               <a:t>Second level</a:t>
             </a:r>
           </a:p>
           <a:p>
             <a:pPr lvl="2"/>
             <a:r>
-              <a:rPr lang="en-US" smtClean="0"/>
+              <a:rPr lang="en-US"/>
               <a:t>Third level</a:t>
             </a:r>
           </a:p>
           <a:p>
             <a:pPr lvl="3"/>
             <a:r>
-              <a:rPr lang="en-US" smtClean="0"/>
+              <a:rPr lang="en-US"/>
               <a:t>Fourth level</a:t>
             </a:r>
           </a:p>
           <a:p>
             <a:pPr lvl="4"/>
             <a:r>
-              <a:rPr lang="en-US" smtClean="0"/>
+              <a:rPr lang="en-US"/>
               <a:t>Fifth level</a:t>
             </a:r>
-            <a:endParaRPr lang="en-US"/>
           </a:p>
         </p:txBody>
       </p:sp>
@@ -27495,7 +26582,7 @@
           <a:p>
             <a:pPr lvl="0"/>
             <a:r>
-              <a:rPr lang="en-US" smtClean="0"/>
+              <a:rPr lang="en-US"/>
               <a:t>Click to edit Master text styles</a:t>
             </a:r>
           </a:p>
@@ -27551,38 +26638,37 @@
           <a:p>
             <a:pPr lvl="0"/>
             <a:r>
-              <a:rPr lang="en-US" smtClean="0"/>
+              <a:rPr lang="en-US"/>
               <a:t>Click to edit Master text styles</a:t>
             </a:r>
           </a:p>
           <a:p>
             <a:pPr lvl="1"/>
             <a:r>
-              <a:rPr lang="en-US" smtClean="0"/>
+              <a:rPr lang="en-US"/>
               <a:t>Second level</a:t>
             </a:r>
           </a:p>
           <a:p>
             <a:pPr lvl="2"/>
             <a:r>
-              <a:rPr lang="en-US" smtClean="0"/>
+              <a:rPr lang="en-US"/>
               <a:t>Third level</a:t>
             </a:r>
           </a:p>
           <a:p>
             <a:pPr lvl="3"/>
             <a:r>
-              <a:rPr lang="en-US" smtClean="0"/>
+              <a:rPr lang="en-US"/>
               <a:t>Fourth level</a:t>
             </a:r>
           </a:p>
           <a:p>
             <a:pPr lvl="4"/>
             <a:r>
-              <a:rPr lang="en-US" smtClean="0"/>
+              <a:rPr lang="en-US"/>
               <a:t>Fifth level</a:t>
             </a:r>
-            <a:endParaRPr lang="en-US"/>
           </a:p>
         </p:txBody>
       </p:sp>
@@ -27604,7 +26690,7 @@
             <a:fld id="{9B5FA4A0-D2E4-4D7C-A829-2A69171198E3}" type="datetimeFigureOut">
               <a:rPr lang="en-US" smtClean="0"/>
               <a:pPr/>
-              <a:t>6/30/2016</a:t>
+              <a:t>2/12/2018</a:t>
             </a:fld>
             <a:endParaRPr lang="en-US"/>
           </a:p>
@@ -27723,35 +26809,35 @@
           <a:p>
             <a:pPr lvl="0"/>
             <a:r>
-              <a:rPr lang="en-CA" dirty="0" smtClean="0"/>
+              <a:rPr lang="en-CA" dirty="0"/>
               <a:t>First Level Text</a:t>
             </a:r>
           </a:p>
           <a:p>
             <a:pPr lvl="1"/>
             <a:r>
-              <a:rPr lang="en-CA" dirty="0" smtClean="0"/>
+              <a:rPr lang="en-CA" dirty="0"/>
               <a:t>Second Level Text</a:t>
             </a:r>
           </a:p>
           <a:p>
             <a:pPr lvl="2"/>
             <a:r>
-              <a:rPr lang="en-CA" dirty="0" smtClean="0"/>
+              <a:rPr lang="en-CA" dirty="0"/>
               <a:t>Third Level Text</a:t>
             </a:r>
           </a:p>
           <a:p>
             <a:pPr lvl="3"/>
             <a:r>
-              <a:rPr lang="en-CA" dirty="0" smtClean="0"/>
+              <a:rPr lang="en-CA" dirty="0"/>
               <a:t>Fourth Level Text</a:t>
             </a:r>
           </a:p>
           <a:p>
             <a:pPr lvl="4"/>
             <a:r>
-              <a:rPr lang="en-CA" dirty="0" smtClean="0"/>
+              <a:rPr lang="en-CA" dirty="0"/>
               <a:t>Fifth Level Text</a:t>
             </a:r>
           </a:p>
@@ -27797,35 +26883,35 @@
           <a:p>
             <a:pPr lvl="0"/>
             <a:r>
-              <a:rPr lang="en-CA" dirty="0" smtClean="0"/>
+              <a:rPr lang="en-CA" dirty="0"/>
               <a:t>First Level Text</a:t>
             </a:r>
           </a:p>
           <a:p>
             <a:pPr lvl="1"/>
             <a:r>
-              <a:rPr lang="en-CA" dirty="0" smtClean="0"/>
+              <a:rPr lang="en-CA" dirty="0"/>
               <a:t>Second Level Text</a:t>
             </a:r>
           </a:p>
           <a:p>
             <a:pPr lvl="2"/>
             <a:r>
-              <a:rPr lang="en-CA" dirty="0" smtClean="0"/>
+              <a:rPr lang="en-CA" dirty="0"/>
               <a:t>Third Level Text</a:t>
             </a:r>
           </a:p>
           <a:p>
             <a:pPr lvl="3"/>
             <a:r>
-              <a:rPr lang="en-CA" dirty="0" smtClean="0"/>
+              <a:rPr lang="en-CA" dirty="0"/>
               <a:t>Fourth Level Text</a:t>
             </a:r>
           </a:p>
           <a:p>
             <a:pPr lvl="4"/>
             <a:r>
-              <a:rPr lang="en-CA" dirty="0" smtClean="0"/>
+              <a:rPr lang="en-CA" dirty="0"/>
               <a:t>Fifth Level Text</a:t>
             </a:r>
           </a:p>
@@ -27863,7 +26949,7 @@
               <a:defRPr/>
             </a:pPr>
             <a:r>
-              <a:rPr lang="en-US" sz="900" dirty="0" smtClean="0">
+              <a:rPr lang="en-US" sz="900" dirty="0">
                 <a:solidFill>
                   <a:prstClr val="black">
                     <a:lumMod val="50000"/>
@@ -27875,16 +26961,6 @@
               </a:rPr>
               <a:t>Copyright © 2015 Accenture  All rights reserved.</a:t>
             </a:r>
-            <a:endParaRPr lang="en-US" sz="900" dirty="0">
-              <a:solidFill>
-                <a:prstClr val="black">
-                  <a:lumMod val="50000"/>
-                  <a:lumOff val="50000"/>
-                </a:prstClr>
-              </a:solidFill>
-              <a:latin typeface="Arial"/>
-              <a:cs typeface="Arial" pitchFamily="34" charset="0"/>
-            </a:endParaRPr>
           </a:p>
         </p:txBody>
       </p:sp>
@@ -27947,7 +27023,7 @@
           </a:lstStyle>
           <a:p>
             <a:r>
-              <a:rPr lang="en-US" dirty="0" smtClean="0"/>
+              <a:rPr lang="en-US" dirty="0"/>
               <a:t>Master Title Slide Headline</a:t>
             </a:r>
             <a:endParaRPr lang="en-CA" dirty="0"/>
@@ -28044,7 +27120,7 @@
               <a:defRPr/>
             </a:pPr>
             <a:r>
-              <a:rPr lang="en-US" sz="900" dirty="0" smtClean="0">
+              <a:rPr lang="en-US" sz="900" dirty="0">
                 <a:solidFill>
                   <a:prstClr val="black">
                     <a:lumMod val="50000"/>
@@ -28056,16 +27132,6 @@
               </a:rPr>
               <a:t>Kaiser Permanente Accenture Confidential                         </a:t>
             </a:r>
-            <a:endParaRPr lang="en-US" sz="900" dirty="0">
-              <a:solidFill>
-                <a:prstClr val="black">
-                  <a:lumMod val="50000"/>
-                  <a:lumOff val="50000"/>
-                </a:prstClr>
-              </a:solidFill>
-              <a:latin typeface="Arial"/>
-              <a:cs typeface="Arial" pitchFamily="34" charset="0"/>
-            </a:endParaRPr>
           </a:p>
         </p:txBody>
       </p:sp>
@@ -28079,13 +27145,6 @@
   <p:clrMapOvr>
     <a:masterClrMapping/>
   </p:clrMapOvr>
-  <p:timing>
-    <p:tnLst>
-      <p:par>
-        <p:cTn id="1" dur="indefinite" restart="never" nodeType="tmRoot"/>
-      </p:par>
-    </p:tnLst>
-  </p:timing>
 </p:sldLayout>
 </file>
 
@@ -28166,35 +27225,35 @@
           <a:p>
             <a:pPr lvl="0"/>
             <a:r>
-              <a:rPr lang="en-CA" dirty="0" smtClean="0"/>
+              <a:rPr lang="en-CA" dirty="0"/>
               <a:t>First Level Text</a:t>
             </a:r>
           </a:p>
           <a:p>
             <a:pPr lvl="1"/>
             <a:r>
-              <a:rPr lang="en-CA" dirty="0" smtClean="0"/>
+              <a:rPr lang="en-CA" dirty="0"/>
               <a:t>Second Level Text</a:t>
             </a:r>
           </a:p>
           <a:p>
             <a:pPr lvl="2"/>
             <a:r>
-              <a:rPr lang="en-CA" dirty="0" smtClean="0"/>
+              <a:rPr lang="en-CA" dirty="0"/>
               <a:t>Third Level Text</a:t>
             </a:r>
           </a:p>
           <a:p>
             <a:pPr lvl="3"/>
             <a:r>
-              <a:rPr lang="en-CA" dirty="0" smtClean="0"/>
+              <a:rPr lang="en-CA" dirty="0"/>
               <a:t>Fourth Level Text</a:t>
             </a:r>
           </a:p>
           <a:p>
             <a:pPr lvl="4"/>
             <a:r>
-              <a:rPr lang="en-CA" dirty="0" smtClean="0"/>
+              <a:rPr lang="en-CA" dirty="0"/>
               <a:t>Fifth Level Text</a:t>
             </a:r>
           </a:p>
@@ -28260,35 +27319,35 @@
           <a:p>
             <a:pPr lvl="0"/>
             <a:r>
-              <a:rPr lang="en-CA" dirty="0" smtClean="0"/>
+              <a:rPr lang="en-CA" dirty="0"/>
               <a:t>First Level Text</a:t>
             </a:r>
           </a:p>
           <a:p>
             <a:pPr lvl="1"/>
             <a:r>
-              <a:rPr lang="en-CA" dirty="0" smtClean="0"/>
+              <a:rPr lang="en-CA" dirty="0"/>
               <a:t>Second Level Text</a:t>
             </a:r>
           </a:p>
           <a:p>
             <a:pPr lvl="2"/>
             <a:r>
-              <a:rPr lang="en-CA" dirty="0" smtClean="0"/>
+              <a:rPr lang="en-CA" dirty="0"/>
               <a:t>Third Level Text</a:t>
             </a:r>
           </a:p>
           <a:p>
             <a:pPr lvl="3"/>
             <a:r>
-              <a:rPr lang="en-CA" dirty="0" smtClean="0"/>
+              <a:rPr lang="en-CA" dirty="0"/>
               <a:t>Fourth Level Text</a:t>
             </a:r>
           </a:p>
           <a:p>
             <a:pPr lvl="4"/>
             <a:r>
-              <a:rPr lang="en-CA" dirty="0" smtClean="0"/>
+              <a:rPr lang="en-CA" dirty="0"/>
               <a:t>Fifth Level Text</a:t>
             </a:r>
           </a:p>
@@ -28326,7 +27385,7 @@
               <a:defRPr/>
             </a:pPr>
             <a:r>
-              <a:rPr lang="en-US" sz="900" dirty="0" smtClean="0">
+              <a:rPr lang="en-US" sz="900" dirty="0">
                 <a:solidFill>
                   <a:prstClr val="black">
                     <a:lumMod val="50000"/>
@@ -28338,16 +27397,6 @@
               </a:rPr>
               <a:t>Copyright © 2015 Accenture  All rights reserved.</a:t>
             </a:r>
-            <a:endParaRPr lang="en-US" sz="900" dirty="0">
-              <a:solidFill>
-                <a:prstClr val="black">
-                  <a:lumMod val="50000"/>
-                  <a:lumOff val="50000"/>
-                </a:prstClr>
-              </a:solidFill>
-              <a:latin typeface="Arial"/>
-              <a:cs typeface="Arial" pitchFamily="34" charset="0"/>
-            </a:endParaRPr>
           </a:p>
         </p:txBody>
       </p:sp>
@@ -28410,7 +27459,7 @@
           </a:lstStyle>
           <a:p>
             <a:r>
-              <a:rPr lang="en-US" dirty="0" smtClean="0"/>
+              <a:rPr lang="en-US" dirty="0"/>
               <a:t>Master Title Slide Headline</a:t>
             </a:r>
             <a:endParaRPr lang="en-CA" dirty="0"/>
@@ -28485,13 +27534,6 @@
   <p:clrMapOvr>
     <a:masterClrMapping/>
   </p:clrMapOvr>
-  <p:timing>
-    <p:tnLst>
-      <p:par>
-        <p:cTn id="1" dur="indefinite" restart="never" nodeType="tmRoot"/>
-      </p:par>
-    </p:tnLst>
-  </p:timing>
 </p:sldLayout>
 </file>
 
@@ -28544,7 +27586,7 @@
               <a:defRPr/>
             </a:pPr>
             <a:r>
-              <a:rPr lang="en-US" sz="900" dirty="0" smtClean="0">
+              <a:rPr lang="en-US" sz="900" dirty="0">
                 <a:solidFill>
                   <a:prstClr val="black">
                     <a:lumMod val="50000"/>
@@ -28556,16 +27598,6 @@
               </a:rPr>
               <a:t>Copyright © 2015 Accenture  All rights reserved.</a:t>
             </a:r>
-            <a:endParaRPr lang="en-US" sz="900" dirty="0">
-              <a:solidFill>
-                <a:prstClr val="black">
-                  <a:lumMod val="50000"/>
-                  <a:lumOff val="50000"/>
-                </a:prstClr>
-              </a:solidFill>
-              <a:latin typeface="Arial"/>
-              <a:cs typeface="Arial" pitchFamily="34" charset="0"/>
-            </a:endParaRPr>
           </a:p>
         </p:txBody>
       </p:sp>
@@ -28628,7 +27660,7 @@
           </a:lstStyle>
           <a:p>
             <a:r>
-              <a:rPr lang="en-US" dirty="0" smtClean="0"/>
+              <a:rPr lang="en-US" dirty="0"/>
               <a:t>Master Title Slide Headline</a:t>
             </a:r>
             <a:endParaRPr lang="en-CA" dirty="0"/>
@@ -28725,7 +27757,7 @@
               <a:defRPr/>
             </a:pPr>
             <a:r>
-              <a:rPr lang="en-US" sz="900" dirty="0" smtClean="0">
+              <a:rPr lang="en-US" sz="900" dirty="0">
                 <a:solidFill>
                   <a:prstClr val="black">
                     <a:lumMod val="50000"/>
@@ -28737,16 +27769,6 @@
               </a:rPr>
               <a:t>Kaiser Permanente Accenture Confidential                         </a:t>
             </a:r>
-            <a:endParaRPr lang="en-US" sz="900" dirty="0">
-              <a:solidFill>
-                <a:prstClr val="black">
-                  <a:lumMod val="50000"/>
-                  <a:lumOff val="50000"/>
-                </a:prstClr>
-              </a:solidFill>
-              <a:latin typeface="Arial"/>
-              <a:cs typeface="Arial" pitchFamily="34" charset="0"/>
-            </a:endParaRPr>
           </a:p>
         </p:txBody>
       </p:sp>
@@ -28760,13 +27782,6 @@
   <p:clrMapOvr>
     <a:masterClrMapping/>
   </p:clrMapOvr>
-  <p:timing>
-    <p:tnLst>
-      <p:par>
-        <p:cTn id="1" dur="indefinite" restart="never" nodeType="tmRoot"/>
-      </p:par>
-    </p:tnLst>
-  </p:timing>
 </p:sldLayout>
 </file>
 
@@ -28819,7 +27834,7 @@
               <a:defRPr/>
             </a:pPr>
             <a:r>
-              <a:rPr lang="en-US" sz="900" dirty="0" smtClean="0">
+              <a:rPr lang="en-US" sz="900" dirty="0">
                 <a:solidFill>
                   <a:prstClr val="black">
                     <a:lumMod val="50000"/>
@@ -28831,16 +27846,6 @@
               </a:rPr>
               <a:t>Copyright © 2015 Accenture  All rights reserved.</a:t>
             </a:r>
-            <a:endParaRPr lang="en-US" sz="900" dirty="0">
-              <a:solidFill>
-                <a:prstClr val="black">
-                  <a:lumMod val="50000"/>
-                  <a:lumOff val="50000"/>
-                </a:prstClr>
-              </a:solidFill>
-              <a:latin typeface="Arial"/>
-              <a:cs typeface="Arial" pitchFamily="34" charset="0"/>
-            </a:endParaRPr>
           </a:p>
         </p:txBody>
       </p:sp>
@@ -28934,7 +27939,7 @@
               <a:defRPr/>
             </a:pPr>
             <a:r>
-              <a:rPr lang="en-US" sz="900" dirty="0" smtClean="0">
+              <a:rPr lang="en-US" sz="900" dirty="0">
                 <a:solidFill>
                   <a:prstClr val="black">
                     <a:lumMod val="50000"/>
@@ -28946,16 +27951,6 @@
               </a:rPr>
               <a:t>Kaiser Permanente Accenture Confidential                         </a:t>
             </a:r>
-            <a:endParaRPr lang="en-US" sz="900" dirty="0">
-              <a:solidFill>
-                <a:prstClr val="black">
-                  <a:lumMod val="50000"/>
-                  <a:lumOff val="50000"/>
-                </a:prstClr>
-              </a:solidFill>
-              <a:latin typeface="Arial"/>
-              <a:cs typeface="Arial" pitchFamily="34" charset="0"/>
-            </a:endParaRPr>
           </a:p>
         </p:txBody>
       </p:sp>
@@ -28969,13 +27964,6 @@
   <p:clrMapOvr>
     <a:masterClrMapping/>
   </p:clrMapOvr>
-  <p:timing>
-    <p:tnLst>
-      <p:par>
-        <p:cTn id="1" dur="indefinite" restart="never" nodeType="tmRoot"/>
-      </p:par>
-    </p:tnLst>
-  </p:timing>
 </p:sldLayout>
 </file>
 
@@ -29012,10 +28000,9 @@
           <a:lstStyle/>
           <a:p>
             <a:r>
-              <a:rPr lang="en-US" smtClean="0"/>
+              <a:rPr lang="en-US"/>
               <a:t>Click to edit Master title style</a:t>
             </a:r>
-            <a:endParaRPr lang="en-US"/>
           </a:p>
         </p:txBody>
       </p:sp>
@@ -29037,7 +28024,7 @@
             <a:fld id="{9B5FA4A0-D2E4-4D7C-A829-2A69171198E3}" type="datetimeFigureOut">
               <a:rPr lang="en-US" smtClean="0"/>
               <a:pPr/>
-              <a:t>6/30/2016</a:t>
+              <a:t>2/12/2018</a:t>
             </a:fld>
             <a:endParaRPr lang="en-US"/>
           </a:p>
@@ -29134,7 +28121,7 @@
             <a:fld id="{9B5FA4A0-D2E4-4D7C-A829-2A69171198E3}" type="datetimeFigureOut">
               <a:rPr lang="en-US" smtClean="0"/>
               <a:pPr/>
-              <a:t>6/30/2016</a:t>
+              <a:t>2/12/2018</a:t>
             </a:fld>
             <a:endParaRPr lang="en-US"/>
           </a:p>
@@ -29238,10 +28225,9 @@
           </a:lstStyle>
           <a:p>
             <a:r>
-              <a:rPr lang="en-US" smtClean="0"/>
+              <a:rPr lang="en-US"/>
               <a:t>Click to edit Master title style</a:t>
             </a:r>
-            <a:endParaRPr lang="en-US"/>
           </a:p>
         </p:txBody>
       </p:sp>
@@ -29295,38 +28281,37 @@
           <a:p>
             <a:pPr lvl="0"/>
             <a:r>
-              <a:rPr lang="en-US" smtClean="0"/>
+              <a:rPr lang="en-US"/>
               <a:t>Click to edit Master text styles</a:t>
             </a:r>
           </a:p>
           <a:p>
             <a:pPr lvl="1"/>
             <a:r>
-              <a:rPr lang="en-US" smtClean="0"/>
+              <a:rPr lang="en-US"/>
               <a:t>Second level</a:t>
             </a:r>
           </a:p>
           <a:p>
             <a:pPr lvl="2"/>
             <a:r>
-              <a:rPr lang="en-US" smtClean="0"/>
+              <a:rPr lang="en-US"/>
               <a:t>Third level</a:t>
             </a:r>
           </a:p>
           <a:p>
             <a:pPr lvl="3"/>
             <a:r>
-              <a:rPr lang="en-US" smtClean="0"/>
+              <a:rPr lang="en-US"/>
               <a:t>Fourth level</a:t>
             </a:r>
           </a:p>
           <a:p>
             <a:pPr lvl="4"/>
             <a:r>
-              <a:rPr lang="en-US" smtClean="0"/>
+              <a:rPr lang="en-US"/>
               <a:t>Fifth level</a:t>
             </a:r>
-            <a:endParaRPr lang="en-US"/>
           </a:p>
         </p:txBody>
       </p:sp>
@@ -29389,7 +28374,7 @@
           <a:p>
             <a:pPr lvl="0"/>
             <a:r>
-              <a:rPr lang="en-US" smtClean="0"/>
+              <a:rPr lang="en-US"/>
               <a:t>Click to edit Master text styles</a:t>
             </a:r>
           </a:p>
@@ -29413,7 +28398,7 @@
             <a:fld id="{9B5FA4A0-D2E4-4D7C-A829-2A69171198E3}" type="datetimeFigureOut">
               <a:rPr lang="en-US" smtClean="0"/>
               <a:pPr/>
-              <a:t>6/30/2016</a:t>
+              <a:t>2/12/2018</a:t>
             </a:fld>
             <a:endParaRPr lang="en-US"/>
           </a:p>
@@ -29517,10 +28502,9 @@
           </a:lstStyle>
           <a:p>
             <a:r>
-              <a:rPr lang="en-US" smtClean="0"/>
+              <a:rPr lang="en-US"/>
               <a:t>Click to edit Master title style</a:t>
             </a:r>
-            <a:endParaRPr lang="en-US"/>
           </a:p>
         </p:txBody>
       </p:sp>
@@ -29644,7 +28628,7 @@
           <a:p>
             <a:pPr lvl="0"/>
             <a:r>
-              <a:rPr lang="en-US" smtClean="0"/>
+              <a:rPr lang="en-US"/>
               <a:t>Click to edit Master text styles</a:t>
             </a:r>
           </a:p>
@@ -29668,7 +28652,7 @@
             <a:fld id="{9B5FA4A0-D2E4-4D7C-A829-2A69171198E3}" type="datetimeFigureOut">
               <a:rPr lang="en-US" smtClean="0"/>
               <a:pPr/>
-              <a:t>6/30/2016</a:t>
+              <a:t>2/12/2018</a:t>
             </a:fld>
             <a:endParaRPr lang="en-US"/>
           </a:p>
@@ -29781,10 +28765,9 @@
           <a:lstStyle/>
           <a:p>
             <a:r>
-              <a:rPr lang="en-US" smtClean="0"/>
+              <a:rPr lang="en-US"/>
               <a:t>Click to edit Master title style</a:t>
             </a:r>
-            <a:endParaRPr lang="en-US"/>
           </a:p>
         </p:txBody>
       </p:sp>
@@ -29815,38 +28798,37 @@
           <a:p>
             <a:pPr lvl="0"/>
             <a:r>
-              <a:rPr lang="en-US" smtClean="0"/>
+              <a:rPr lang="en-US"/>
               <a:t>Click to edit Master text styles</a:t>
             </a:r>
           </a:p>
           <a:p>
             <a:pPr lvl="1"/>
             <a:r>
-              <a:rPr lang="en-US" smtClean="0"/>
+              <a:rPr lang="en-US"/>
               <a:t>Second level</a:t>
             </a:r>
           </a:p>
           <a:p>
             <a:pPr lvl="2"/>
             <a:r>
-              <a:rPr lang="en-US" smtClean="0"/>
+              <a:rPr lang="en-US"/>
               <a:t>Third level</a:t>
             </a:r>
           </a:p>
           <a:p>
             <a:pPr lvl="3"/>
             <a:r>
-              <a:rPr lang="en-US" smtClean="0"/>
+              <a:rPr lang="en-US"/>
               <a:t>Fourth level</a:t>
             </a:r>
           </a:p>
           <a:p>
             <a:pPr lvl="4"/>
             <a:r>
-              <a:rPr lang="en-US" smtClean="0"/>
+              <a:rPr lang="en-US"/>
               <a:t>Fifth level</a:t>
             </a:r>
-            <a:endParaRPr lang="en-US"/>
           </a:p>
         </p:txBody>
       </p:sp>
@@ -29886,7 +28868,7 @@
             <a:fld id="{9B5FA4A0-D2E4-4D7C-A829-2A69171198E3}" type="datetimeFigureOut">
               <a:rPr lang="en-US" smtClean="0"/>
               <a:pPr/>
-              <a:t>6/30/2016</a:t>
+              <a:t>2/12/2018</a:t>
             </a:fld>
             <a:endParaRPr lang="en-US"/>
           </a:p>
@@ -30298,38 +29280,38 @@
           <a:p>
             <a:pPr lvl="0"/>
             <a:r>
-              <a:rPr lang="en-CA" dirty="0" smtClean="0"/>
+              <a:rPr lang="en-CA" dirty="0"/>
               <a:t>First Level Text</a:t>
             </a:r>
           </a:p>
           <a:p>
             <a:pPr lvl="1"/>
             <a:r>
-              <a:rPr lang="en-CA" dirty="0" smtClean="0"/>
+              <a:rPr lang="en-CA" dirty="0"/>
               <a:t>Second Level Text</a:t>
             </a:r>
           </a:p>
           <a:p>
             <a:pPr lvl="2"/>
             <a:r>
-              <a:rPr lang="en-CA" dirty="0" smtClean="0"/>
+              <a:rPr lang="en-CA" dirty="0"/>
               <a:t>Third Level Text</a:t>
             </a:r>
           </a:p>
           <a:p>
             <a:pPr lvl="3"/>
             <a:r>
-              <a:rPr lang="en-CA" dirty="0" smtClean="0"/>
+              <a:rPr lang="en-CA" dirty="0"/>
               <a:t>Fourth Level Text</a:t>
             </a:r>
           </a:p>
           <a:p>
             <a:pPr lvl="4"/>
             <a:r>
-              <a:rPr lang="en-CA" dirty="0" smtClean="0"/>
+              <a:rPr lang="en-CA" dirty="0"/>
               <a:t>Fifth Level Text</a:t>
             </a:r>
-            <a:endParaRPr lang="en-US" dirty="0" smtClean="0"/>
+            <a:endParaRPr lang="en-US" dirty="0"/>
           </a:p>
         </p:txBody>
       </p:sp>
@@ -30359,7 +29341,7 @@
           <a:lstStyle/>
           <a:p>
             <a:r>
-              <a:rPr lang="en-US" dirty="0" smtClean="0"/>
+              <a:rPr lang="en-US" dirty="0"/>
               <a:t>Master Title Slide Headline</a:t>
             </a:r>
             <a:endParaRPr lang="en-CA" dirty="0"/>
@@ -30406,13 +29388,6 @@
     <p:sldLayoutId id="2147483753" r:id="rId29"/>
     <p:sldLayoutId id="2147483756" r:id="rId30"/>
   </p:sldLayoutIdLst>
-  <p:timing>
-    <p:tnLst>
-      <p:par>
-        <p:cTn id="1" dur="indefinite" restart="never" nodeType="tmRoot"/>
-      </p:par>
-    </p:tnLst>
-  </p:timing>
   <p:hf hdr="0" ftr="0" dt="0"/>
   <p:txStyles>
     <p:titleStyle>
@@ -30769,38 +29744,38 @@
           <a:p>
             <a:pPr lvl="0"/>
             <a:r>
-              <a:rPr lang="en-CA" dirty="0" smtClean="0"/>
+              <a:rPr lang="en-CA" dirty="0"/>
               <a:t>First Level Text</a:t>
             </a:r>
           </a:p>
           <a:p>
             <a:pPr lvl="1"/>
             <a:r>
-              <a:rPr lang="en-CA" dirty="0" smtClean="0"/>
+              <a:rPr lang="en-CA" dirty="0"/>
               <a:t>Second Level Text</a:t>
             </a:r>
           </a:p>
           <a:p>
             <a:pPr lvl="2"/>
             <a:r>
-              <a:rPr lang="en-CA" dirty="0" smtClean="0"/>
+              <a:rPr lang="en-CA" dirty="0"/>
               <a:t>Third Level Text</a:t>
             </a:r>
           </a:p>
           <a:p>
             <a:pPr lvl="3"/>
             <a:r>
-              <a:rPr lang="en-CA" dirty="0" smtClean="0"/>
+              <a:rPr lang="en-CA" dirty="0"/>
               <a:t>Fourth Level Text</a:t>
             </a:r>
           </a:p>
           <a:p>
             <a:pPr lvl="4"/>
             <a:r>
-              <a:rPr lang="en-CA" dirty="0" smtClean="0"/>
+              <a:rPr lang="en-CA" dirty="0"/>
               <a:t>Fifth Level Text</a:t>
             </a:r>
-            <a:endParaRPr lang="en-US" dirty="0" smtClean="0"/>
+            <a:endParaRPr lang="en-US" dirty="0"/>
           </a:p>
         </p:txBody>
       </p:sp>
@@ -30830,7 +29805,7 @@
           <a:lstStyle/>
           <a:p>
             <a:r>
-              <a:rPr lang="en-US" dirty="0" smtClean="0"/>
+              <a:rPr lang="en-US" dirty="0"/>
               <a:t>Master Title Slide Headline</a:t>
             </a:r>
             <a:endParaRPr lang="en-CA" dirty="0"/>
@@ -30858,13 +29833,6 @@
     <p:sldLayoutId id="2147483804" r:id="rId10"/>
     <p:sldLayoutId id="2147483805" r:id="rId11"/>
   </p:sldLayoutIdLst>
-  <p:timing>
-    <p:tnLst>
-      <p:par>
-        <p:cTn id="1" dur="indefinite" restart="never" nodeType="tmRoot"/>
-      </p:par>
-    </p:tnLst>
-  </p:timing>
   <p:hf hdr="0" ftr="0" dt="0"/>
   <p:txStyles>
     <p:titleStyle>
@@ -31205,10 +30173,9 @@
           <a:lstStyle/>
           <a:p>
             <a:r>
-              <a:rPr lang="en-AU" dirty="0" smtClean="0"/>
+              <a:rPr lang="en-AU" dirty="0"/>
               <a:t>Accenture Responsibilities</a:t>
             </a:r>
-            <a:endParaRPr lang="en-AU" dirty="0"/>
           </a:p>
         </p:txBody>
       </p:sp>
@@ -31222,13 +30189,6 @@
   <p:clrMapOvr>
     <a:masterClrMapping/>
   </p:clrMapOvr>
-  <p:timing>
-    <p:tnLst>
-      <p:par>
-        <p:cTn id="1" dur="indefinite" restart="never" nodeType="tmRoot"/>
-      </p:par>
-    </p:tnLst>
-  </p:timing>
 </p:sld>
 </file>
 
@@ -31275,7 +30235,13 @@
                 <a:tableStyleId>{00A15C55-8517-42AA-B614-E9B94910E393}</a:tableStyleId>
               </a:tblPr>
               <a:tblGrid>
-                <a:gridCol w="11054516"/>
+                <a:gridCol w="11054516">
+                  <a:extLst>
+                    <a:ext uri="{9D8B030D-6E8A-4147-A177-3AD203B41FA5}">
+                      <a16:colId xmlns:a16="http://schemas.microsoft.com/office/drawing/2014/main" val="20000"/>
+                    </a:ext>
+                  </a:extLst>
+                </a:gridCol>
               </a:tblGrid>
               <a:tr h="1561448">
                 <a:tc>
@@ -31301,7 +30267,7 @@
                         <a:defRPr/>
                       </a:pPr>
                       <a:r>
-                        <a:rPr lang="fr-FR" sz="1800" b="0" kern="1200" baseline="0" dirty="0" smtClean="0">
+                        <a:rPr lang="fr-FR" sz="1800" b="0" kern="1200" baseline="0" dirty="0">
                           <a:solidFill>
                             <a:schemeClr val="dk1"/>
                           </a:solidFill>
@@ -31312,7 +30278,7 @@
                         <a:t> </a:t>
                       </a:r>
                       <a:r>
-                        <a:rPr lang="en-US" sz="1800" b="0" kern="1200" dirty="0" smtClean="0">
+                        <a:rPr lang="en-US" sz="1800" b="0" kern="1200" dirty="0">
                           <a:solidFill>
                             <a:schemeClr val="dk1"/>
                           </a:solidFill>
@@ -31322,7 +30288,7 @@
                         </a:rPr>
                         <a:t>With our experience and expertise in the Application Environment Support (Infrastructure Outsourcing)     space in the areas of infrastructure management, release management, configuration management and production support. </a:t>
                       </a:r>
-                      <a:endParaRPr lang="en-IE" sz="1800" b="0" kern="1200" dirty="0" smtClean="0">
+                      <a:endParaRPr lang="en-IE" sz="1800" b="0" kern="1200" dirty="0">
                         <a:solidFill>
                           <a:schemeClr val="dk1"/>
                         </a:solidFill>
@@ -31338,6 +30304,11 @@
                     </a:solidFill>
                   </a:tcPr>
                 </a:tc>
+                <a:extLst>
+                  <a:ext uri="{0D108BD9-81ED-4DB2-BD59-A6C34878D82A}">
+                    <a16:rowId xmlns:a16="http://schemas.microsoft.com/office/drawing/2014/main" val="10000"/>
+                  </a:ext>
+                </a:extLst>
               </a:tr>
               <a:tr h="1506681">
                 <a:tc>
@@ -31350,11 +30321,11 @@
                         <a:buChar char="ü"/>
                       </a:pPr>
                       <a:r>
-                        <a:rPr lang="fr-FR" sz="1800" dirty="0" smtClean="0"/>
+                        <a:rPr lang="fr-FR" sz="1800" dirty="0"/>
                         <a:t> </a:t>
                       </a:r>
                       <a:r>
-                        <a:rPr lang="en-US" sz="1800" b="0" kern="1200" dirty="0" smtClean="0">
+                        <a:rPr lang="en-US" sz="1800" b="0" kern="1200" dirty="0">
                           <a:solidFill>
                             <a:schemeClr val="dk1"/>
                           </a:solidFill>
@@ -31365,7 +30336,7 @@
                         <a:t>Kaiser’s NPS BSC teams at IDC have been heavily engaged in providing IO services for over 7+ years. While we have been able to construct thorough IO processes that enables us deliver defect-free jobs, we have also been able to build a pool of experts including DBA, </a:t>
                       </a:r>
                       <a:r>
-                        <a:rPr lang="en-US" sz="1800" b="0" kern="1200" dirty="0" err="1" smtClean="0">
+                        <a:rPr lang="en-US" sz="1800" b="0" kern="1200" dirty="0" err="1">
                           <a:solidFill>
                             <a:schemeClr val="dk1"/>
                           </a:solidFill>
@@ -31376,7 +30347,7 @@
                         <a:t>Websphere</a:t>
                       </a:r>
                       <a:r>
-                        <a:rPr lang="en-US" sz="1800" b="0" kern="1200" dirty="0" smtClean="0">
+                        <a:rPr lang="en-US" sz="1800" b="0" kern="1200" dirty="0">
                           <a:solidFill>
                             <a:schemeClr val="dk1"/>
                           </a:solidFill>
@@ -31386,18 +30357,15 @@
                         </a:rPr>
                         <a:t> Administration and other specialized application administration skills. </a:t>
                       </a:r>
-                      <a:endParaRPr lang="en-US" sz="1800" b="0" kern="1200" dirty="0">
-                        <a:solidFill>
-                          <a:schemeClr val="dk1"/>
-                        </a:solidFill>
-                        <a:latin typeface="+mn-lt"/>
-                        <a:ea typeface="+mn-ea"/>
-                        <a:cs typeface="+mn-cs"/>
-                      </a:endParaRPr>
                     </a:p>
                   </a:txBody>
                   <a:tcPr marL="91461" marR="91461" marT="45731" marB="45731" anchor="ctr"/>
                 </a:tc>
+                <a:extLst>
+                  <a:ext uri="{0D108BD9-81ED-4DB2-BD59-A6C34878D82A}">
+                    <a16:rowId xmlns:a16="http://schemas.microsoft.com/office/drawing/2014/main" val="10001"/>
+                  </a:ext>
+                </a:extLst>
               </a:tr>
               <a:tr h="997528">
                 <a:tc>
@@ -31410,11 +30378,11 @@
                         <a:buChar char="ü"/>
                       </a:pPr>
                       <a:r>
-                        <a:rPr lang="fr-FR" sz="1800" kern="1200" dirty="0" smtClean="0"/>
+                        <a:rPr lang="fr-FR" sz="1800" kern="1200" dirty="0"/>
                         <a:t> </a:t>
                       </a:r>
                       <a:r>
-                        <a:rPr lang="en-US" sz="1800" b="0" kern="1200" dirty="0" smtClean="0">
+                        <a:rPr lang="en-US" sz="1800" b="0" kern="1200" dirty="0">
                           <a:solidFill>
                             <a:schemeClr val="dk1"/>
                           </a:solidFill>
@@ -31424,7 +30392,7 @@
                         </a:rPr>
                         <a:t>Being engaged on a larger scale will motivate the current team with extended jobs on other health plans.</a:t>
                       </a:r>
-                      <a:endParaRPr lang="en-IN" sz="1800" b="0" kern="1200" dirty="0" smtClean="0">
+                      <a:endParaRPr lang="en-IN" sz="1800" b="0" kern="1200" dirty="0">
                         <a:solidFill>
                           <a:schemeClr val="dk1"/>
                         </a:solidFill>
@@ -31436,6 +30404,11 @@
                   </a:txBody>
                   <a:tcPr marL="91461" marR="91461" marT="45731" marB="45731" anchor="ctr"/>
                 </a:tc>
+                <a:extLst>
+                  <a:ext uri="{0D108BD9-81ED-4DB2-BD59-A6C34878D82A}">
+                    <a16:rowId xmlns:a16="http://schemas.microsoft.com/office/drawing/2014/main" val="10002"/>
+                  </a:ext>
+                </a:extLst>
               </a:tr>
               <a:tr h="1053578">
                 <a:tc>
@@ -31448,11 +30421,11 @@
                         <a:buChar char="ü"/>
                       </a:pPr>
                       <a:r>
-                        <a:rPr lang="fr-FR" sz="1800" dirty="0" smtClean="0"/>
+                        <a:rPr lang="fr-FR" sz="1800" dirty="0"/>
                         <a:t> </a:t>
                       </a:r>
                       <a:r>
-                        <a:rPr lang="en-US" sz="1800" b="0" kern="1200" dirty="0" smtClean="0">
+                        <a:rPr lang="en-US" sz="1800" b="0" kern="1200" dirty="0">
                           <a:solidFill>
                             <a:schemeClr val="dk1"/>
                           </a:solidFill>
@@ -31462,18 +30435,15 @@
                         </a:rPr>
                         <a:t>Alongside, it will also provide the much required career path for this team with niche/ unique skills and support retention of team members within the group. </a:t>
                       </a:r>
-                      <a:endParaRPr lang="en-US" sz="1800" b="0" kern="1200" dirty="0" smtClean="0">
-                        <a:solidFill>
-                          <a:schemeClr val="dk1"/>
-                        </a:solidFill>
-                        <a:latin typeface="+mn-lt"/>
-                        <a:ea typeface="+mn-ea"/>
-                        <a:cs typeface="+mn-cs"/>
-                      </a:endParaRPr>
                     </a:p>
                   </a:txBody>
                   <a:tcPr marL="91461" marR="91461" marT="45731" marB="45731" anchor="ctr"/>
                 </a:tc>
+                <a:extLst>
+                  <a:ext uri="{0D108BD9-81ED-4DB2-BD59-A6C34878D82A}">
+                    <a16:rowId xmlns:a16="http://schemas.microsoft.com/office/drawing/2014/main" val="10003"/>
+                  </a:ext>
+                </a:extLst>
               </a:tr>
             </a:tbl>
           </a:graphicData>
@@ -31497,13 +30467,22 @@
           <a:lstStyle/>
           <a:p>
             <a:r>
-              <a:rPr lang="en-IN" sz="2400" dirty="0" smtClean="0">
+              <a:rPr lang="en-IN" sz="2400" dirty="0">
                 <a:solidFill>
                   <a:srgbClr val="00B050"/>
                 </a:solidFill>
                 <a:latin typeface="Calibri" panose="020F0502020204030204" pitchFamily="34" charset="0"/>
               </a:rPr>
-              <a:t>In Brief</a:t>
+              <a:t>In Brief </a:t>
+            </a:r>
+            <a:r>
+              <a:rPr lang="en-IN" sz="2400">
+                <a:solidFill>
+                  <a:srgbClr val="00B050"/>
+                </a:solidFill>
+                <a:latin typeface="Calibri" panose="020F0502020204030204" pitchFamily="34" charset="0"/>
+              </a:rPr>
+              <a:t>- Explanations</a:t>
             </a:r>
             <a:endParaRPr lang="en-US" sz="2400" dirty="0"/>
           </a:p>
@@ -31971,13 +30950,6 @@
       </p:transition>
     </mc:Fallback>
   </mc:AlternateContent>
-  <p:timing>
-    <p:tnLst>
-      <p:par>
-        <p:cTn id="1" dur="indefinite" restart="never" nodeType="tmRoot"/>
-      </p:par>
-    </p:tnLst>
-  </p:timing>
 </p:sld>
 </file>
 
@@ -32024,7 +30996,13 @@
                 <a:tableStyleId>{00A15C55-8517-42AA-B614-E9B94910E393}</a:tableStyleId>
               </a:tblPr>
               <a:tblGrid>
-                <a:gridCol w="11054516"/>
+                <a:gridCol w="11054516">
+                  <a:extLst>
+                    <a:ext uri="{9D8B030D-6E8A-4147-A177-3AD203B41FA5}">
+                      <a16:colId xmlns:a16="http://schemas.microsoft.com/office/drawing/2014/main" val="20000"/>
+                    </a:ext>
+                  </a:extLst>
+                </a:gridCol>
               </a:tblGrid>
               <a:tr h="1052293">
                 <a:tc>
@@ -32050,7 +31028,7 @@
                         <a:defRPr/>
                       </a:pPr>
                       <a:r>
-                        <a:rPr lang="fr-FR" sz="1800" b="0" kern="1200" dirty="0" smtClean="0">
+                        <a:rPr lang="fr-FR" sz="1800" b="0" kern="1200" dirty="0">
                           <a:solidFill>
                             <a:schemeClr val="dk1"/>
                           </a:solidFill>
@@ -32060,7 +31038,7 @@
                         </a:rPr>
                         <a:t> Application Infrastructure Management </a:t>
                       </a:r>
-                      <a:endParaRPr lang="en-IE" sz="1800" b="0" kern="1200" dirty="0" smtClean="0">
+                      <a:endParaRPr lang="en-IE" sz="1800" b="0" kern="1200" dirty="0">
                         <a:solidFill>
                           <a:schemeClr val="dk1"/>
                         </a:solidFill>
@@ -32076,6 +31054,11 @@
                     </a:solidFill>
                   </a:tcPr>
                 </a:tc>
+                <a:extLst>
+                  <a:ext uri="{0D108BD9-81ED-4DB2-BD59-A6C34878D82A}">
+                    <a16:rowId xmlns:a16="http://schemas.microsoft.com/office/drawing/2014/main" val="10000"/>
+                  </a:ext>
+                </a:extLst>
               </a:tr>
               <a:tr h="1132609">
                 <a:tc>
@@ -32088,7 +31071,7 @@
                         <a:buChar char="ü"/>
                       </a:pPr>
                       <a:r>
-                        <a:rPr lang="fr-FR" sz="1800" dirty="0" smtClean="0"/>
+                        <a:rPr lang="fr-FR" sz="1800" dirty="0"/>
                         <a:t> Release management </a:t>
                       </a:r>
                       <a:endParaRPr lang="en-US" sz="1800" dirty="0">
@@ -32098,6 +31081,11 @@
                   </a:txBody>
                   <a:tcPr marL="91461" marR="91461" marT="45731" marB="45731" anchor="ctr"/>
                 </a:tc>
+                <a:extLst>
+                  <a:ext uri="{0D108BD9-81ED-4DB2-BD59-A6C34878D82A}">
+                    <a16:rowId xmlns:a16="http://schemas.microsoft.com/office/drawing/2014/main" val="10001"/>
+                  </a:ext>
+                </a:extLst>
               </a:tr>
               <a:tr h="987137">
                 <a:tc>
@@ -32110,10 +31098,10 @@
                         <a:buChar char="ü"/>
                       </a:pPr>
                       <a:r>
-                        <a:rPr lang="fr-FR" sz="1800" kern="1200" dirty="0" smtClean="0"/>
+                        <a:rPr lang="fr-FR" sz="1800" kern="1200" dirty="0"/>
                         <a:t> Configuration management </a:t>
                       </a:r>
-                      <a:endParaRPr lang="en-IN" sz="1800" kern="1200" dirty="0" smtClean="0">
+                      <a:endParaRPr lang="en-IN" sz="1800" kern="1200" dirty="0">
                         <a:solidFill>
                           <a:schemeClr val="dk1"/>
                         </a:solidFill>
@@ -32125,6 +31113,11 @@
                   </a:txBody>
                   <a:tcPr marL="91461" marR="91461" marT="45731" marB="45731" anchor="ctr"/>
                 </a:tc>
+                <a:extLst>
+                  <a:ext uri="{0D108BD9-81ED-4DB2-BD59-A6C34878D82A}">
+                    <a16:rowId xmlns:a16="http://schemas.microsoft.com/office/drawing/2014/main" val="10002"/>
+                  </a:ext>
+                </a:extLst>
               </a:tr>
               <a:tr h="945572">
                 <a:tc>
@@ -32137,14 +31130,19 @@
                         <a:buChar char="ü"/>
                       </a:pPr>
                       <a:r>
-                        <a:rPr lang="fr-FR" sz="1800" dirty="0" smtClean="0"/>
+                        <a:rPr lang="fr-FR" sz="1800" dirty="0"/>
                         <a:t> Production Support </a:t>
                       </a:r>
-                      <a:endParaRPr lang="en-US" sz="1800" dirty="0" smtClean="0"/>
+                      <a:endParaRPr lang="en-US" sz="1800" dirty="0"/>
                     </a:p>
                   </a:txBody>
                   <a:tcPr marL="91461" marR="91461" marT="45731" marB="45731" anchor="ctr"/>
                 </a:tc>
+                <a:extLst>
+                  <a:ext uri="{0D108BD9-81ED-4DB2-BD59-A6C34878D82A}">
+                    <a16:rowId xmlns:a16="http://schemas.microsoft.com/office/drawing/2014/main" val="10003"/>
+                  </a:ext>
+                </a:extLst>
               </a:tr>
               <a:tr h="966355">
                 <a:tc>
@@ -32157,7 +31155,7 @@
                         <a:buChar char="ü"/>
                       </a:pPr>
                       <a:r>
-                        <a:rPr lang="fr-FR" sz="1800" kern="1200" dirty="0" smtClean="0">
+                        <a:rPr lang="fr-FR" sz="1800" kern="1200" dirty="0">
                           <a:solidFill>
                             <a:schemeClr val="dk1"/>
                           </a:solidFill>
@@ -32167,7 +31165,7 @@
                         </a:rPr>
                         <a:t> IT Security Services</a:t>
                       </a:r>
-                      <a:endParaRPr lang="en-US" sz="1800" kern="1200" dirty="0" smtClean="0">
+                      <a:endParaRPr lang="en-US" sz="1800" kern="1200" dirty="0">
                         <a:solidFill>
                           <a:schemeClr val="dk1"/>
                         </a:solidFill>
@@ -32179,6 +31177,11 @@
                   </a:txBody>
                   <a:tcPr marL="91461" marR="91461" marT="45731" marB="45731" anchor="ctr"/>
                 </a:tc>
+                <a:extLst>
+                  <a:ext uri="{0D108BD9-81ED-4DB2-BD59-A6C34878D82A}">
+                    <a16:rowId xmlns:a16="http://schemas.microsoft.com/office/drawing/2014/main" val="10004"/>
+                  </a:ext>
+                </a:extLst>
               </a:tr>
             </a:tbl>
           </a:graphicData>
@@ -32202,7 +31205,7 @@
           <a:lstStyle/>
           <a:p>
             <a:r>
-              <a:rPr lang="en-IN" sz="2400" dirty="0" smtClean="0">
+              <a:rPr lang="en-IN" sz="2400" dirty="0">
                 <a:solidFill>
                   <a:srgbClr val="00B050"/>
                 </a:solidFill>
@@ -32676,13 +31679,6 @@
       </p:transition>
     </mc:Fallback>
   </mc:AlternateContent>
-  <p:timing>
-    <p:tnLst>
-      <p:par>
-        <p:cTn id="1" dur="indefinite" restart="never" nodeType="tmRoot"/>
-      </p:par>
-    </p:tnLst>
-  </p:timing>
 </p:sld>
 </file>
 
@@ -32763,8 +31759,20 @@
                 <a:tableStyleId>{00A15C55-8517-42AA-B614-E9B94910E393}</a:tableStyleId>
               </a:tblPr>
               <a:tblGrid>
-                <a:gridCol w="7459262"/>
-                <a:gridCol w="3564082"/>
+                <a:gridCol w="7459262">
+                  <a:extLst>
+                    <a:ext uri="{9D8B030D-6E8A-4147-A177-3AD203B41FA5}">
+                      <a16:colId xmlns:a16="http://schemas.microsoft.com/office/drawing/2014/main" val="20000"/>
+                    </a:ext>
+                  </a:extLst>
+                </a:gridCol>
+                <a:gridCol w="3564082">
+                  <a:extLst>
+                    <a:ext uri="{9D8B030D-6E8A-4147-A177-3AD203B41FA5}">
+                      <a16:colId xmlns:a16="http://schemas.microsoft.com/office/drawing/2014/main" val="20001"/>
+                    </a:ext>
+                  </a:extLst>
+                </a:gridCol>
               </a:tblGrid>
               <a:tr h="921091">
                 <a:tc gridSpan="2">
@@ -32774,7 +31782,7 @@
                     <a:p>
                       <a:pPr algn="l"/>
                       <a:r>
-                        <a:rPr lang="en-IN" sz="1400" dirty="0" smtClean="0"/>
+                        <a:rPr lang="en-IN" sz="1400" dirty="0"/>
                         <a:t>Description – </a:t>
                       </a:r>
                     </a:p>
@@ -32794,6 +31802,11 @@
                   </a:txBody>
                   <a:tcPr anchor="ctr"/>
                 </a:tc>
+                <a:extLst>
+                  <a:ext uri="{0D108BD9-81ED-4DB2-BD59-A6C34878D82A}">
+                    <a16:rowId xmlns:a16="http://schemas.microsoft.com/office/drawing/2014/main" val="10000"/>
+                  </a:ext>
+                </a:extLst>
               </a:tr>
               <a:tr h="1207691">
                 <a:tc>
@@ -32806,29 +31819,14 @@
                         <a:buChar char="•"/>
                       </a:pPr>
                       <a:r>
-                        <a:rPr lang="en-US" sz="1200" dirty="0" smtClean="0">
+                        <a:rPr lang="en-US" sz="1200" dirty="0">
                           <a:solidFill>
                             <a:schemeClr val="tx1"/>
                           </a:solidFill>
                           <a:latin typeface="Calibri" panose="020F0502020204030204" pitchFamily="34" charset="0"/>
                         </a:rPr>
-                        <a:t>Application infrastructure, comprised of application servers, web servers, and often database servers, is a core component in most network </a:t>
+                        <a:t>Application infrastructure, comprised of application servers, web servers, and often database servers, is a core component in most network architectures.</a:t>
                       </a:r>
-                      <a:r>
-                        <a:rPr lang="en-US" sz="1200" dirty="0" smtClean="0">
-                          <a:solidFill>
-                            <a:schemeClr val="tx1"/>
-                          </a:solidFill>
-                          <a:latin typeface="Calibri" panose="020F0502020204030204" pitchFamily="34" charset="0"/>
-                        </a:rPr>
-                        <a:t>architectures.</a:t>
-                      </a:r>
-                      <a:endParaRPr lang="en-US" sz="1200" dirty="0" smtClean="0">
-                        <a:solidFill>
-                          <a:schemeClr val="tx1"/>
-                        </a:solidFill>
-                        <a:latin typeface="Calibri" panose="020F0502020204030204" pitchFamily="34" charset="0"/>
-                      </a:endParaRPr>
                     </a:p>
                   </a:txBody>
                   <a:tcPr marL="91461" marR="91461" marT="45731" marB="45731" anchor="ctr"/>
@@ -32843,6 +31841,11 @@
                   </a:txBody>
                   <a:tcPr marL="91461" marR="91461" marT="45731" marB="45731"/>
                 </a:tc>
+                <a:extLst>
+                  <a:ext uri="{0D108BD9-81ED-4DB2-BD59-A6C34878D82A}">
+                    <a16:rowId xmlns:a16="http://schemas.microsoft.com/office/drawing/2014/main" val="10001"/>
+                  </a:ext>
+                </a:extLst>
               </a:tr>
               <a:tr h="1610451">
                 <a:tc>
@@ -32855,7 +31858,7 @@
                         <a:buChar char="•"/>
                       </a:pPr>
                       <a:r>
-                        <a:rPr lang="en-US" sz="1200" dirty="0" smtClean="0">
+                        <a:rPr lang="en-US" sz="1200" dirty="0">
                           <a:solidFill>
                             <a:schemeClr val="tx1"/>
                           </a:solidFill>
@@ -32877,6 +31880,11 @@
                   </a:txBody>
                   <a:tcPr/>
                 </a:tc>
+                <a:extLst>
+                  <a:ext uri="{0D108BD9-81ED-4DB2-BD59-A6C34878D82A}">
+                    <a16:rowId xmlns:a16="http://schemas.microsoft.com/office/drawing/2014/main" val="10002"/>
+                  </a:ext>
+                </a:extLst>
               </a:tr>
               <a:tr h="1549217">
                 <a:tc>
@@ -32889,7 +31897,7 @@
                         <a:buChar char="•"/>
                       </a:pPr>
                       <a:r>
-                        <a:rPr lang="en-US" sz="1200" dirty="0" smtClean="0">
+                        <a:rPr lang="en-US" sz="1200" dirty="0">
                           <a:solidFill>
                             <a:schemeClr val="tx1"/>
                           </a:solidFill>
@@ -32897,12 +31905,6 @@
                         </a:rPr>
                         <a:t>Allow organizations to integrate, manipulate and deliver data from a variety of backend solutions including databases, web based applications, and web-enabled legacy applications</a:t>
                       </a:r>
-                      <a:endParaRPr lang="en-US" sz="1200" dirty="0">
-                        <a:solidFill>
-                          <a:schemeClr val="tx1"/>
-                        </a:solidFill>
-                        <a:latin typeface="Calibri" panose="020F0502020204030204" pitchFamily="34" charset="0"/>
-                      </a:endParaRPr>
                     </a:p>
                   </a:txBody>
                   <a:tcPr marL="91461" marR="91461" marT="45731" marB="45731" anchor="ctr"/>
@@ -32917,6 +31919,11 @@
                   </a:txBody>
                   <a:tcPr/>
                 </a:tc>
+                <a:extLst>
+                  <a:ext uri="{0D108BD9-81ED-4DB2-BD59-A6C34878D82A}">
+                    <a16:rowId xmlns:a16="http://schemas.microsoft.com/office/drawing/2014/main" val="10003"/>
+                  </a:ext>
+                </a:extLst>
               </a:tr>
             </a:tbl>
           </a:graphicData>
@@ -32967,7 +31974,7 @@
               </a:spcAft>
             </a:pPr>
             <a:r>
-              <a:rPr lang="en-IN" sz="1400" b="1" dirty="0" smtClean="0">
+              <a:rPr lang="en-IN" sz="1400" b="1" dirty="0">
                 <a:ln/>
                 <a:solidFill>
                   <a:srgbClr val="359B4C"/>
@@ -33020,13 +32027,6 @@
   <p:clrMapOvr>
     <a:masterClrMapping/>
   </p:clrMapOvr>
-  <p:timing>
-    <p:tnLst>
-      <p:par>
-        <p:cTn id="1" dur="indefinite" restart="never" nodeType="tmRoot"/>
-      </p:par>
-    </p:tnLst>
-  </p:timing>
 </p:sld>
 </file>
 
@@ -33070,7 +32070,7 @@
           <a:lstStyle/>
           <a:p>
             <a:r>
-              <a:rPr lang="fr-FR" sz="2800" dirty="0" smtClean="0">
+              <a:rPr lang="fr-FR" sz="2800" dirty="0">
                 <a:solidFill>
                   <a:srgbClr val="00B050"/>
                 </a:solidFill>
@@ -33112,8 +32112,20 @@
                 <a:tableStyleId>{00A15C55-8517-42AA-B614-E9B94910E393}</a:tableStyleId>
               </a:tblPr>
               <a:tblGrid>
-                <a:gridCol w="8177645"/>
-                <a:gridCol w="3190009"/>
+                <a:gridCol w="8177645">
+                  <a:extLst>
+                    <a:ext uri="{9D8B030D-6E8A-4147-A177-3AD203B41FA5}">
+                      <a16:colId xmlns:a16="http://schemas.microsoft.com/office/drawing/2014/main" val="20000"/>
+                    </a:ext>
+                  </a:extLst>
+                </a:gridCol>
+                <a:gridCol w="3190009">
+                  <a:extLst>
+                    <a:ext uri="{9D8B030D-6E8A-4147-A177-3AD203B41FA5}">
+                      <a16:colId xmlns:a16="http://schemas.microsoft.com/office/drawing/2014/main" val="20001"/>
+                    </a:ext>
+                  </a:extLst>
+                </a:gridCol>
               </a:tblGrid>
               <a:tr h="888076">
                 <a:tc gridSpan="2">
@@ -33123,19 +32135,16 @@
                     <a:p>
                       <a:pPr algn="l"/>
                       <a:r>
-                        <a:rPr lang="en-IN" sz="1600" dirty="0" smtClean="0">
+                        <a:rPr lang="en-IN" sz="1600" dirty="0">
                           <a:latin typeface="Calibri" panose="020F0502020204030204" pitchFamily="34" charset="0"/>
                         </a:rPr>
                         <a:t>Description –  </a:t>
                       </a:r>
-                      <a:endParaRPr lang="en-IN" sz="1600" dirty="0" smtClean="0">
-                        <a:latin typeface="Calibri" panose="020F0502020204030204" pitchFamily="34" charset="0"/>
-                      </a:endParaRPr>
                     </a:p>
                     <a:p>
                       <a:pPr algn="l"/>
                       <a:r>
-                        <a:rPr lang="en-US" sz="1400" b="0" i="0" kern="1200" dirty="0" smtClean="0">
+                        <a:rPr lang="en-US" sz="1400" b="0" i="0" kern="1200" dirty="0">
                           <a:solidFill>
                             <a:schemeClr val="lt1"/>
                           </a:solidFill>
@@ -33146,7 +32155,7 @@
                         </a:rPr>
                         <a:t>A Service Request is a user request for a standard change (a pre-approved change that is low risk, relatively common and follows a procedure) or for access to an IT service.</a:t>
                       </a:r>
-                      <a:endParaRPr lang="en-IN" sz="1000" dirty="0" smtClean="0">
+                      <a:endParaRPr lang="en-IN" sz="1000" dirty="0">
                         <a:latin typeface="Calibri" panose="020F0502020204030204" pitchFamily="34" charset="0"/>
                       </a:endParaRPr>
                     </a:p>
@@ -33166,6 +32175,11 @@
                   </a:txBody>
                   <a:tcPr anchor="ctr"/>
                 </a:tc>
+                <a:extLst>
+                  <a:ext uri="{0D108BD9-81ED-4DB2-BD59-A6C34878D82A}">
+                    <a16:rowId xmlns:a16="http://schemas.microsoft.com/office/drawing/2014/main" val="10000"/>
+                  </a:ext>
+                </a:extLst>
               </a:tr>
               <a:tr h="1164404">
                 <a:tc>
@@ -33178,30 +32192,26 @@
                         <a:buChar char="•"/>
                       </a:pPr>
                       <a:r>
-                        <a:rPr lang="en-US" sz="1200" b="1" dirty="0" smtClean="0">
+                        <a:rPr lang="en-US" sz="1200" b="1" dirty="0">
                           <a:latin typeface="Calibri" panose="020F0502020204030204" pitchFamily="34" charset="0"/>
                           <a:cs typeface="Times New Roman" panose="02020603050405020304" pitchFamily="18" charset="0"/>
                         </a:rPr>
                         <a:t>Service Request </a:t>
                       </a:r>
                       <a:r>
-                        <a:rPr lang="en-US" sz="1100" b="1" dirty="0" smtClean="0">
+                        <a:rPr lang="en-US" sz="1100" b="1" dirty="0">
                           <a:latin typeface="Calibri" panose="020F0502020204030204" pitchFamily="34" charset="0"/>
                           <a:cs typeface="Times New Roman" panose="02020603050405020304" pitchFamily="18" charset="0"/>
                         </a:rPr>
                         <a:t>- </a:t>
                       </a:r>
                       <a:r>
-                        <a:rPr lang="en-US" sz="1200" dirty="0" smtClean="0">
+                        <a:rPr lang="en-US" sz="1200" dirty="0">
                           <a:latin typeface="Calibri" panose="020F0502020204030204" pitchFamily="34" charset="0"/>
                           <a:cs typeface="Times New Roman" panose="02020603050405020304" pitchFamily="18" charset="0"/>
                         </a:rPr>
                         <a:t>Service request is the one which is received directly from the business. Any enhancement to the application comes under this bucket and client is charged for the same based on our estimates.</a:t>
                       </a:r>
-                      <a:endParaRPr lang="en-US" sz="1200" dirty="0" smtClean="0">
-                        <a:latin typeface="Calibri" panose="020F0502020204030204" pitchFamily="34" charset="0"/>
-                        <a:cs typeface="Times New Roman" panose="02020603050405020304" pitchFamily="18" charset="0"/>
-                      </a:endParaRPr>
                     </a:p>
                   </a:txBody>
                   <a:tcPr marL="91461" marR="91461" marT="45731" marB="45731" anchor="ctr"/>
@@ -33218,6 +32228,11 @@
                   </a:txBody>
                   <a:tcPr marL="91461" marR="91461" marT="45731" marB="45731"/>
                 </a:tc>
+                <a:extLst>
+                  <a:ext uri="{0D108BD9-81ED-4DB2-BD59-A6C34878D82A}">
+                    <a16:rowId xmlns:a16="http://schemas.microsoft.com/office/drawing/2014/main" val="10001"/>
+                  </a:ext>
+                </a:extLst>
               </a:tr>
               <a:tr h="1808846">
                 <a:tc>
@@ -33230,21 +32245,21 @@
                         <a:buChar char="•"/>
                       </a:pPr>
                       <a:r>
-                        <a:rPr lang="en-US" sz="1200" b="1" dirty="0" smtClean="0">
+                        <a:rPr lang="en-US" sz="1200" b="1" dirty="0">
                           <a:latin typeface="Calibri" panose="020F0502020204030204" pitchFamily="34" charset="0"/>
                           <a:cs typeface="Times New Roman" panose="02020603050405020304" pitchFamily="18" charset="0"/>
                         </a:rPr>
                         <a:t>Problem Request </a:t>
                       </a:r>
                       <a:r>
-                        <a:rPr lang="en-US" sz="1100" b="1" dirty="0" smtClean="0">
+                        <a:rPr lang="en-US" sz="1100" b="1" dirty="0">
                           <a:latin typeface="Calibri" panose="020F0502020204030204" pitchFamily="34" charset="0"/>
                           <a:cs typeface="Times New Roman" panose="02020603050405020304" pitchFamily="18" charset="0"/>
                         </a:rPr>
                         <a:t>– </a:t>
                       </a:r>
                       <a:r>
-                        <a:rPr lang="en-US" sz="1200" dirty="0" smtClean="0">
+                        <a:rPr lang="en-US" sz="1200" dirty="0">
                           <a:latin typeface="Calibri" panose="020F0502020204030204" pitchFamily="34" charset="0"/>
                           <a:cs typeface="Times New Roman" panose="02020603050405020304" pitchFamily="18" charset="0"/>
                         </a:rPr>
@@ -33257,7 +32272,7 @@
                         <a:buChar char="•"/>
                       </a:pPr>
                       <a:r>
-                        <a:rPr lang="en-US" sz="1200" kern="1200" dirty="0" smtClean="0">
+                        <a:rPr lang="en-US" sz="1200" kern="1200" dirty="0">
                           <a:solidFill>
                             <a:schemeClr val="dk1"/>
                           </a:solidFill>
@@ -33274,7 +32289,7 @@
                         <a:buChar char="•"/>
                       </a:pPr>
                       <a:r>
-                        <a:rPr lang="en-US" sz="1200" kern="1200" dirty="0" smtClean="0">
+                        <a:rPr lang="en-US" sz="1200" kern="1200" dirty="0">
                           <a:solidFill>
                             <a:schemeClr val="dk1"/>
                           </a:solidFill>
@@ -33291,7 +32306,7 @@
                         <a:buChar char="•"/>
                       </a:pPr>
                       <a:r>
-                        <a:rPr lang="en-US" sz="1200" kern="1200" dirty="0" smtClean="0">
+                        <a:rPr lang="en-US" sz="1200" kern="1200" dirty="0">
                           <a:solidFill>
                             <a:schemeClr val="dk1"/>
                           </a:solidFill>
@@ -33308,7 +32323,7 @@
                         <a:buChar char="•"/>
                       </a:pPr>
                       <a:r>
-                        <a:rPr lang="en-US" sz="1200" kern="1200" dirty="0" smtClean="0">
+                        <a:rPr lang="en-US" sz="1200" kern="1200" dirty="0">
                           <a:solidFill>
                             <a:schemeClr val="dk1"/>
                           </a:solidFill>
@@ -33325,7 +32340,7 @@
                         <a:buChar char="•"/>
                       </a:pPr>
                       <a:r>
-                        <a:rPr lang="en-US" sz="1200" kern="1200" dirty="0" smtClean="0">
+                        <a:rPr lang="en-US" sz="1200" kern="1200" dirty="0">
                           <a:solidFill>
                             <a:schemeClr val="dk1"/>
                           </a:solidFill>
@@ -33341,7 +32356,7 @@
                         <a:buFont typeface="Arial" panose="020B0604020202020204" pitchFamily="34" charset="0"/>
                         <a:buChar char="•"/>
                       </a:pPr>
-                      <a:endParaRPr lang="en-US" sz="1100" dirty="0" smtClean="0">
+                      <a:endParaRPr lang="en-US" sz="1100" dirty="0">
                         <a:latin typeface="Calibri" panose="020F0502020204030204" pitchFamily="34" charset="0"/>
                         <a:cs typeface="Times New Roman" panose="02020603050405020304" pitchFamily="18" charset="0"/>
                       </a:endParaRPr>
@@ -33359,6 +32374,11 @@
                   </a:txBody>
                   <a:tcPr/>
                 </a:tc>
+                <a:extLst>
+                  <a:ext uri="{0D108BD9-81ED-4DB2-BD59-A6C34878D82A}">
+                    <a16:rowId xmlns:a16="http://schemas.microsoft.com/office/drawing/2014/main" val="10002"/>
+                  </a:ext>
+                </a:extLst>
               </a:tr>
               <a:tr h="1402773">
                 <a:tc>
@@ -33371,21 +32391,21 @@
                         <a:buChar char="•"/>
                       </a:pPr>
                       <a:r>
-                        <a:rPr lang="en-US" sz="1200" b="1" dirty="0" smtClean="0">
+                        <a:rPr lang="en-US" sz="1200" b="1" dirty="0">
                           <a:latin typeface="Calibri" panose="020F0502020204030204" pitchFamily="34" charset="0"/>
                           <a:cs typeface="Times New Roman" panose="02020603050405020304" pitchFamily="18" charset="0"/>
                         </a:rPr>
                         <a:t>Operational Request </a:t>
                       </a:r>
                       <a:r>
-                        <a:rPr lang="en-US" sz="1100" b="1" dirty="0" smtClean="0">
+                        <a:rPr lang="en-US" sz="1100" b="1" dirty="0">
                           <a:latin typeface="Calibri" panose="020F0502020204030204" pitchFamily="34" charset="0"/>
                           <a:cs typeface="Times New Roman" panose="02020603050405020304" pitchFamily="18" charset="0"/>
                         </a:rPr>
                         <a:t>- </a:t>
                       </a:r>
                       <a:r>
-                        <a:rPr lang="en-US" sz="1200" dirty="0" smtClean="0">
+                        <a:rPr lang="en-US" sz="1200" dirty="0">
                           <a:latin typeface="Calibri" panose="020F0502020204030204" pitchFamily="34" charset="0"/>
                           <a:cs typeface="Times New Roman" panose="02020603050405020304" pitchFamily="18" charset="0"/>
                         </a:rPr>
@@ -33398,7 +32418,7 @@
                         <a:buChar char="•"/>
                       </a:pPr>
                       <a:r>
-                        <a:rPr lang="en-US" sz="1200" kern="1200" dirty="0" smtClean="0">
+                        <a:rPr lang="en-US" sz="1200" kern="1200" dirty="0">
                           <a:solidFill>
                             <a:schemeClr val="dk1"/>
                           </a:solidFill>
@@ -33415,7 +32435,7 @@
                         <a:buChar char="•"/>
                       </a:pPr>
                       <a:r>
-                        <a:rPr lang="en-US" sz="1200" kern="1200" dirty="0" smtClean="0">
+                        <a:rPr lang="en-US" sz="1200" kern="1200" dirty="0">
                           <a:solidFill>
                             <a:schemeClr val="dk1"/>
                           </a:solidFill>
@@ -33449,6 +32469,11 @@
                   </a:txBody>
                   <a:tcPr/>
                 </a:tc>
+                <a:extLst>
+                  <a:ext uri="{0D108BD9-81ED-4DB2-BD59-A6C34878D82A}">
+                    <a16:rowId xmlns:a16="http://schemas.microsoft.com/office/drawing/2014/main" val="10003"/>
+                  </a:ext>
+                </a:extLst>
               </a:tr>
             </a:tbl>
           </a:graphicData>
@@ -33574,13 +32599,6 @@
   <p:clrMapOvr>
     <a:masterClrMapping/>
   </p:clrMapOvr>
-  <p:timing>
-    <p:tnLst>
-      <p:par>
-        <p:cTn id="1" dur="indefinite" restart="never" nodeType="tmRoot"/>
-      </p:par>
-    </p:tnLst>
-  </p:timing>
 </p:sld>
 </file>
 
@@ -33624,7 +32642,7 @@
           <a:lstStyle/>
           <a:p>
             <a:r>
-              <a:rPr lang="fr-FR" sz="2800" dirty="0" smtClean="0">
+              <a:rPr lang="fr-FR" sz="2800" dirty="0">
                 <a:solidFill>
                   <a:srgbClr val="00B050"/>
                 </a:solidFill>
@@ -33666,7 +32684,13 @@
                 <a:tableStyleId>{00A15C55-8517-42AA-B614-E9B94910E393}</a:tableStyleId>
               </a:tblPr>
               <a:tblGrid>
-                <a:gridCol w="11336481"/>
+                <a:gridCol w="11336481">
+                  <a:extLst>
+                    <a:ext uri="{9D8B030D-6E8A-4147-A177-3AD203B41FA5}">
+                      <a16:colId xmlns:a16="http://schemas.microsoft.com/office/drawing/2014/main" val="20000"/>
+                    </a:ext>
+                  </a:extLst>
+                </a:gridCol>
               </a:tblGrid>
               <a:tr h="906497">
                 <a:tc>
@@ -33676,19 +32700,16 @@
                     <a:p>
                       <a:pPr algn="l"/>
                       <a:r>
-                        <a:rPr lang="en-IN" sz="1600" dirty="0" smtClean="0">
+                        <a:rPr lang="en-IN" sz="1600" dirty="0">
                           <a:latin typeface="Calibri" panose="020F0502020204030204" pitchFamily="34" charset="0"/>
                         </a:rPr>
                         <a:t>Description –  </a:t>
                       </a:r>
-                      <a:endParaRPr lang="en-IN" sz="1600" dirty="0" smtClean="0">
-                        <a:latin typeface="Calibri" panose="020F0502020204030204" pitchFamily="34" charset="0"/>
-                      </a:endParaRPr>
                     </a:p>
                     <a:p>
                       <a:pPr algn="l"/>
                       <a:r>
-                        <a:rPr lang="en-US" sz="1400" b="0" i="0" kern="1200" dirty="0" smtClean="0">
+                        <a:rPr lang="en-US" sz="1400" b="0" i="0" kern="1200" dirty="0">
                           <a:solidFill>
                             <a:schemeClr val="lt1"/>
                           </a:solidFill>
@@ -33699,13 +32720,18 @@
                         </a:rPr>
                         <a:t>Manages application configurations and administration</a:t>
                       </a:r>
-                      <a:endParaRPr lang="en-IN" sz="1000" dirty="0" smtClean="0">
+                      <a:endParaRPr lang="en-IN" sz="1000" dirty="0">
                         <a:latin typeface="Calibri" panose="020F0502020204030204" pitchFamily="34" charset="0"/>
                       </a:endParaRPr>
                     </a:p>
                   </a:txBody>
                   <a:tcPr marL="91461" marR="91461" marT="45731" marB="45731" anchor="ctr"/>
                 </a:tc>
+                <a:extLst>
+                  <a:ext uri="{0D108BD9-81ED-4DB2-BD59-A6C34878D82A}">
+                    <a16:rowId xmlns:a16="http://schemas.microsoft.com/office/drawing/2014/main" val="10000"/>
+                  </a:ext>
+                </a:extLst>
               </a:tr>
               <a:tr h="701505">
                 <a:tc>
@@ -33718,7 +32744,7 @@
                         <a:buChar char="•"/>
                       </a:pPr>
                       <a:r>
-                        <a:rPr lang="en-US" sz="1200" kern="1200" dirty="0" smtClean="0">
+                        <a:rPr lang="en-US" sz="1200" kern="1200" dirty="0">
                           <a:solidFill>
                             <a:schemeClr val="dk1"/>
                           </a:solidFill>
@@ -33728,18 +32754,15 @@
                         </a:rPr>
                         <a:t>WebSphere Administration Services </a:t>
                       </a:r>
-                      <a:endParaRPr lang="en-US" sz="1200" kern="1200" dirty="0" smtClean="0">
-                        <a:solidFill>
-                          <a:schemeClr val="dk1"/>
-                        </a:solidFill>
-                        <a:latin typeface="Calibri" panose="020F0502020204030204" pitchFamily="34" charset="0"/>
-                        <a:ea typeface="+mn-ea"/>
-                        <a:cs typeface="Times New Roman" panose="02020603050405020304" pitchFamily="18" charset="0"/>
-                      </a:endParaRPr>
                     </a:p>
                   </a:txBody>
                   <a:tcPr marL="91461" marR="91461" marT="45731" marB="45731" anchor="ctr"/>
                 </a:tc>
+                <a:extLst>
+                  <a:ext uri="{0D108BD9-81ED-4DB2-BD59-A6C34878D82A}">
+                    <a16:rowId xmlns:a16="http://schemas.microsoft.com/office/drawing/2014/main" val="10001"/>
+                  </a:ext>
+                </a:extLst>
               </a:tr>
               <a:tr h="646994">
                 <a:tc>
@@ -33752,7 +32775,7 @@
                         <a:buChar char="•"/>
                       </a:pPr>
                       <a:r>
-                        <a:rPr lang="en-US" sz="1200" kern="1200" dirty="0" smtClean="0">
+                        <a:rPr lang="en-US" sz="1200" kern="1200" dirty="0">
                           <a:solidFill>
                             <a:schemeClr val="dk1"/>
                           </a:solidFill>
@@ -33762,18 +32785,15 @@
                         </a:rPr>
                         <a:t>IBM DB2 LUW Administration Services (Application &amp; System) </a:t>
                       </a:r>
-                      <a:endParaRPr lang="en-US" sz="1200" kern="1200" dirty="0" smtClean="0">
-                        <a:solidFill>
-                          <a:schemeClr val="dk1"/>
-                        </a:solidFill>
-                        <a:latin typeface="Calibri" panose="020F0502020204030204" pitchFamily="34" charset="0"/>
-                        <a:ea typeface="+mn-ea"/>
-                        <a:cs typeface="Times New Roman" panose="02020603050405020304" pitchFamily="18" charset="0"/>
-                      </a:endParaRPr>
                     </a:p>
                   </a:txBody>
                   <a:tcPr marL="91461" marR="91461" marT="45731" marB="45731" anchor="ctr"/>
                 </a:tc>
+                <a:extLst>
+                  <a:ext uri="{0D108BD9-81ED-4DB2-BD59-A6C34878D82A}">
+                    <a16:rowId xmlns:a16="http://schemas.microsoft.com/office/drawing/2014/main" val="10002"/>
+                  </a:ext>
+                </a:extLst>
               </a:tr>
               <a:tr h="646993">
                 <a:tc>
@@ -33786,7 +32806,7 @@
                         <a:buChar char="•"/>
                       </a:pPr>
                       <a:r>
-                        <a:rPr lang="en-US" sz="1200" kern="1200" dirty="0" smtClean="0">
+                        <a:rPr lang="en-US" sz="1200" kern="1200" dirty="0">
                           <a:solidFill>
                             <a:schemeClr val="dk1"/>
                           </a:solidFill>
@@ -33796,18 +32816,15 @@
                         </a:rPr>
                         <a:t>Oracle 11G Application Administration </a:t>
                       </a:r>
-                      <a:endParaRPr lang="en-US" sz="1200" kern="1200" dirty="0">
-                        <a:solidFill>
-                          <a:schemeClr val="dk1"/>
-                        </a:solidFill>
-                        <a:latin typeface="Calibri" panose="020F0502020204030204" pitchFamily="34" charset="0"/>
-                        <a:ea typeface="+mn-ea"/>
-                        <a:cs typeface="Times New Roman" panose="02020603050405020304" pitchFamily="18" charset="0"/>
-                      </a:endParaRPr>
                     </a:p>
                   </a:txBody>
                   <a:tcPr marL="91461" marR="91461" marT="45731" marB="45731" anchor="ctr"/>
                 </a:tc>
+                <a:extLst>
+                  <a:ext uri="{0D108BD9-81ED-4DB2-BD59-A6C34878D82A}">
+                    <a16:rowId xmlns:a16="http://schemas.microsoft.com/office/drawing/2014/main" val="10003"/>
+                  </a:ext>
+                </a:extLst>
               </a:tr>
               <a:tr h="583354">
                 <a:tc>
@@ -33820,7 +32837,7 @@
                         <a:buChar char="•"/>
                       </a:pPr>
                       <a:r>
-                        <a:rPr lang="en-US" sz="1200" kern="1200" dirty="0" smtClean="0">
+                        <a:rPr lang="en-US" sz="1200" kern="1200" dirty="0">
                           <a:solidFill>
                             <a:schemeClr val="dk1"/>
                           </a:solidFill>
@@ -33830,18 +32847,15 @@
                         </a:rPr>
                         <a:t>Version Control System Administration (PVCS &amp; IBM RTC) </a:t>
                       </a:r>
-                      <a:endParaRPr lang="en-US" sz="1200" kern="1200" dirty="0">
-                        <a:solidFill>
-                          <a:schemeClr val="dk1"/>
-                        </a:solidFill>
-                        <a:latin typeface="Calibri" panose="020F0502020204030204" pitchFamily="34" charset="0"/>
-                        <a:ea typeface="+mn-ea"/>
-                        <a:cs typeface="Times New Roman" panose="02020603050405020304" pitchFamily="18" charset="0"/>
-                      </a:endParaRPr>
                     </a:p>
                   </a:txBody>
                   <a:tcPr marL="91461" marR="91461" marT="45731" marB="45731" anchor="ctr"/>
                 </a:tc>
+                <a:extLst>
+                  <a:ext uri="{0D108BD9-81ED-4DB2-BD59-A6C34878D82A}">
+                    <a16:rowId xmlns:a16="http://schemas.microsoft.com/office/drawing/2014/main" val="10004"/>
+                  </a:ext>
+                </a:extLst>
               </a:tr>
               <a:tr h="689419">
                 <a:tc>
@@ -33854,7 +32868,7 @@
                         <a:buChar char="•"/>
                       </a:pPr>
                       <a:r>
-                        <a:rPr lang="en-US" sz="1200" kern="1200" dirty="0" smtClean="0">
+                        <a:rPr lang="en-US" sz="1200" kern="1200" dirty="0">
                           <a:solidFill>
                             <a:schemeClr val="dk1"/>
                           </a:solidFill>
@@ -33864,18 +32878,15 @@
                         </a:rPr>
                         <a:t>IBM Optim Data Archival Solutions </a:t>
                       </a:r>
-                      <a:endParaRPr lang="en-US" sz="1200" kern="1200" dirty="0">
-                        <a:solidFill>
-                          <a:schemeClr val="dk1"/>
-                        </a:solidFill>
-                        <a:latin typeface="Calibri" panose="020F0502020204030204" pitchFamily="34" charset="0"/>
-                        <a:ea typeface="+mn-ea"/>
-                        <a:cs typeface="Times New Roman" panose="02020603050405020304" pitchFamily="18" charset="0"/>
-                      </a:endParaRPr>
                     </a:p>
                   </a:txBody>
                   <a:tcPr marL="91461" marR="91461" marT="45731" marB="45731" anchor="ctr"/>
                 </a:tc>
+                <a:extLst>
+                  <a:ext uri="{0D108BD9-81ED-4DB2-BD59-A6C34878D82A}">
+                    <a16:rowId xmlns:a16="http://schemas.microsoft.com/office/drawing/2014/main" val="10005"/>
+                  </a:ext>
+                </a:extLst>
               </a:tr>
               <a:tr h="540929">
                 <a:tc>
@@ -33901,7 +32912,7 @@
                         <a:defRPr/>
                       </a:pPr>
                       <a:r>
-                        <a:rPr lang="en-US" sz="1200" kern="1200" dirty="0" smtClean="0">
+                        <a:rPr lang="en-US" sz="1200" kern="1200" dirty="0">
                           <a:solidFill>
                             <a:schemeClr val="dk1"/>
                           </a:solidFill>
@@ -33925,6 +32936,11 @@
                   </a:txBody>
                   <a:tcPr marL="91461" marR="91461" marT="45731" marB="45731" anchor="ctr"/>
                 </a:tc>
+                <a:extLst>
+                  <a:ext uri="{0D108BD9-81ED-4DB2-BD59-A6C34878D82A}">
+                    <a16:rowId xmlns:a16="http://schemas.microsoft.com/office/drawing/2014/main" val="10006"/>
+                  </a:ext>
+                </a:extLst>
               </a:tr>
               <a:tr h="569190">
                 <a:tc>
@@ -33950,7 +32966,7 @@
                         <a:defRPr/>
                       </a:pPr>
                       <a:r>
-                        <a:rPr lang="en-US" sz="1200" kern="1200" dirty="0" smtClean="0">
+                        <a:rPr lang="en-US" sz="1200" kern="1200" dirty="0">
                           <a:solidFill>
                             <a:schemeClr val="dk1"/>
                           </a:solidFill>
@@ -33974,6 +32990,11 @@
                   </a:txBody>
                   <a:tcPr marL="91461" marR="91461" marT="45731" marB="45731" anchor="ctr"/>
                 </a:tc>
+                <a:extLst>
+                  <a:ext uri="{0D108BD9-81ED-4DB2-BD59-A6C34878D82A}">
+                    <a16:rowId xmlns:a16="http://schemas.microsoft.com/office/drawing/2014/main" val="10007"/>
+                  </a:ext>
+                </a:extLst>
               </a:tr>
             </a:tbl>
           </a:graphicData>
@@ -33989,13 +33010,6 @@
   <p:clrMapOvr>
     <a:masterClrMapping/>
   </p:clrMapOvr>
-  <p:timing>
-    <p:tnLst>
-      <p:par>
-        <p:cTn id="1" dur="indefinite" restart="never" nodeType="tmRoot"/>
-      </p:par>
-    </p:tnLst>
-  </p:timing>
 </p:sld>
 </file>
 
@@ -34077,8 +33091,20 @@
                 <a:tableStyleId>{00A15C55-8517-42AA-B614-E9B94910E393}</a:tableStyleId>
               </a:tblPr>
               <a:tblGrid>
-                <a:gridCol w="7968417"/>
-                <a:gridCol w="3158836"/>
+                <a:gridCol w="7968417">
+                  <a:extLst>
+                    <a:ext uri="{9D8B030D-6E8A-4147-A177-3AD203B41FA5}">
+                      <a16:colId xmlns:a16="http://schemas.microsoft.com/office/drawing/2014/main" val="20000"/>
+                    </a:ext>
+                  </a:extLst>
+                </a:gridCol>
+                <a:gridCol w="3158836">
+                  <a:extLst>
+                    <a:ext uri="{9D8B030D-6E8A-4147-A177-3AD203B41FA5}">
+                      <a16:colId xmlns:a16="http://schemas.microsoft.com/office/drawing/2014/main" val="20001"/>
+                    </a:ext>
+                  </a:extLst>
+                </a:gridCol>
               </a:tblGrid>
               <a:tr h="891352">
                 <a:tc gridSpan="2">
@@ -34088,19 +33114,19 @@
                     <a:p>
                       <a:pPr algn="l"/>
                       <a:r>
-                        <a:rPr lang="en-IN" sz="1100" dirty="0" smtClean="0"/>
+                        <a:rPr lang="en-IN" sz="1100" dirty="0"/>
                         <a:t>Description – </a:t>
                       </a:r>
                     </a:p>
                     <a:p>
                       <a:r>
-                        <a:rPr lang="en-IN" sz="1100" dirty="0" smtClean="0">
+                        <a:rPr lang="en-IN" sz="1100" dirty="0">
                           <a:latin typeface="Calibri" panose="020F0502020204030204" pitchFamily="34" charset="0"/>
                         </a:rPr>
                         <a:t>Ensures that</a:t>
                       </a:r>
                       <a:r>
-                        <a:rPr lang="en-IN" sz="1100" baseline="0" dirty="0" smtClean="0">
+                        <a:rPr lang="en-IN" sz="1100" baseline="0" dirty="0">
                           <a:latin typeface="Calibri" panose="020F0502020204030204" pitchFamily="34" charset="0"/>
                         </a:rPr>
                         <a:t> the application is up and running with zero unplanned application downtime.</a:t>
@@ -34125,6 +33151,11 @@
                   </a:txBody>
                   <a:tcPr anchor="ctr"/>
                 </a:tc>
+                <a:extLst>
+                  <a:ext uri="{0D108BD9-81ED-4DB2-BD59-A6C34878D82A}">
+                    <a16:rowId xmlns:a16="http://schemas.microsoft.com/office/drawing/2014/main" val="10000"/>
+                  </a:ext>
+                </a:extLst>
               </a:tr>
               <a:tr h="719569">
                 <a:tc>
@@ -34137,7 +33168,7 @@
                         <a:buChar char="•"/>
                       </a:pPr>
                       <a:r>
-                        <a:rPr lang="en-US" sz="1200" kern="1200" dirty="0" smtClean="0">
+                        <a:rPr lang="en-US" sz="1200" kern="1200" dirty="0">
                           <a:solidFill>
                             <a:schemeClr val="tx1"/>
                           </a:solidFill>
@@ -34147,7 +33178,7 @@
                         </a:rPr>
                         <a:t>Incident management - logging, prioritizing and resolving incidents and track them against various SLAs.</a:t>
                       </a:r>
-                      <a:endParaRPr lang="en-IN" sz="1200" kern="1200" dirty="0" smtClean="0">
+                      <a:endParaRPr lang="en-IN" sz="1200" kern="1200" dirty="0">
                         <a:solidFill>
                           <a:schemeClr val="tx1"/>
                         </a:solidFill>
@@ -34173,6 +33204,11 @@
                     </a:solidFill>
                   </a:tcPr>
                 </a:tc>
+                <a:extLst>
+                  <a:ext uri="{0D108BD9-81ED-4DB2-BD59-A6C34878D82A}">
+                    <a16:rowId xmlns:a16="http://schemas.microsoft.com/office/drawing/2014/main" val="10001"/>
+                  </a:ext>
+                </a:extLst>
               </a:tr>
               <a:tr h="873341">
                 <a:tc>
@@ -34185,7 +33221,7 @@
                         <a:buChar char="•"/>
                       </a:pPr>
                       <a:r>
-                        <a:rPr lang="en-US" sz="1200" kern="1200" dirty="0" smtClean="0">
+                        <a:rPr lang="en-US" sz="1200" kern="1200" dirty="0">
                           <a:solidFill>
                             <a:schemeClr val="tx1"/>
                           </a:solidFill>
@@ -34195,7 +33231,7 @@
                         </a:rPr>
                         <a:t>Problem management - resolving recurring incidents permanently, performing break fixes and implementing preventative action items.</a:t>
                       </a:r>
-                      <a:endParaRPr lang="en-IN" sz="1200" kern="1200" dirty="0" smtClean="0">
+                      <a:endParaRPr lang="en-IN" sz="1200" kern="1200" dirty="0">
                         <a:solidFill>
                           <a:schemeClr val="tx1"/>
                         </a:solidFill>
@@ -34217,6 +33253,11 @@
                   </a:txBody>
                   <a:tcPr/>
                 </a:tc>
+                <a:extLst>
+                  <a:ext uri="{0D108BD9-81ED-4DB2-BD59-A6C34878D82A}">
+                    <a16:rowId xmlns:a16="http://schemas.microsoft.com/office/drawing/2014/main" val="10002"/>
+                  </a:ext>
+                </a:extLst>
               </a:tr>
               <a:tr h="915429">
                 <a:tc>
@@ -34229,7 +33270,7 @@
                         <a:buChar char="•"/>
                       </a:pPr>
                       <a:r>
-                        <a:rPr lang="en-US" sz="1200" kern="1200" dirty="0" smtClean="0">
+                        <a:rPr lang="en-US" sz="1200" kern="1200" dirty="0">
                           <a:solidFill>
                             <a:schemeClr val="tx1"/>
                           </a:solidFill>
@@ -34239,7 +33280,7 @@
                         </a:rPr>
                         <a:t>Change Management - submitting change requests, documenting impact and benefits, obtaining approval by a change control board and managing the  implementation</a:t>
                       </a:r>
-                      <a:endParaRPr lang="en-IE" sz="1200" kern="1200" dirty="0" smtClean="0">
+                      <a:endParaRPr lang="en-IE" sz="1200" kern="1200" dirty="0">
                         <a:solidFill>
                           <a:schemeClr val="tx1"/>
                         </a:solidFill>
@@ -34261,6 +33302,11 @@
                   </a:txBody>
                   <a:tcPr/>
                 </a:tc>
+                <a:extLst>
+                  <a:ext uri="{0D108BD9-81ED-4DB2-BD59-A6C34878D82A}">
+                    <a16:rowId xmlns:a16="http://schemas.microsoft.com/office/drawing/2014/main" val="10003"/>
+                  </a:ext>
+                </a:extLst>
               </a:tr>
               <a:tr h="705378">
                 <a:tc>
@@ -34273,7 +33319,7 @@
                         <a:buChar char="•"/>
                       </a:pPr>
                       <a:r>
-                        <a:rPr lang="en-US" sz="1200" kern="1200" dirty="0" smtClean="0">
+                        <a:rPr lang="en-US" sz="1200" kern="1200" dirty="0">
                           <a:solidFill>
                             <a:schemeClr val="tx1"/>
                           </a:solidFill>
@@ -34284,7 +33330,7 @@
                         <a:t>Management of production infrastructure. Have record of maintaining 100% availability of the production environment consecutively for more than 2 years with no unplanned downtime of the environment. </a:t>
                       </a:r>
                       <a:br>
-                        <a:rPr lang="en-US" sz="1200" kern="1200" dirty="0" smtClean="0">
+                        <a:rPr lang="en-US" sz="1200" kern="1200" dirty="0">
                           <a:solidFill>
                             <a:schemeClr val="tx1"/>
                           </a:solidFill>
@@ -34293,7 +33339,7 @@
                           <a:cs typeface="+mn-cs"/>
                         </a:rPr>
                       </a:br>
-                      <a:endParaRPr lang="en-IN" sz="1200" kern="1200" dirty="0" smtClean="0">
+                      <a:endParaRPr lang="en-IN" sz="1200" kern="1200" dirty="0">
                         <a:solidFill>
                           <a:schemeClr val="tx1"/>
                         </a:solidFill>
@@ -34319,6 +33365,11 @@
                     </a:solidFill>
                   </a:tcPr>
                 </a:tc>
+                <a:extLst>
+                  <a:ext uri="{0D108BD9-81ED-4DB2-BD59-A6C34878D82A}">
+                    <a16:rowId xmlns:a16="http://schemas.microsoft.com/office/drawing/2014/main" val="10004"/>
+                  </a:ext>
+                </a:extLst>
               </a:tr>
               <a:tr h="556084">
                 <a:tc>
@@ -34344,7 +33395,7 @@
                         <a:defRPr/>
                       </a:pPr>
                       <a:r>
-                        <a:rPr lang="en-US" sz="1200" kern="1200" dirty="0" smtClean="0">
+                        <a:rPr lang="en-US" sz="1200" kern="1200" dirty="0">
                           <a:solidFill>
                             <a:schemeClr val="tx1"/>
                           </a:solidFill>
@@ -34354,7 +33405,7 @@
                         </a:rPr>
                         <a:t>Driving continuous improvement programs on monitoring the infrastructure</a:t>
                       </a:r>
-                      <a:endParaRPr lang="en-IN" sz="1200" kern="1200" dirty="0" smtClean="0">
+                      <a:endParaRPr lang="en-IN" sz="1200" kern="1200" dirty="0">
                         <a:solidFill>
                           <a:schemeClr val="tx1"/>
                         </a:solidFill>
@@ -34368,7 +33419,7 @@
                         <a:buFont typeface="Arial" panose="020B0604020202020204" pitchFamily="34" charset="0"/>
                         <a:buChar char="•"/>
                       </a:pPr>
-                      <a:endParaRPr lang="en-IN" sz="1200" b="0" kern="1200" dirty="0" smtClean="0">
+                      <a:endParaRPr lang="en-IN" sz="1200" b="0" kern="1200" dirty="0">
                         <a:solidFill>
                           <a:schemeClr val="tx1"/>
                         </a:solidFill>
@@ -34394,6 +33445,11 @@
                     </a:solidFill>
                   </a:tcPr>
                 </a:tc>
+                <a:extLst>
+                  <a:ext uri="{0D108BD9-81ED-4DB2-BD59-A6C34878D82A}">
+                    <a16:rowId xmlns:a16="http://schemas.microsoft.com/office/drawing/2014/main" val="10005"/>
+                  </a:ext>
+                </a:extLst>
               </a:tr>
               <a:tr h="628837">
                 <a:tc>
@@ -34419,7 +33475,7 @@
                         <a:defRPr/>
                       </a:pPr>
                       <a:r>
-                        <a:rPr lang="en-US" sz="1200" kern="1200" dirty="0" smtClean="0">
+                        <a:rPr lang="en-US" sz="1200" kern="1200" dirty="0">
                           <a:solidFill>
                             <a:schemeClr val="tx1"/>
                           </a:solidFill>
@@ -34429,7 +33485,7 @@
                         </a:rPr>
                         <a:t>Production Application Support Operations including Incident Management</a:t>
                       </a:r>
-                      <a:endParaRPr lang="en-IE" sz="1200" kern="1200" dirty="0" smtClean="0">
+                      <a:endParaRPr lang="en-IE" sz="1200" kern="1200" dirty="0">
                         <a:solidFill>
                           <a:schemeClr val="tx1"/>
                         </a:solidFill>
@@ -34443,7 +33499,7 @@
                         <a:buFont typeface="Arial" panose="020B0604020202020204" pitchFamily="34" charset="0"/>
                         <a:buChar char="•"/>
                       </a:pPr>
-                      <a:endParaRPr lang="en-IN" sz="1200" b="0" kern="1200" dirty="0" smtClean="0">
+                      <a:endParaRPr lang="en-IN" sz="1200" b="0" kern="1200" dirty="0">
                         <a:solidFill>
                           <a:schemeClr val="tx1"/>
                         </a:solidFill>
@@ -34469,6 +33525,11 @@
                     </a:solidFill>
                   </a:tcPr>
                 </a:tc>
+                <a:extLst>
+                  <a:ext uri="{0D108BD9-81ED-4DB2-BD59-A6C34878D82A}">
+                    <a16:rowId xmlns:a16="http://schemas.microsoft.com/office/drawing/2014/main" val="10006"/>
+                  </a:ext>
+                </a:extLst>
               </a:tr>
             </a:tbl>
           </a:graphicData>
@@ -34512,7 +33573,7 @@
           <a:p>
             <a:pPr algn="ctr"/>
             <a:r>
-              <a:rPr lang="en-IN" sz="1400" b="1" dirty="0" smtClean="0">
+              <a:rPr lang="en-IN" sz="1400" b="1" dirty="0">
                 <a:ln/>
                 <a:solidFill>
                   <a:schemeClr val="accent4"/>
@@ -34807,9 +33868,6 @@
                 </a:rPr>
                 <a:t>Upon closure, update the resolution method</a:t>
               </a:r>
-              <a:endParaRPr lang="en-US" sz="1200" dirty="0">
-                <a:latin typeface="Calibri" panose="020F0502020204030204" pitchFamily="34" charset="0"/>
-              </a:endParaRPr>
             </a:p>
           </p:txBody>
         </p:sp>
@@ -35296,9 +34354,6 @@
                 </a:rPr>
                 <a:t>Select the respective Support group</a:t>
               </a:r>
-              <a:endParaRPr lang="en-US" sz="1200" dirty="0">
-                <a:latin typeface="Calibri" panose="020F0502020204030204" pitchFamily="34" charset="0"/>
-              </a:endParaRPr>
             </a:p>
           </p:txBody>
         </p:sp>
@@ -35461,9 +34516,6 @@
                 </a:rPr>
                 <a:t>Navigate to Incident Management</a:t>
               </a:r>
-              <a:endParaRPr lang="en-US" sz="1200" dirty="0">
-                <a:latin typeface="Calibri" panose="020F0502020204030204" pitchFamily="34" charset="0"/>
-              </a:endParaRPr>
             </a:p>
           </p:txBody>
         </p:sp>
@@ -35621,13 +34673,13 @@
                 </a:spcAft>
               </a:pPr>
               <a:r>
-                <a:rPr lang="en-US" sz="1200" kern="1200" dirty="0" smtClean="0">
+                <a:rPr lang="en-US" sz="1200" kern="1200" dirty="0">
                   <a:latin typeface="Calibri" panose="020F0502020204030204" pitchFamily="34" charset="0"/>
                 </a:rPr>
                 <a:t>Login to </a:t>
               </a:r>
               <a:r>
-                <a:rPr lang="en-US" sz="1200" dirty="0" smtClean="0">
+                <a:rPr lang="en-US" sz="1200" dirty="0">
                   <a:latin typeface="Calibri" panose="020F0502020204030204" pitchFamily="34" charset="0"/>
                 </a:rPr>
                 <a:t>ITSM</a:t>
@@ -35649,13 +34701,6 @@
   <p:clrMapOvr>
     <a:masterClrMapping/>
   </p:clrMapOvr>
-  <p:timing>
-    <p:tnLst>
-      <p:par>
-        <p:cTn id="1" dur="indefinite" restart="never" nodeType="tmRoot"/>
-      </p:par>
-    </p:tnLst>
-  </p:timing>
 </p:sld>
 </file>
 
@@ -35695,7 +34740,7 @@
           <a:p>
             <a:pPr lvl="0"/>
             <a:r>
-              <a:rPr lang="fr-FR" sz="2800" dirty="0" smtClean="0">
+              <a:rPr lang="fr-FR" sz="2800" dirty="0">
                 <a:solidFill>
                   <a:srgbClr val="00B050"/>
                 </a:solidFill>
@@ -35737,7 +34782,13 @@
                 <a:tableStyleId>{00A15C55-8517-42AA-B614-E9B94910E393}</a:tableStyleId>
               </a:tblPr>
               <a:tblGrid>
-                <a:gridCol w="11314290"/>
+                <a:gridCol w="11314290">
+                  <a:extLst>
+                    <a:ext uri="{9D8B030D-6E8A-4147-A177-3AD203B41FA5}">
+                      <a16:colId xmlns:a16="http://schemas.microsoft.com/office/drawing/2014/main" val="20000"/>
+                    </a:ext>
+                  </a:extLst>
+                </a:gridCol>
               </a:tblGrid>
               <a:tr h="880233">
                 <a:tc>
@@ -35747,19 +34798,19 @@
                     <a:p>
                       <a:pPr algn="l"/>
                       <a:r>
-                        <a:rPr lang="en-IN" sz="1100" dirty="0" smtClean="0"/>
+                        <a:rPr lang="en-IN" sz="1100" dirty="0"/>
                         <a:t>Description – </a:t>
                       </a:r>
                     </a:p>
                     <a:p>
                       <a:r>
-                        <a:rPr lang="en-IN" sz="1100" dirty="0" smtClean="0">
+                        <a:rPr lang="en-IN" sz="1100" dirty="0">
                           <a:latin typeface="Calibri" panose="020F0502020204030204" pitchFamily="34" charset="0"/>
                         </a:rPr>
                         <a:t>Handles</a:t>
                       </a:r>
                       <a:r>
-                        <a:rPr lang="en-IN" sz="1100" baseline="0" dirty="0" smtClean="0">
+                        <a:rPr lang="en-IN" sz="1100" baseline="0" dirty="0">
                           <a:latin typeface="Calibri" panose="020F0502020204030204" pitchFamily="34" charset="0"/>
                         </a:rPr>
                         <a:t> Access provisioning and de-provisioning requests.</a:t>
@@ -35771,6 +34822,11 @@
                   </a:txBody>
                   <a:tcPr marL="91461" marR="91461" marT="45731" marB="45731" anchor="ctr"/>
                 </a:tc>
+                <a:extLst>
+                  <a:ext uri="{0D108BD9-81ED-4DB2-BD59-A6C34878D82A}">
+                    <a16:rowId xmlns:a16="http://schemas.microsoft.com/office/drawing/2014/main" val="10000"/>
+                  </a:ext>
+                </a:extLst>
               </a:tr>
               <a:tr h="804111">
                 <a:tc>
@@ -35783,7 +34839,7 @@
                         <a:buChar char="ü"/>
                       </a:pPr>
                       <a:r>
-                        <a:rPr lang="en-US" sz="1800" b="0" kern="1200" dirty="0" smtClean="0">
+                        <a:rPr lang="en-US" sz="1800" b="0" kern="1200" dirty="0">
                           <a:solidFill>
                             <a:schemeClr val="dk1"/>
                           </a:solidFill>
@@ -35793,7 +34849,7 @@
                         </a:rPr>
                         <a:t>Implementation of SOX controls </a:t>
                       </a:r>
-                      <a:endParaRPr lang="en-IN" sz="1800" b="0" kern="1200" dirty="0" smtClean="0">
+                      <a:endParaRPr lang="en-IN" sz="1800" b="0" kern="1200" dirty="0">
                         <a:solidFill>
                           <a:schemeClr val="dk1"/>
                         </a:solidFill>
@@ -35805,6 +34861,11 @@
                   </a:txBody>
                   <a:tcPr marL="91461" marR="91461" marT="45731" marB="45731" anchor="ctr"/>
                 </a:tc>
+                <a:extLst>
+                  <a:ext uri="{0D108BD9-81ED-4DB2-BD59-A6C34878D82A}">
+                    <a16:rowId xmlns:a16="http://schemas.microsoft.com/office/drawing/2014/main" val="10001"/>
+                  </a:ext>
+                </a:extLst>
               </a:tr>
               <a:tr h="852055">
                 <a:tc>
@@ -35817,7 +34878,7 @@
                         <a:buChar char="ü"/>
                       </a:pPr>
                       <a:r>
-                        <a:rPr lang="en-US" sz="1800" kern="1200" dirty="0" smtClean="0">
+                        <a:rPr lang="en-US" sz="1800" kern="1200" dirty="0">
                           <a:solidFill>
                             <a:schemeClr val="dk1"/>
                           </a:solidFill>
@@ -35829,12 +34890,12 @@
                         <a:t>User Access Management</a:t>
                       </a:r>
                       <a:r>
-                        <a:rPr lang="en-US" sz="1200" dirty="0" smtClean="0">
+                        <a:rPr lang="en-US" sz="1200" dirty="0">
                           <a:effectLst/>
                         </a:rPr>
                         <a:t> </a:t>
                       </a:r>
-                      <a:endParaRPr lang="en-IN" sz="1200" kern="1200" dirty="0" smtClean="0">
+                      <a:endParaRPr lang="en-IN" sz="1200" kern="1200" dirty="0">
                         <a:solidFill>
                           <a:schemeClr val="tx1"/>
                         </a:solidFill>
@@ -35846,6 +34907,11 @@
                   </a:txBody>
                   <a:tcPr marL="91461" marR="91461" marT="45731" marB="45731" anchor="ctr"/>
                 </a:tc>
+                <a:extLst>
+                  <a:ext uri="{0D108BD9-81ED-4DB2-BD59-A6C34878D82A}">
+                    <a16:rowId xmlns:a16="http://schemas.microsoft.com/office/drawing/2014/main" val="10002"/>
+                  </a:ext>
+                </a:extLst>
               </a:tr>
               <a:tr h="862445">
                 <a:tc>
@@ -35858,7 +34924,7 @@
                         <a:buChar char="ü"/>
                       </a:pPr>
                       <a:r>
-                        <a:rPr lang="en-US" sz="1800" kern="1200" dirty="0" smtClean="0">
+                        <a:rPr lang="en-US" sz="1800" kern="1200" dirty="0">
                           <a:solidFill>
                             <a:schemeClr val="dk1"/>
                           </a:solidFill>
@@ -35870,12 +34936,12 @@
                         <a:t>Enterprise-wide implementation of Job Role Matrix (implemented in coordination with Ernst &amp;Young)</a:t>
                       </a:r>
                       <a:r>
-                        <a:rPr lang="en-US" sz="1200" dirty="0" smtClean="0">
+                        <a:rPr lang="en-US" sz="1200" dirty="0">
                           <a:effectLst/>
                         </a:rPr>
                         <a:t> </a:t>
                       </a:r>
-                      <a:endParaRPr lang="en-IE" sz="1200" kern="1200" dirty="0" smtClean="0">
+                      <a:endParaRPr lang="en-IE" sz="1200" kern="1200" dirty="0">
                         <a:solidFill>
                           <a:schemeClr val="tx1"/>
                         </a:solidFill>
@@ -35887,6 +34953,11 @@
                   </a:txBody>
                   <a:tcPr marL="91461" marR="91461" marT="45731" marB="45731" anchor="ctr"/>
                 </a:tc>
+                <a:extLst>
+                  <a:ext uri="{0D108BD9-81ED-4DB2-BD59-A6C34878D82A}">
+                    <a16:rowId xmlns:a16="http://schemas.microsoft.com/office/drawing/2014/main" val="10003"/>
+                  </a:ext>
+                </a:extLst>
               </a:tr>
               <a:tr h="810491">
                 <a:tc>
@@ -35899,7 +34970,7 @@
                         <a:buChar char="ü"/>
                       </a:pPr>
                       <a:r>
-                        <a:rPr lang="en-US" sz="1800" kern="1200" dirty="0" smtClean="0">
+                        <a:rPr lang="en-US" sz="1800" kern="1200" dirty="0">
                           <a:solidFill>
                             <a:schemeClr val="dk1"/>
                           </a:solidFill>
@@ -35910,7 +34981,7 @@
                         </a:rPr>
                         <a:t>OS level hardening</a:t>
                       </a:r>
-                      <a:endParaRPr lang="en-IE" sz="1200" kern="1200" dirty="0" smtClean="0">
+                      <a:endParaRPr lang="en-IE" sz="1200" kern="1200" dirty="0">
                         <a:solidFill>
                           <a:schemeClr val="tx1"/>
                         </a:solidFill>
@@ -35922,6 +34993,11 @@
                   </a:txBody>
                   <a:tcPr marL="91461" marR="91461" marT="45731" marB="45731" anchor="ctr"/>
                 </a:tc>
+                <a:extLst>
+                  <a:ext uri="{0D108BD9-81ED-4DB2-BD59-A6C34878D82A}">
+                    <a16:rowId xmlns:a16="http://schemas.microsoft.com/office/drawing/2014/main" val="10004"/>
+                  </a:ext>
+                </a:extLst>
               </a:tr>
               <a:tr h="997528">
                 <a:tc>
@@ -35934,7 +35010,7 @@
                         <a:buChar char="ü"/>
                       </a:pPr>
                       <a:r>
-                        <a:rPr lang="en-US" sz="1800" kern="1200" dirty="0" smtClean="0">
+                        <a:rPr lang="en-US" sz="1800" kern="1200" dirty="0">
                           <a:solidFill>
                             <a:schemeClr val="dk1"/>
                           </a:solidFill>
@@ -35945,7 +35021,7 @@
                         </a:rPr>
                         <a:t>Application level security features &amp; other hardening for security vulnerabilities</a:t>
                       </a:r>
-                      <a:endParaRPr lang="en-IE" sz="1200" kern="1200" dirty="0" smtClean="0">
+                      <a:endParaRPr lang="en-IE" sz="1200" kern="1200" dirty="0">
                         <a:solidFill>
                           <a:schemeClr val="tx1"/>
                         </a:solidFill>
@@ -35957,6 +35033,11 @@
                   </a:txBody>
                   <a:tcPr marL="91461" marR="91461" marT="45731" marB="45731" anchor="ctr"/>
                 </a:tc>
+                <a:extLst>
+                  <a:ext uri="{0D108BD9-81ED-4DB2-BD59-A6C34878D82A}">
+                    <a16:rowId xmlns:a16="http://schemas.microsoft.com/office/drawing/2014/main" val="10005"/>
+                  </a:ext>
+                </a:extLst>
               </a:tr>
             </a:tbl>
           </a:graphicData>
@@ -35972,13 +35053,6 @@
   <p:clrMapOvr>
     <a:masterClrMapping/>
   </p:clrMapOvr>
-  <p:timing>
-    <p:tnLst>
-      <p:par>
-        <p:cTn id="1" dur="indefinite" restart="never" nodeType="tmRoot"/>
-      </p:par>
-    </p:tnLst>
-  </p:timing>
 </p:sld>
 </file>
 
@@ -36061,7 +35135,7 @@
           <a:p>
             <a:pPr algn="ctr"/>
             <a:r>
-              <a:rPr lang="en-IN" sz="4000" dirty="0" smtClean="0">
+              <a:rPr lang="en-IN" sz="4000" dirty="0">
                 <a:latin typeface="Calibri" panose="020F0502020204030204" pitchFamily="34" charset="0"/>
               </a:rPr>
               <a:t>Thank You !!</a:t>
@@ -36082,13 +35156,6 @@
   <p:clrMapOvr>
     <a:masterClrMapping/>
   </p:clrMapOvr>
-  <p:timing>
-    <p:tnLst>
-      <p:par>
-        <p:cTn id="1" dur="indefinite" restart="never" nodeType="tmRoot"/>
-      </p:par>
-    </p:tnLst>
-  </p:timing>
 </p:sld>
 </file>
 
@@ -37456,23 +36523,6 @@
 </file>
 
 <file path=customXml/item1.xml><?xml version="1.0" encoding="utf-8"?>
-<?mso-contentType ?>
-<FormTemplates xmlns="http://schemas.microsoft.com/sharepoint/v3/contenttype/forms">
-  <Display>DocumentLibraryForm</Display>
-  <Edit>DocumentLibraryForm</Edit>
-  <New>DocumentLibraryForm</New>
-</FormTemplates>
-</file>
-
-<file path=customXml/item2.xml><?xml version="1.0" encoding="utf-8"?>
-<p:properties xmlns:p="http://schemas.microsoft.com/office/2006/metadata/properties" xmlns:xsi="http://www.w3.org/2001/XMLSchema-instance">
-  <documentManagement>
-    <Description0 xmlns="bc841b31-d549-43ed-bc47-0086310aa7e9" xsi:nil="true"/>
-  </documentManagement>
-</p:properties>
-</file>
-
-<file path=customXml/item3.xml><?xml version="1.0" encoding="utf-8"?>
 <ct:contentTypeSchema xmlns:ct="http://schemas.microsoft.com/office/2006/metadata/contentType" xmlns:ma="http://schemas.microsoft.com/office/2006/metadata/properties/metaAttributes" ct:_="" ma:_="" ma:contentTypeName="Document" ma:contentTypeID="0x0101007F480F3B2C10C74BB61478E4247D6E77" ma:contentTypeVersion="3" ma:contentTypeDescription="Create a new document." ma:contentTypeScope="" ma:versionID="bcb8cf291c8653af57dd6a29bb52d0ee">
   <xsd:schema xmlns:xsd="http://www.w3.org/2001/XMLSchema" xmlns:p="http://schemas.microsoft.com/office/2006/metadata/properties" xmlns:ns2="bc841b31-d549-43ed-bc47-0086310aa7e9" targetNamespace="http://schemas.microsoft.com/office/2006/metadata/properties" ma:root="true" ma:fieldsID="036f0d1f483fee2c7aa86809005d6981" ns2:_="">
     <xsd:import namespace="bc841b31-d549-43ed-bc47-0086310aa7e9"/>
@@ -37532,10 +36582,36 @@
 </ct:contentTypeSchema>
 </file>
 
+<file path=customXml/item2.xml><?xml version="1.0" encoding="utf-8"?>
+<p:properties xmlns:p="http://schemas.microsoft.com/office/2006/metadata/properties" xmlns:xsi="http://www.w3.org/2001/XMLSchema-instance">
+  <documentManagement>
+    <Description0 xmlns="bc841b31-d549-43ed-bc47-0086310aa7e9" xsi:nil="true"/>
+  </documentManagement>
+</p:properties>
+</file>
+
+<file path=customXml/item3.xml><?xml version="1.0" encoding="utf-8"?>
+<?mso-contentType ?>
+<FormTemplates xmlns="http://schemas.microsoft.com/sharepoint/v3/contenttype/forms">
+  <Display>DocumentLibraryForm</Display>
+  <Edit>DocumentLibraryForm</Edit>
+  <New>DocumentLibraryForm</New>
+</FormTemplates>
+</file>
+
 <file path=customXml/itemProps1.xml><?xml version="1.0" encoding="utf-8"?>
-<ds:datastoreItem xmlns:ds="http://schemas.openxmlformats.org/officeDocument/2006/customXml" ds:itemID="{9FB9E9F0-A80E-4BC0-BC10-BBDB06BF5FEE}">
+<ds:datastoreItem xmlns:ds="http://schemas.openxmlformats.org/officeDocument/2006/customXml" ds:itemID="{AD4E5E8F-D18A-405B-AB6A-19CBBCF6564B}">
   <ds:schemaRefs>
-    <ds:schemaRef ds:uri="http://schemas.microsoft.com/sharepoint/v3/contenttype/forms"/>
+    <ds:schemaRef ds:uri="http://schemas.microsoft.com/office/2006/metadata/contentType"/>
+    <ds:schemaRef ds:uri="http://schemas.microsoft.com/office/2006/metadata/properties/metaAttributes"/>
+    <ds:schemaRef ds:uri="http://www.w3.org/2001/XMLSchema"/>
+    <ds:schemaRef ds:uri="http://schemas.microsoft.com/office/2006/metadata/properties"/>
+    <ds:schemaRef ds:uri="bc841b31-d549-43ed-bc47-0086310aa7e9"/>
+    <ds:schemaRef ds:uri="http://schemas.microsoft.com/office/2006/documentManagement/types"/>
+    <ds:schemaRef ds:uri="http://schemas.openxmlformats.org/package/2006/metadata/core-properties"/>
+    <ds:schemaRef ds:uri="http://purl.org/dc/elements/1.1/"/>
+    <ds:schemaRef ds:uri="http://purl.org/dc/terms/"/>
+    <ds:schemaRef ds:uri="http://schemas.microsoft.com/office/internal/2005/internalDocumentation"/>
   </ds:schemaRefs>
 </ds:datastoreItem>
 </file>
@@ -37556,18 +36632,9 @@
 </file>
 
 <file path=customXml/itemProps3.xml><?xml version="1.0" encoding="utf-8"?>
-<ds:datastoreItem xmlns:ds="http://schemas.openxmlformats.org/officeDocument/2006/customXml" ds:itemID="{AD4E5E8F-D18A-405B-AB6A-19CBBCF6564B}">
+<ds:datastoreItem xmlns:ds="http://schemas.openxmlformats.org/officeDocument/2006/customXml" ds:itemID="{9FB9E9F0-A80E-4BC0-BC10-BBDB06BF5FEE}">
   <ds:schemaRefs>
-    <ds:schemaRef ds:uri="http://schemas.microsoft.com/office/2006/metadata/contentType"/>
-    <ds:schemaRef ds:uri="http://schemas.microsoft.com/office/2006/metadata/properties/metaAttributes"/>
-    <ds:schemaRef ds:uri="http://www.w3.org/2001/XMLSchema"/>
-    <ds:schemaRef ds:uri="http://schemas.microsoft.com/office/2006/metadata/properties"/>
-    <ds:schemaRef ds:uri="bc841b31-d549-43ed-bc47-0086310aa7e9"/>
-    <ds:schemaRef ds:uri="http://schemas.microsoft.com/office/2006/documentManagement/types"/>
-    <ds:schemaRef ds:uri="http://schemas.openxmlformats.org/package/2006/metadata/core-properties"/>
-    <ds:schemaRef ds:uri="http://purl.org/dc/elements/1.1/"/>
-    <ds:schemaRef ds:uri="http://purl.org/dc/terms/"/>
-    <ds:schemaRef ds:uri="http://schemas.microsoft.com/office/internal/2005/internalDocumentation"/>
+    <ds:schemaRef ds:uri="http://schemas.microsoft.com/sharepoint/v3/contenttype/forms"/>
   </ds:schemaRefs>
 </ds:datastoreItem>
 </file>
--- a/Accenture responsibilities.pptx
+++ b/Accenture responsibilities.pptx
@@ -11666,14 +11666,14 @@
             <a:effectLst/>
             <a:extLst>
               <a:ext uri="{909E8E84-426E-40dd-AFC4-6F175D3DCCD1}">
-                <a14:hiddenFill xmlns="" xmlns:a14="http://schemas.microsoft.com/office/drawing/2010/main">
+                <a14:hiddenFill xmlns:a14="http://schemas.microsoft.com/office/drawing/2010/main" xmlns="">
                   <a:solidFill>
                     <a:schemeClr val="accent1"/>
                   </a:solidFill>
                 </a14:hiddenFill>
               </a:ext>
               <a:ext uri="{91240B29-F687-4f45-9708-019B960494DF}">
-                <a14:hiddenLine xmlns="" xmlns:a14="http://schemas.microsoft.com/office/drawing/2010/main" w="9525">
+                <a14:hiddenLine xmlns:a14="http://schemas.microsoft.com/office/drawing/2010/main" xmlns="" w="9525">
                   <a:solidFill>
                     <a:schemeClr val="tx1"/>
                   </a:solidFill>
@@ -11683,7 +11683,7 @@
                 </a14:hiddenLine>
               </a:ext>
               <a:ext uri="{AF507438-7753-43e0-B8FC-AC1667EBCBE1}">
-                <a14:hiddenEffects xmlns="" xmlns:a14="http://schemas.microsoft.com/office/drawing/2010/main">
+                <a14:hiddenEffects xmlns:a14="http://schemas.microsoft.com/office/drawing/2010/main" xmlns="">
                   <a:effectLst>
                     <a:outerShdw dist="35921" dir="2700000" algn="ctr" rotWithShape="0">
                       <a:schemeClr val="bg2"/>
@@ -11746,14 +11746,14 @@
             <a:effectLst/>
             <a:extLst>
               <a:ext uri="{909E8E84-426E-40dd-AFC4-6F175D3DCCD1}">
-                <a14:hiddenFill xmlns="" xmlns:a14="http://schemas.microsoft.com/office/drawing/2010/main">
+                <a14:hiddenFill xmlns:a14="http://schemas.microsoft.com/office/drawing/2010/main" xmlns="">
                   <a:solidFill>
                     <a:schemeClr val="accent1"/>
                   </a:solidFill>
                 </a14:hiddenFill>
               </a:ext>
               <a:ext uri="{91240B29-F687-4f45-9708-019B960494DF}">
-                <a14:hiddenLine xmlns="" xmlns:a14="http://schemas.microsoft.com/office/drawing/2010/main" w="9525">
+                <a14:hiddenLine xmlns:a14="http://schemas.microsoft.com/office/drawing/2010/main" xmlns="" w="9525">
                   <a:solidFill>
                     <a:schemeClr val="tx1"/>
                   </a:solidFill>
@@ -11763,7 +11763,7 @@
                 </a14:hiddenLine>
               </a:ext>
               <a:ext uri="{AF507438-7753-43e0-B8FC-AC1667EBCBE1}">
-                <a14:hiddenEffects xmlns="" xmlns:a14="http://schemas.microsoft.com/office/drawing/2010/main">
+                <a14:hiddenEffects xmlns:a14="http://schemas.microsoft.com/office/drawing/2010/main" xmlns="">
                   <a:effectLst>
                     <a:outerShdw dist="35921" dir="2700000" algn="ctr" rotWithShape="0">
                       <a:schemeClr val="bg2"/>
@@ -30473,16 +30473,7 @@
                 </a:solidFill>
                 <a:latin typeface="Calibri" panose="020F0502020204030204" pitchFamily="34" charset="0"/>
               </a:rPr>
-              <a:t>In Brief </a:t>
-            </a:r>
-            <a:r>
-              <a:rPr lang="en-IN" sz="2400">
-                <a:solidFill>
-                  <a:srgbClr val="00B050"/>
-                </a:solidFill>
-                <a:latin typeface="Calibri" panose="020F0502020204030204" pitchFamily="34" charset="0"/>
-              </a:rPr>
-              <a:t>- Explanations</a:t>
+              <a:t>In Brief – Explanations ----</a:t>
             </a:r>
             <a:endParaRPr lang="en-US" sz="2400" dirty="0"/>
           </a:p>
@@ -36523,6 +36514,23 @@
 </file>
 
 <file path=customXml/item1.xml><?xml version="1.0" encoding="utf-8"?>
+<?mso-contentType ?>
+<FormTemplates xmlns="http://schemas.microsoft.com/sharepoint/v3/contenttype/forms">
+  <Display>DocumentLibraryForm</Display>
+  <Edit>DocumentLibraryForm</Edit>
+  <New>DocumentLibraryForm</New>
+</FormTemplates>
+</file>
+
+<file path=customXml/item2.xml><?xml version="1.0" encoding="utf-8"?>
+<p:properties xmlns:p="http://schemas.microsoft.com/office/2006/metadata/properties" xmlns:xsi="http://www.w3.org/2001/XMLSchema-instance">
+  <documentManagement>
+    <Description0 xmlns="bc841b31-d549-43ed-bc47-0086310aa7e9" xsi:nil="true"/>
+  </documentManagement>
+</p:properties>
+</file>
+
+<file path=customXml/item3.xml><?xml version="1.0" encoding="utf-8"?>
 <ct:contentTypeSchema xmlns:ct="http://schemas.microsoft.com/office/2006/metadata/contentType" xmlns:ma="http://schemas.microsoft.com/office/2006/metadata/properties/metaAttributes" ct:_="" ma:_="" ma:contentTypeName="Document" ma:contentTypeID="0x0101007F480F3B2C10C74BB61478E4247D6E77" ma:contentTypeVersion="3" ma:contentTypeDescription="Create a new document." ma:contentTypeScope="" ma:versionID="bcb8cf291c8653af57dd6a29bb52d0ee">
   <xsd:schema xmlns:xsd="http://www.w3.org/2001/XMLSchema" xmlns:p="http://schemas.microsoft.com/office/2006/metadata/properties" xmlns:ns2="bc841b31-d549-43ed-bc47-0086310aa7e9" targetNamespace="http://schemas.microsoft.com/office/2006/metadata/properties" ma:root="true" ma:fieldsID="036f0d1f483fee2c7aa86809005d6981" ns2:_="">
     <xsd:import namespace="bc841b31-d549-43ed-bc47-0086310aa7e9"/>
@@ -36582,36 +36590,10 @@
 </ct:contentTypeSchema>
 </file>
 
-<file path=customXml/item2.xml><?xml version="1.0" encoding="utf-8"?>
-<p:properties xmlns:p="http://schemas.microsoft.com/office/2006/metadata/properties" xmlns:xsi="http://www.w3.org/2001/XMLSchema-instance">
-  <documentManagement>
-    <Description0 xmlns="bc841b31-d549-43ed-bc47-0086310aa7e9" xsi:nil="true"/>
-  </documentManagement>
-</p:properties>
-</file>
-
-<file path=customXml/item3.xml><?xml version="1.0" encoding="utf-8"?>
-<?mso-contentType ?>
-<FormTemplates xmlns="http://schemas.microsoft.com/sharepoint/v3/contenttype/forms">
-  <Display>DocumentLibraryForm</Display>
-  <Edit>DocumentLibraryForm</Edit>
-  <New>DocumentLibraryForm</New>
-</FormTemplates>
-</file>
-
 <file path=customXml/itemProps1.xml><?xml version="1.0" encoding="utf-8"?>
-<ds:datastoreItem xmlns:ds="http://schemas.openxmlformats.org/officeDocument/2006/customXml" ds:itemID="{AD4E5E8F-D18A-405B-AB6A-19CBBCF6564B}">
+<ds:datastoreItem xmlns:ds="http://schemas.openxmlformats.org/officeDocument/2006/customXml" ds:itemID="{9FB9E9F0-A80E-4BC0-BC10-BBDB06BF5FEE}">
   <ds:schemaRefs>
-    <ds:schemaRef ds:uri="http://schemas.microsoft.com/office/2006/metadata/contentType"/>
-    <ds:schemaRef ds:uri="http://schemas.microsoft.com/office/2006/metadata/properties/metaAttributes"/>
-    <ds:schemaRef ds:uri="http://www.w3.org/2001/XMLSchema"/>
-    <ds:schemaRef ds:uri="http://schemas.microsoft.com/office/2006/metadata/properties"/>
-    <ds:schemaRef ds:uri="bc841b31-d549-43ed-bc47-0086310aa7e9"/>
-    <ds:schemaRef ds:uri="http://schemas.microsoft.com/office/2006/documentManagement/types"/>
-    <ds:schemaRef ds:uri="http://schemas.openxmlformats.org/package/2006/metadata/core-properties"/>
-    <ds:schemaRef ds:uri="http://purl.org/dc/elements/1.1/"/>
-    <ds:schemaRef ds:uri="http://purl.org/dc/terms/"/>
-    <ds:schemaRef ds:uri="http://schemas.microsoft.com/office/internal/2005/internalDocumentation"/>
+    <ds:schemaRef ds:uri="http://schemas.microsoft.com/sharepoint/v3/contenttype/forms"/>
   </ds:schemaRefs>
 </ds:datastoreItem>
 </file>
@@ -36632,9 +36614,18 @@
 </file>
 
 <file path=customXml/itemProps3.xml><?xml version="1.0" encoding="utf-8"?>
-<ds:datastoreItem xmlns:ds="http://schemas.openxmlformats.org/officeDocument/2006/customXml" ds:itemID="{9FB9E9F0-A80E-4BC0-BC10-BBDB06BF5FEE}">
+<ds:datastoreItem xmlns:ds="http://schemas.openxmlformats.org/officeDocument/2006/customXml" ds:itemID="{AD4E5E8F-D18A-405B-AB6A-19CBBCF6564B}">
   <ds:schemaRefs>
-    <ds:schemaRef ds:uri="http://schemas.microsoft.com/sharepoint/v3/contenttype/forms"/>
+    <ds:schemaRef ds:uri="http://schemas.microsoft.com/office/2006/metadata/contentType"/>
+    <ds:schemaRef ds:uri="http://schemas.microsoft.com/office/2006/metadata/properties/metaAttributes"/>
+    <ds:schemaRef ds:uri="http://www.w3.org/2001/XMLSchema"/>
+    <ds:schemaRef ds:uri="http://schemas.microsoft.com/office/2006/metadata/properties"/>
+    <ds:schemaRef ds:uri="bc841b31-d549-43ed-bc47-0086310aa7e9"/>
+    <ds:schemaRef ds:uri="http://schemas.microsoft.com/office/2006/documentManagement/types"/>
+    <ds:schemaRef ds:uri="http://schemas.openxmlformats.org/package/2006/metadata/core-properties"/>
+    <ds:schemaRef ds:uri="http://purl.org/dc/elements/1.1/"/>
+    <ds:schemaRef ds:uri="http://purl.org/dc/terms/"/>
+    <ds:schemaRef ds:uri="http://schemas.microsoft.com/office/internal/2005/internalDocumentation"/>
   </ds:schemaRefs>
 </ds:datastoreItem>
 </file>